--- a/content/part3/虚拟机执行子系统/file/画图.pptx
+++ b/content/part3/虚拟机执行子系统/file/画图.pptx
@@ -5,7 +5,7 @@
     <p:sldMasterId id="2147483648" r:id="rId1"/>
   </p:sldMasterIdLst>
   <p:notesMasterIdLst>
-    <p:notesMasterId r:id="rId7"/>
+    <p:notesMasterId r:id="rId10"/>
   </p:notesMasterIdLst>
   <p:sldIdLst>
     <p:sldId id="256" r:id="rId2"/>
@@ -13,6 +13,9 @@
     <p:sldId id="258" r:id="rId4"/>
     <p:sldId id="259" r:id="rId5"/>
     <p:sldId id="260" r:id="rId6"/>
+    <p:sldId id="261" r:id="rId7"/>
+    <p:sldId id="262" r:id="rId8"/>
+    <p:sldId id="263" r:id="rId9"/>
   </p:sldIdLst>
   <p:sldSz cx="12192000" cy="6858000"/>
   <p:notesSz cx="6858000" cy="9144000"/>
@@ -201,7 +204,7 @@
           <a:p>
             <a:fld id="{C471A36F-4133-40F4-995D-C11173A2996F}" type="datetimeFigureOut">
               <a:rPr lang="zh-CN" altLang="en-US" smtClean="0"/>
-              <a:t>2020/6/25</a:t>
+              <a:t>2020/6/26</a:t>
             </a:fld>
             <a:endParaRPr lang="zh-CN" altLang="en-US"/>
           </a:p>
@@ -951,6 +954,312 @@
 </p:notes>
 </file>
 
+<file path=ppt/notesSlides/notesSlide6.xml><?xml version="1.0" encoding="utf-8"?>
+<p:notes xmlns:a="http://schemas.openxmlformats.org/drawingml/2006/main" xmlns:r="http://schemas.openxmlformats.org/officeDocument/2006/relationships" xmlns:p="http://schemas.openxmlformats.org/presentationml/2006/main">
+  <p:cSld>
+    <p:spTree>
+      <p:nvGrpSpPr>
+        <p:cNvPr id="1" name=""/>
+        <p:cNvGrpSpPr/>
+        <p:nvPr/>
+      </p:nvGrpSpPr>
+      <p:grpSpPr>
+        <a:xfrm>
+          <a:off x="0" y="0"/>
+          <a:ext cx="0" cy="0"/>
+          <a:chOff x="0" y="0"/>
+          <a:chExt cx="0" cy="0"/>
+        </a:xfrm>
+      </p:grpSpPr>
+      <p:sp>
+        <p:nvSpPr>
+          <p:cNvPr id="2" name="幻灯片图像占位符 1"/>
+          <p:cNvSpPr>
+            <a:spLocks noGrp="1" noRot="1" noChangeAspect="1"/>
+          </p:cNvSpPr>
+          <p:nvPr>
+            <p:ph type="sldImg"/>
+          </p:nvPr>
+        </p:nvSpPr>
+        <p:spPr/>
+      </p:sp>
+      <p:sp>
+        <p:nvSpPr>
+          <p:cNvPr id="3" name="备注占位符 2"/>
+          <p:cNvSpPr>
+            <a:spLocks noGrp="1"/>
+          </p:cNvSpPr>
+          <p:nvPr>
+            <p:ph type="body" idx="1"/>
+          </p:nvPr>
+        </p:nvSpPr>
+        <p:spPr/>
+        <p:txBody>
+          <a:bodyPr/>
+          <a:lstStyle/>
+          <a:p>
+            <a:r>
+              <a:rPr lang="zh-CN" altLang="en-US"/>
+              <a:t>属性表的结构</a:t>
+            </a:r>
+          </a:p>
+        </p:txBody>
+      </p:sp>
+      <p:sp>
+        <p:nvSpPr>
+          <p:cNvPr id="4" name="灯片编号占位符 3"/>
+          <p:cNvSpPr>
+            <a:spLocks noGrp="1"/>
+          </p:cNvSpPr>
+          <p:nvPr>
+            <p:ph type="sldNum" sz="quarter" idx="5"/>
+          </p:nvPr>
+        </p:nvSpPr>
+        <p:spPr/>
+        <p:txBody>
+          <a:bodyPr/>
+          <a:lstStyle/>
+          <a:p>
+            <a:fld id="{80FDEE4C-6445-4C18-B9D8-740B4FCEB2C2}" type="slidenum">
+              <a:rPr lang="zh-CN" altLang="en-US" smtClean="0"/>
+              <a:t>6</a:t>
+            </a:fld>
+            <a:endParaRPr lang="zh-CN" altLang="en-US"/>
+          </a:p>
+        </p:txBody>
+      </p:sp>
+    </p:spTree>
+    <p:extLst>
+      <p:ext uri="{BB962C8B-B14F-4D97-AF65-F5344CB8AC3E}">
+        <p14:creationId xmlns:p14="http://schemas.microsoft.com/office/powerpoint/2010/main" val="546476663"/>
+      </p:ext>
+    </p:extLst>
+  </p:cSld>
+  <p:clrMapOvr>
+    <a:masterClrMapping/>
+  </p:clrMapOvr>
+</p:notes>
+</file>
+
+<file path=ppt/notesSlides/notesSlide7.xml><?xml version="1.0" encoding="utf-8"?>
+<p:notes xmlns:a="http://schemas.openxmlformats.org/drawingml/2006/main" xmlns:r="http://schemas.openxmlformats.org/officeDocument/2006/relationships" xmlns:p="http://schemas.openxmlformats.org/presentationml/2006/main">
+  <p:cSld>
+    <p:spTree>
+      <p:nvGrpSpPr>
+        <p:cNvPr id="1" name=""/>
+        <p:cNvGrpSpPr/>
+        <p:nvPr/>
+      </p:nvGrpSpPr>
+      <p:grpSpPr>
+        <a:xfrm>
+          <a:off x="0" y="0"/>
+          <a:ext cx="0" cy="0"/>
+          <a:chOff x="0" y="0"/>
+          <a:chExt cx="0" cy="0"/>
+        </a:xfrm>
+      </p:grpSpPr>
+      <p:sp>
+        <p:nvSpPr>
+          <p:cNvPr id="2" name="幻灯片图像占位符 1"/>
+          <p:cNvSpPr>
+            <a:spLocks noGrp="1" noRot="1" noChangeAspect="1"/>
+          </p:cNvSpPr>
+          <p:nvPr>
+            <p:ph type="sldImg"/>
+          </p:nvPr>
+        </p:nvSpPr>
+        <p:spPr/>
+      </p:sp>
+      <p:sp>
+        <p:nvSpPr>
+          <p:cNvPr id="3" name="备注占位符 2"/>
+          <p:cNvSpPr>
+            <a:spLocks noGrp="1"/>
+          </p:cNvSpPr>
+          <p:nvPr>
+            <p:ph type="body" idx="1"/>
+          </p:nvPr>
+        </p:nvSpPr>
+        <p:spPr/>
+        <p:txBody>
+          <a:bodyPr/>
+          <a:lstStyle/>
+          <a:p>
+            <a:pPr marL="0" marR="0" lvl="0" indent="0" algn="l" defTabSz="914400" rtl="0" eaLnBrk="1" fontAlgn="auto" latinLnBrk="0" hangingPunct="1">
+              <a:lnSpc>
+                <a:spcPct val="100000"/>
+              </a:lnSpc>
+              <a:spcBef>
+                <a:spcPts val="0"/>
+              </a:spcBef>
+              <a:spcAft>
+                <a:spcPts val="0"/>
+              </a:spcAft>
+              <a:buClrTx/>
+              <a:buSzTx/>
+              <a:buFontTx/>
+              <a:buNone/>
+              <a:tabLst/>
+              <a:defRPr/>
+            </a:pPr>
+            <a:r>
+              <a:rPr lang="en-US" altLang="zh-CN"/>
+              <a:t>Code</a:t>
+            </a:r>
+            <a:r>
+              <a:rPr lang="zh-CN" altLang="en-US"/>
+              <a:t>属性表的结构</a:t>
+            </a:r>
+          </a:p>
+        </p:txBody>
+      </p:sp>
+      <p:sp>
+        <p:nvSpPr>
+          <p:cNvPr id="4" name="灯片编号占位符 3"/>
+          <p:cNvSpPr>
+            <a:spLocks noGrp="1"/>
+          </p:cNvSpPr>
+          <p:nvPr>
+            <p:ph type="sldNum" sz="quarter" idx="5"/>
+          </p:nvPr>
+        </p:nvSpPr>
+        <p:spPr/>
+        <p:txBody>
+          <a:bodyPr/>
+          <a:lstStyle/>
+          <a:p>
+            <a:fld id="{80FDEE4C-6445-4C18-B9D8-740B4FCEB2C2}" type="slidenum">
+              <a:rPr lang="zh-CN" altLang="en-US" smtClean="0"/>
+              <a:t>7</a:t>
+            </a:fld>
+            <a:endParaRPr lang="zh-CN" altLang="en-US"/>
+          </a:p>
+        </p:txBody>
+      </p:sp>
+    </p:spTree>
+    <p:extLst>
+      <p:ext uri="{BB962C8B-B14F-4D97-AF65-F5344CB8AC3E}">
+        <p14:creationId xmlns:p14="http://schemas.microsoft.com/office/powerpoint/2010/main" val="292615579"/>
+      </p:ext>
+    </p:extLst>
+  </p:cSld>
+  <p:clrMapOvr>
+    <a:masterClrMapping/>
+  </p:clrMapOvr>
+</p:notes>
+</file>
+
+<file path=ppt/notesSlides/notesSlide8.xml><?xml version="1.0" encoding="utf-8"?>
+<p:notes xmlns:a="http://schemas.openxmlformats.org/drawingml/2006/main" xmlns:r="http://schemas.openxmlformats.org/officeDocument/2006/relationships" xmlns:p="http://schemas.openxmlformats.org/presentationml/2006/main">
+  <p:cSld>
+    <p:spTree>
+      <p:nvGrpSpPr>
+        <p:cNvPr id="1" name=""/>
+        <p:cNvGrpSpPr/>
+        <p:nvPr/>
+      </p:nvGrpSpPr>
+      <p:grpSpPr>
+        <a:xfrm>
+          <a:off x="0" y="0"/>
+          <a:ext cx="0" cy="0"/>
+          <a:chOff x="0" y="0"/>
+          <a:chExt cx="0" cy="0"/>
+        </a:xfrm>
+      </p:grpSpPr>
+      <p:sp>
+        <p:nvSpPr>
+          <p:cNvPr id="2" name="幻灯片图像占位符 1"/>
+          <p:cNvSpPr>
+            <a:spLocks noGrp="1" noRot="1" noChangeAspect="1"/>
+          </p:cNvSpPr>
+          <p:nvPr>
+            <p:ph type="sldImg"/>
+          </p:nvPr>
+        </p:nvSpPr>
+        <p:spPr/>
+      </p:sp>
+      <p:sp>
+        <p:nvSpPr>
+          <p:cNvPr id="3" name="备注占位符 2"/>
+          <p:cNvSpPr>
+            <a:spLocks noGrp="1"/>
+          </p:cNvSpPr>
+          <p:nvPr>
+            <p:ph type="body" idx="1"/>
+          </p:nvPr>
+        </p:nvSpPr>
+        <p:spPr/>
+        <p:txBody>
+          <a:bodyPr/>
+          <a:lstStyle/>
+          <a:p>
+            <a:pPr marL="0" marR="0" lvl="0" indent="0" algn="l" defTabSz="914400" rtl="0" eaLnBrk="1" fontAlgn="auto" latinLnBrk="0" hangingPunct="1">
+              <a:lnSpc>
+                <a:spcPct val="100000"/>
+              </a:lnSpc>
+              <a:spcBef>
+                <a:spcPts val="0"/>
+              </a:spcBef>
+              <a:spcAft>
+                <a:spcPts val="0"/>
+              </a:spcAft>
+              <a:buClrTx/>
+              <a:buSzTx/>
+              <a:buFontTx/>
+              <a:buNone/>
+              <a:tabLst/>
+              <a:defRPr/>
+            </a:pPr>
+            <a:r>
+              <a:rPr lang="en-US" altLang="zh-CN"/>
+              <a:t>Exceptions</a:t>
+            </a:r>
+            <a:r>
+              <a:rPr lang="zh-CN" altLang="en-US"/>
+              <a:t>属性结构</a:t>
+            </a:r>
+          </a:p>
+          <a:p>
+            <a:endParaRPr lang="zh-CN" altLang="en-US"/>
+          </a:p>
+        </p:txBody>
+      </p:sp>
+      <p:sp>
+        <p:nvSpPr>
+          <p:cNvPr id="4" name="灯片编号占位符 3"/>
+          <p:cNvSpPr>
+            <a:spLocks noGrp="1"/>
+          </p:cNvSpPr>
+          <p:nvPr>
+            <p:ph type="sldNum" sz="quarter" idx="5"/>
+          </p:nvPr>
+        </p:nvSpPr>
+        <p:spPr/>
+        <p:txBody>
+          <a:bodyPr/>
+          <a:lstStyle/>
+          <a:p>
+            <a:fld id="{80FDEE4C-6445-4C18-B9D8-740B4FCEB2C2}" type="slidenum">
+              <a:rPr lang="zh-CN" altLang="en-US" smtClean="0"/>
+              <a:t>8</a:t>
+            </a:fld>
+            <a:endParaRPr lang="zh-CN" altLang="en-US"/>
+          </a:p>
+        </p:txBody>
+      </p:sp>
+    </p:spTree>
+    <p:extLst>
+      <p:ext uri="{BB962C8B-B14F-4D97-AF65-F5344CB8AC3E}">
+        <p14:creationId xmlns:p14="http://schemas.microsoft.com/office/powerpoint/2010/main" val="1403908015"/>
+      </p:ext>
+    </p:extLst>
+  </p:cSld>
+  <p:clrMapOvr>
+    <a:masterClrMapping/>
+  </p:clrMapOvr>
+</p:notes>
+</file>
+
 <file path=ppt/slideLayouts/slideLayout1.xml><?xml version="1.0" encoding="utf-8"?>
 <p:sldLayout xmlns:a="http://schemas.openxmlformats.org/drawingml/2006/main" xmlns:r="http://schemas.openxmlformats.org/officeDocument/2006/relationships" xmlns:p="http://schemas.openxmlformats.org/presentationml/2006/main" type="title" preserve="1">
   <p:cSld name="标题幻灯片">
@@ -1098,7 +1407,7 @@
           <a:p>
             <a:fld id="{A6A4A897-575C-41C4-8D1F-1255879863ED}" type="datetimeFigureOut">
               <a:rPr lang="zh-CN" altLang="en-US" smtClean="0"/>
-              <a:t>2020/6/25</a:t>
+              <a:t>2020/6/26</a:t>
             </a:fld>
             <a:endParaRPr lang="zh-CN" altLang="en-US"/>
           </a:p>
@@ -1296,7 +1605,7 @@
           <a:p>
             <a:fld id="{A6A4A897-575C-41C4-8D1F-1255879863ED}" type="datetimeFigureOut">
               <a:rPr lang="zh-CN" altLang="en-US" smtClean="0"/>
-              <a:t>2020/6/25</a:t>
+              <a:t>2020/6/26</a:t>
             </a:fld>
             <a:endParaRPr lang="zh-CN" altLang="en-US"/>
           </a:p>
@@ -1504,7 +1813,7 @@
           <a:p>
             <a:fld id="{A6A4A897-575C-41C4-8D1F-1255879863ED}" type="datetimeFigureOut">
               <a:rPr lang="zh-CN" altLang="en-US" smtClean="0"/>
-              <a:t>2020/6/25</a:t>
+              <a:t>2020/6/26</a:t>
             </a:fld>
             <a:endParaRPr lang="zh-CN" altLang="en-US"/>
           </a:p>
@@ -1702,7 +2011,7 @@
           <a:p>
             <a:fld id="{A6A4A897-575C-41C4-8D1F-1255879863ED}" type="datetimeFigureOut">
               <a:rPr lang="zh-CN" altLang="en-US" smtClean="0"/>
-              <a:t>2020/6/25</a:t>
+              <a:t>2020/6/26</a:t>
             </a:fld>
             <a:endParaRPr lang="zh-CN" altLang="en-US"/>
           </a:p>
@@ -1977,7 +2286,7 @@
           <a:p>
             <a:fld id="{A6A4A897-575C-41C4-8D1F-1255879863ED}" type="datetimeFigureOut">
               <a:rPr lang="zh-CN" altLang="en-US" smtClean="0"/>
-              <a:t>2020/6/25</a:t>
+              <a:t>2020/6/26</a:t>
             </a:fld>
             <a:endParaRPr lang="zh-CN" altLang="en-US"/>
           </a:p>
@@ -2242,7 +2551,7 @@
           <a:p>
             <a:fld id="{A6A4A897-575C-41C4-8D1F-1255879863ED}" type="datetimeFigureOut">
               <a:rPr lang="zh-CN" altLang="en-US" smtClean="0"/>
-              <a:t>2020/6/25</a:t>
+              <a:t>2020/6/26</a:t>
             </a:fld>
             <a:endParaRPr lang="zh-CN" altLang="en-US"/>
           </a:p>
@@ -2654,7 +2963,7 @@
           <a:p>
             <a:fld id="{A6A4A897-575C-41C4-8D1F-1255879863ED}" type="datetimeFigureOut">
               <a:rPr lang="zh-CN" altLang="en-US" smtClean="0"/>
-              <a:t>2020/6/25</a:t>
+              <a:t>2020/6/26</a:t>
             </a:fld>
             <a:endParaRPr lang="zh-CN" altLang="en-US"/>
           </a:p>
@@ -2795,7 +3104,7 @@
           <a:p>
             <a:fld id="{A6A4A897-575C-41C4-8D1F-1255879863ED}" type="datetimeFigureOut">
               <a:rPr lang="zh-CN" altLang="en-US" smtClean="0"/>
-              <a:t>2020/6/25</a:t>
+              <a:t>2020/6/26</a:t>
             </a:fld>
             <a:endParaRPr lang="zh-CN" altLang="en-US"/>
           </a:p>
@@ -2908,7 +3217,7 @@
           <a:p>
             <a:fld id="{A6A4A897-575C-41C4-8D1F-1255879863ED}" type="datetimeFigureOut">
               <a:rPr lang="zh-CN" altLang="en-US" smtClean="0"/>
-              <a:t>2020/6/25</a:t>
+              <a:t>2020/6/26</a:t>
             </a:fld>
             <a:endParaRPr lang="zh-CN" altLang="en-US"/>
           </a:p>
@@ -3219,7 +3528,7 @@
           <a:p>
             <a:fld id="{A6A4A897-575C-41C4-8D1F-1255879863ED}" type="datetimeFigureOut">
               <a:rPr lang="zh-CN" altLang="en-US" smtClean="0"/>
-              <a:t>2020/6/25</a:t>
+              <a:t>2020/6/26</a:t>
             </a:fld>
             <a:endParaRPr lang="zh-CN" altLang="en-US"/>
           </a:p>
@@ -3507,7 +3816,7 @@
           <a:p>
             <a:fld id="{A6A4A897-575C-41C4-8D1F-1255879863ED}" type="datetimeFigureOut">
               <a:rPr lang="zh-CN" altLang="en-US" smtClean="0"/>
-              <a:t>2020/6/25</a:t>
+              <a:t>2020/6/26</a:t>
             </a:fld>
             <a:endParaRPr lang="zh-CN" altLang="en-US"/>
           </a:p>
@@ -3748,7 +4057,7 @@
           <a:p>
             <a:fld id="{A6A4A897-575C-41C4-8D1F-1255879863ED}" type="datetimeFigureOut">
               <a:rPr lang="zh-CN" altLang="en-US" smtClean="0"/>
-              <a:t>2020/6/25</a:t>
+              <a:t>2020/6/26</a:t>
             </a:fld>
             <a:endParaRPr lang="zh-CN" altLang="en-US"/>
           </a:p>
@@ -7892,14 +8201,14 @@
           <p:nvPr>
             <p:extLst>
               <p:ext uri="{D42A27DB-BD31-4B8C-83A1-F6EECF244321}">
-                <p14:modId xmlns:p14="http://schemas.microsoft.com/office/powerpoint/2010/main" val="734004102"/>
+                <p14:modId xmlns:p14="http://schemas.microsoft.com/office/powerpoint/2010/main" val="880282461"/>
               </p:ext>
             </p:extLst>
           </p:nvPr>
         </p:nvGraphicFramePr>
         <p:xfrm>
           <a:off x="2479769" y="2189060"/>
-          <a:ext cx="7632511" cy="2779036"/>
+          <a:ext cx="7632511" cy="3266716"/>
         </p:xfrm>
         <a:graphic>
           <a:graphicData uri="http://schemas.openxmlformats.org/drawingml/2006/table">
@@ -8430,39 +8739,23 @@
                       </a:pPr>
                       <a:r>
                         <a:rPr lang="zh-CN" altLang="en-US" sz="1600"/>
-                        <a:t>存储字段的额外信息，</a:t>
-                      </a:r>
-                      <a:endParaRPr lang="en-US" altLang="zh-CN" sz="1600"/>
-                    </a:p>
-                    <a:p>
-                      <a:pPr marL="0" marR="0" lvl="0" indent="0" algn="ctr" defTabSz="914400" rtl="0" eaLnBrk="1" fontAlgn="auto" latinLnBrk="0" hangingPunct="1">
-                        <a:lnSpc>
-                          <a:spcPct val="100000"/>
-                        </a:lnSpc>
-                        <a:spcBef>
-                          <a:spcPts val="0"/>
-                        </a:spcBef>
-                        <a:spcAft>
-                          <a:spcPts val="0"/>
-                        </a:spcAft>
-                        <a:buClrTx/>
-                        <a:buSzTx/>
-                        <a:buFontTx/>
-                        <a:buNone/>
-                        <a:tabLst/>
-                        <a:defRPr/>
-                      </a:pPr>
+                        <a:t>属性表，存储字段的额外信息，如</a:t>
+                      </a:r>
+                      <a:r>
+                        <a:rPr lang="en-US" altLang="zh-CN" sz="1600"/>
+                        <a:t>final static</a:t>
+                      </a:r>
                       <a:r>
                         <a:rPr lang="zh-CN" altLang="en-US" sz="1600"/>
-                        <a:t>如</a:t>
-                      </a:r>
-                      <a:r>
-                        <a:rPr lang="en-US" altLang="zh-CN" sz="1600"/>
-                        <a:t>final</a:t>
+                        <a:t>声明的字段，将会有一个</a:t>
+                      </a:r>
+                      <a:r>
+                        <a:rPr lang="en-US" altLang="zh-CN" sz="1600"/>
+                        <a:t>ConstantValue</a:t>
                       </a:r>
                       <a:r>
                         <a:rPr lang="zh-CN" altLang="en-US" sz="1600"/>
-                        <a:t>声明的初始值</a:t>
+                        <a:t>的属性</a:t>
                       </a:r>
                     </a:p>
                   </a:txBody>
@@ -8517,6 +8810,1793 @@
     <p:extLst>
       <p:ext uri="{BB962C8B-B14F-4D97-AF65-F5344CB8AC3E}">
         <p14:creationId xmlns:p14="http://schemas.microsoft.com/office/powerpoint/2010/main" val="3258486993"/>
+      </p:ext>
+    </p:extLst>
+  </p:cSld>
+  <p:clrMapOvr>
+    <a:masterClrMapping/>
+  </p:clrMapOvr>
+</p:sld>
+</file>
+
+<file path=ppt/slides/slide6.xml><?xml version="1.0" encoding="utf-8"?>
+<p:sld xmlns:a="http://schemas.openxmlformats.org/drawingml/2006/main" xmlns:r="http://schemas.openxmlformats.org/officeDocument/2006/relationships" xmlns:p="http://schemas.openxmlformats.org/presentationml/2006/main">
+  <p:cSld>
+    <p:spTree>
+      <p:nvGrpSpPr>
+        <p:cNvPr id="1" name=""/>
+        <p:cNvGrpSpPr/>
+        <p:nvPr/>
+      </p:nvGrpSpPr>
+      <p:grpSpPr>
+        <a:xfrm>
+          <a:off x="0" y="0"/>
+          <a:ext cx="0" cy="0"/>
+          <a:chOff x="0" y="0"/>
+          <a:chExt cx="0" cy="0"/>
+        </a:xfrm>
+      </p:grpSpPr>
+      <p:graphicFrame>
+        <p:nvGraphicFramePr>
+          <p:cNvPr id="4" name="表格 4">
+            <a:extLst>
+              <a:ext uri="{FF2B5EF4-FFF2-40B4-BE49-F238E27FC236}">
+                <a16:creationId xmlns:a16="http://schemas.microsoft.com/office/drawing/2014/main" id="{88EA937A-A68C-499B-9518-FE15C02169C3}"/>
+              </a:ext>
+            </a:extLst>
+          </p:cNvPr>
+          <p:cNvGraphicFramePr>
+            <a:graphicFrameLocks noGrp="1"/>
+          </p:cNvGraphicFramePr>
+          <p:nvPr>
+            <p:extLst>
+              <p:ext uri="{D42A27DB-BD31-4B8C-83A1-F6EECF244321}">
+                <p14:modId xmlns:p14="http://schemas.microsoft.com/office/powerpoint/2010/main" val="2979061328"/>
+              </p:ext>
+            </p:extLst>
+          </p:nvPr>
+        </p:nvGraphicFramePr>
+        <p:xfrm>
+          <a:off x="2279744" y="2370035"/>
+          <a:ext cx="7632511" cy="1379634"/>
+        </p:xfrm>
+        <a:graphic>
+          <a:graphicData uri="http://schemas.openxmlformats.org/drawingml/2006/table">
+            <a:tbl>
+              <a:tblPr firstRow="1" bandRow="1">
+                <a:tableStyleId>{F5AB1C69-6EDB-4FF4-983F-18BD219EF322}</a:tableStyleId>
+              </a:tblPr>
+              <a:tblGrid>
+                <a:gridCol w="1520731">
+                  <a:extLst>
+                    <a:ext uri="{9D8B030D-6E8A-4147-A177-3AD203B41FA5}">
+                      <a16:colId xmlns:a16="http://schemas.microsoft.com/office/drawing/2014/main" val="3830589145"/>
+                    </a:ext>
+                  </a:extLst>
+                </a:gridCol>
+                <a:gridCol w="2247900">
+                  <a:extLst>
+                    <a:ext uri="{9D8B030D-6E8A-4147-A177-3AD203B41FA5}">
+                      <a16:colId xmlns:a16="http://schemas.microsoft.com/office/drawing/2014/main" val="1852579379"/>
+                    </a:ext>
+                  </a:extLst>
+                </a:gridCol>
+                <a:gridCol w="1676400">
+                  <a:extLst>
+                    <a:ext uri="{9D8B030D-6E8A-4147-A177-3AD203B41FA5}">
+                      <a16:colId xmlns:a16="http://schemas.microsoft.com/office/drawing/2014/main" val="2087981020"/>
+                    </a:ext>
+                  </a:extLst>
+                </a:gridCol>
+                <a:gridCol w="2187480">
+                  <a:extLst>
+                    <a:ext uri="{9D8B030D-6E8A-4147-A177-3AD203B41FA5}">
+                      <a16:colId xmlns:a16="http://schemas.microsoft.com/office/drawing/2014/main" val="1553864376"/>
+                    </a:ext>
+                  </a:extLst>
+                </a:gridCol>
+              </a:tblGrid>
+              <a:tr h="337958">
+                <a:tc>
+                  <a:txBody>
+                    <a:bodyPr/>
+                    <a:lstStyle/>
+                    <a:p>
+                      <a:pPr algn="ctr"/>
+                      <a:r>
+                        <a:rPr lang="zh-CN" altLang="en-US"/>
+                        <a:t>类型</a:t>
+                      </a:r>
+                    </a:p>
+                  </a:txBody>
+                  <a:tcPr/>
+                </a:tc>
+                <a:tc>
+                  <a:txBody>
+                    <a:bodyPr/>
+                    <a:lstStyle/>
+                    <a:p>
+                      <a:pPr algn="ctr"/>
+                      <a:r>
+                        <a:rPr lang="zh-CN" altLang="en-US"/>
+                        <a:t>名称</a:t>
+                      </a:r>
+                    </a:p>
+                  </a:txBody>
+                  <a:tcPr/>
+                </a:tc>
+                <a:tc>
+                  <a:txBody>
+                    <a:bodyPr/>
+                    <a:lstStyle/>
+                    <a:p>
+                      <a:pPr algn="ctr"/>
+                      <a:r>
+                        <a:rPr lang="zh-CN" altLang="en-US"/>
+                        <a:t>数量</a:t>
+                      </a:r>
+                    </a:p>
+                  </a:txBody>
+                  <a:tcPr/>
+                </a:tc>
+                <a:tc>
+                  <a:txBody>
+                    <a:bodyPr/>
+                    <a:lstStyle/>
+                    <a:p>
+                      <a:pPr algn="ctr"/>
+                      <a:r>
+                        <a:rPr lang="zh-CN" altLang="en-US"/>
+                        <a:t>解释</a:t>
+                      </a:r>
+                    </a:p>
+                  </a:txBody>
+                  <a:tcPr/>
+                </a:tc>
+                <a:extLst>
+                  <a:ext uri="{0D108BD9-81ED-4DB2-BD59-A6C34878D82A}">
+                    <a16:rowId xmlns:a16="http://schemas.microsoft.com/office/drawing/2014/main" val="3943703705"/>
+                  </a:ext>
+                </a:extLst>
+              </a:tr>
+              <a:tr h="337958">
+                <a:tc>
+                  <a:txBody>
+                    <a:bodyPr/>
+                    <a:lstStyle/>
+                    <a:p>
+                      <a:pPr algn="ctr"/>
+                      <a:r>
+                        <a:rPr lang="en-US" altLang="zh-CN" sz="1600"/>
+                        <a:t>u2</a:t>
+                      </a:r>
+                      <a:endParaRPr lang="zh-CN" altLang="en-US" sz="1600"/>
+                    </a:p>
+                  </a:txBody>
+                  <a:tcPr/>
+                </a:tc>
+                <a:tc>
+                  <a:txBody>
+                    <a:bodyPr/>
+                    <a:lstStyle/>
+                    <a:p>
+                      <a:pPr algn="ctr"/>
+                      <a:r>
+                        <a:rPr lang="en-US" altLang="zh-CN" sz="1600"/>
+                        <a:t>attribute_name_index</a:t>
+                      </a:r>
+                      <a:endParaRPr lang="zh-CN" altLang="en-US" sz="1600"/>
+                    </a:p>
+                  </a:txBody>
+                  <a:tcPr/>
+                </a:tc>
+                <a:tc>
+                  <a:txBody>
+                    <a:bodyPr/>
+                    <a:lstStyle/>
+                    <a:p>
+                      <a:pPr algn="ctr"/>
+                      <a:r>
+                        <a:rPr lang="en-US" altLang="zh-CN" sz="1600"/>
+                        <a:t>1</a:t>
+                      </a:r>
+                      <a:endParaRPr lang="zh-CN" altLang="en-US" sz="1600"/>
+                    </a:p>
+                  </a:txBody>
+                  <a:tcPr/>
+                </a:tc>
+                <a:tc>
+                  <a:txBody>
+                    <a:bodyPr/>
+                    <a:lstStyle/>
+                    <a:p>
+                      <a:pPr algn="ctr"/>
+                      <a:r>
+                        <a:rPr lang="zh-CN" altLang="en-US" sz="1600"/>
+                        <a:t>属性名称</a:t>
+                      </a:r>
+                    </a:p>
+                  </a:txBody>
+                  <a:tcPr/>
+                </a:tc>
+                <a:extLst>
+                  <a:ext uri="{0D108BD9-81ED-4DB2-BD59-A6C34878D82A}">
+                    <a16:rowId xmlns:a16="http://schemas.microsoft.com/office/drawing/2014/main" val="1630081084"/>
+                  </a:ext>
+                </a:extLst>
+              </a:tr>
+              <a:tr h="337958">
+                <a:tc>
+                  <a:txBody>
+                    <a:bodyPr/>
+                    <a:lstStyle/>
+                    <a:p>
+                      <a:pPr algn="ctr"/>
+                      <a:r>
+                        <a:rPr lang="en-US" altLang="zh-CN" sz="1600"/>
+                        <a:t>u4</a:t>
+                      </a:r>
+                      <a:endParaRPr lang="zh-CN" altLang="en-US" sz="1600"/>
+                    </a:p>
+                  </a:txBody>
+                  <a:tcPr/>
+                </a:tc>
+                <a:tc>
+                  <a:txBody>
+                    <a:bodyPr/>
+                    <a:lstStyle/>
+                    <a:p>
+                      <a:pPr algn="ctr"/>
+                      <a:r>
+                        <a:rPr lang="en-US" altLang="zh-CN" sz="1600"/>
+                        <a:t>attribute_length</a:t>
+                      </a:r>
+                      <a:endParaRPr lang="zh-CN" altLang="en-US" sz="1600"/>
+                    </a:p>
+                  </a:txBody>
+                  <a:tcPr/>
+                </a:tc>
+                <a:tc>
+                  <a:txBody>
+                    <a:bodyPr/>
+                    <a:lstStyle/>
+                    <a:p>
+                      <a:pPr algn="ctr"/>
+                      <a:r>
+                        <a:rPr lang="en-US" altLang="zh-CN" sz="1600"/>
+                        <a:t>1</a:t>
+                      </a:r>
+                      <a:endParaRPr lang="zh-CN" altLang="en-US" sz="1600"/>
+                    </a:p>
+                  </a:txBody>
+                  <a:tcPr/>
+                </a:tc>
+                <a:tc>
+                  <a:txBody>
+                    <a:bodyPr/>
+                    <a:lstStyle/>
+                    <a:p>
+                      <a:pPr algn="ctr"/>
+                      <a:r>
+                        <a:rPr lang="zh-CN" altLang="en-US" sz="1600"/>
+                        <a:t>属性值占用的位数</a:t>
+                      </a:r>
+                    </a:p>
+                  </a:txBody>
+                  <a:tcPr/>
+                </a:tc>
+                <a:extLst>
+                  <a:ext uri="{0D108BD9-81ED-4DB2-BD59-A6C34878D82A}">
+                    <a16:rowId xmlns:a16="http://schemas.microsoft.com/office/drawing/2014/main" val="3279794038"/>
+                  </a:ext>
+                </a:extLst>
+              </a:tr>
+              <a:tr h="337958">
+                <a:tc>
+                  <a:txBody>
+                    <a:bodyPr/>
+                    <a:lstStyle/>
+                    <a:p>
+                      <a:pPr algn="ctr"/>
+                      <a:r>
+                        <a:rPr lang="en-US" altLang="zh-CN" sz="1600"/>
+                        <a:t>u1</a:t>
+                      </a:r>
+                      <a:endParaRPr lang="zh-CN" altLang="en-US" sz="1600"/>
+                    </a:p>
+                  </a:txBody>
+                  <a:tcPr/>
+                </a:tc>
+                <a:tc>
+                  <a:txBody>
+                    <a:bodyPr/>
+                    <a:lstStyle/>
+                    <a:p>
+                      <a:pPr algn="ctr"/>
+                      <a:r>
+                        <a:rPr lang="en-US" altLang="zh-CN" sz="1600"/>
+                        <a:t>info</a:t>
+                      </a:r>
+                      <a:endParaRPr lang="zh-CN" altLang="en-US" sz="1600"/>
+                    </a:p>
+                  </a:txBody>
+                  <a:tcPr/>
+                </a:tc>
+                <a:tc>
+                  <a:txBody>
+                    <a:bodyPr/>
+                    <a:lstStyle/>
+                    <a:p>
+                      <a:pPr algn="ctr"/>
+                      <a:r>
+                        <a:rPr lang="en-US" altLang="zh-CN" sz="1600"/>
+                        <a:t>attribute_length</a:t>
+                      </a:r>
+                      <a:endParaRPr lang="zh-CN" altLang="en-US" sz="1600"/>
+                    </a:p>
+                  </a:txBody>
+                  <a:tcPr/>
+                </a:tc>
+                <a:tc>
+                  <a:txBody>
+                    <a:bodyPr/>
+                    <a:lstStyle/>
+                    <a:p>
+                      <a:pPr algn="ctr"/>
+                      <a:r>
+                        <a:rPr lang="zh-CN" altLang="en-US" sz="1600"/>
+                        <a:t>属性值</a:t>
+                      </a:r>
+                    </a:p>
+                  </a:txBody>
+                  <a:tcPr/>
+                </a:tc>
+                <a:extLst>
+                  <a:ext uri="{0D108BD9-81ED-4DB2-BD59-A6C34878D82A}">
+                    <a16:rowId xmlns:a16="http://schemas.microsoft.com/office/drawing/2014/main" val="1673343472"/>
+                  </a:ext>
+                </a:extLst>
+              </a:tr>
+            </a:tbl>
+          </a:graphicData>
+        </a:graphic>
+      </p:graphicFrame>
+      <p:sp>
+        <p:nvSpPr>
+          <p:cNvPr id="5" name="文本框 4">
+            <a:extLst>
+              <a:ext uri="{FF2B5EF4-FFF2-40B4-BE49-F238E27FC236}">
+                <a16:creationId xmlns:a16="http://schemas.microsoft.com/office/drawing/2014/main" id="{9571AFC5-DA49-44AA-BA0C-37124FC528C0}"/>
+              </a:ext>
+            </a:extLst>
+          </p:cNvPr>
+          <p:cNvSpPr txBox="1"/>
+          <p:nvPr/>
+        </p:nvSpPr>
+        <p:spPr>
+          <a:xfrm>
+            <a:off x="5257799" y="1911287"/>
+            <a:ext cx="1343026" cy="382548"/>
+          </a:xfrm>
+          <a:prstGeom prst="rect">
+            <a:avLst/>
+          </a:prstGeom>
+          <a:noFill/>
+        </p:spPr>
+        <p:txBody>
+          <a:bodyPr wrap="square">
+            <a:spAutoFit/>
+          </a:bodyPr>
+          <a:lstStyle/>
+          <a:p>
+            <a:r>
+              <a:rPr lang="zh-CN" altLang="en-US"/>
+              <a:t>属性表结构</a:t>
+            </a:r>
+          </a:p>
+        </p:txBody>
+      </p:sp>
+    </p:spTree>
+    <p:extLst>
+      <p:ext uri="{BB962C8B-B14F-4D97-AF65-F5344CB8AC3E}">
+        <p14:creationId xmlns:p14="http://schemas.microsoft.com/office/powerpoint/2010/main" val="333293118"/>
+      </p:ext>
+    </p:extLst>
+  </p:cSld>
+  <p:clrMapOvr>
+    <a:masterClrMapping/>
+  </p:clrMapOvr>
+</p:sld>
+</file>
+
+<file path=ppt/slides/slide7.xml><?xml version="1.0" encoding="utf-8"?>
+<p:sld xmlns:a="http://schemas.openxmlformats.org/drawingml/2006/main" xmlns:r="http://schemas.openxmlformats.org/officeDocument/2006/relationships" xmlns:p="http://schemas.openxmlformats.org/presentationml/2006/main">
+  <p:cSld>
+    <p:spTree>
+      <p:nvGrpSpPr>
+        <p:cNvPr id="1" name=""/>
+        <p:cNvGrpSpPr/>
+        <p:nvPr/>
+      </p:nvGrpSpPr>
+      <p:grpSpPr>
+        <a:xfrm>
+          <a:off x="0" y="0"/>
+          <a:ext cx="0" cy="0"/>
+          <a:chOff x="0" y="0"/>
+          <a:chExt cx="0" cy="0"/>
+        </a:xfrm>
+      </p:grpSpPr>
+      <p:graphicFrame>
+        <p:nvGraphicFramePr>
+          <p:cNvPr id="4" name="表格 4">
+            <a:extLst>
+              <a:ext uri="{FF2B5EF4-FFF2-40B4-BE49-F238E27FC236}">
+                <a16:creationId xmlns:a16="http://schemas.microsoft.com/office/drawing/2014/main" id="{CC877254-7D56-4317-9367-A3554B0C850C}"/>
+              </a:ext>
+            </a:extLst>
+          </p:cNvPr>
+          <p:cNvGraphicFramePr>
+            <a:graphicFrameLocks noGrp="1"/>
+          </p:cNvGraphicFramePr>
+          <p:nvPr>
+            <p:extLst>
+              <p:ext uri="{D42A27DB-BD31-4B8C-83A1-F6EECF244321}">
+                <p14:modId xmlns:p14="http://schemas.microsoft.com/office/powerpoint/2010/main" val="2026514895"/>
+              </p:ext>
+            </p:extLst>
+          </p:nvPr>
+        </p:nvGraphicFramePr>
+        <p:xfrm>
+          <a:off x="1717769" y="874610"/>
+          <a:ext cx="8740681" cy="3983824"/>
+        </p:xfrm>
+        <a:graphic>
+          <a:graphicData uri="http://schemas.openxmlformats.org/drawingml/2006/table">
+            <a:tbl>
+              <a:tblPr firstRow="1" bandRow="1">
+                <a:tableStyleId>{F5AB1C69-6EDB-4FF4-983F-18BD219EF322}</a:tableStyleId>
+              </a:tblPr>
+              <a:tblGrid>
+                <a:gridCol w="1577881">
+                  <a:extLst>
+                    <a:ext uri="{9D8B030D-6E8A-4147-A177-3AD203B41FA5}">
+                      <a16:colId xmlns:a16="http://schemas.microsoft.com/office/drawing/2014/main" val="3830589145"/>
+                    </a:ext>
+                  </a:extLst>
+                </a:gridCol>
+                <a:gridCol w="2228850">
+                  <a:extLst>
+                    <a:ext uri="{9D8B030D-6E8A-4147-A177-3AD203B41FA5}">
+                      <a16:colId xmlns:a16="http://schemas.microsoft.com/office/drawing/2014/main" val="1852579379"/>
+                    </a:ext>
+                  </a:extLst>
+                </a:gridCol>
+                <a:gridCol w="2219325">
+                  <a:extLst>
+                    <a:ext uri="{9D8B030D-6E8A-4147-A177-3AD203B41FA5}">
+                      <a16:colId xmlns:a16="http://schemas.microsoft.com/office/drawing/2014/main" val="2087981020"/>
+                    </a:ext>
+                  </a:extLst>
+                </a:gridCol>
+                <a:gridCol w="2714625">
+                  <a:extLst>
+                    <a:ext uri="{9D8B030D-6E8A-4147-A177-3AD203B41FA5}">
+                      <a16:colId xmlns:a16="http://schemas.microsoft.com/office/drawing/2014/main" val="1553864376"/>
+                    </a:ext>
+                  </a:extLst>
+                </a:gridCol>
+              </a:tblGrid>
+              <a:tr h="337958">
+                <a:tc>
+                  <a:txBody>
+                    <a:bodyPr/>
+                    <a:lstStyle/>
+                    <a:p>
+                      <a:pPr algn="ctr"/>
+                      <a:r>
+                        <a:rPr lang="zh-CN" altLang="en-US"/>
+                        <a:t>类型</a:t>
+                      </a:r>
+                    </a:p>
+                  </a:txBody>
+                  <a:tcPr/>
+                </a:tc>
+                <a:tc>
+                  <a:txBody>
+                    <a:bodyPr/>
+                    <a:lstStyle/>
+                    <a:p>
+                      <a:pPr algn="ctr"/>
+                      <a:r>
+                        <a:rPr lang="zh-CN" altLang="en-US"/>
+                        <a:t>名称</a:t>
+                      </a:r>
+                    </a:p>
+                  </a:txBody>
+                  <a:tcPr/>
+                </a:tc>
+                <a:tc>
+                  <a:txBody>
+                    <a:bodyPr/>
+                    <a:lstStyle/>
+                    <a:p>
+                      <a:pPr algn="ctr"/>
+                      <a:r>
+                        <a:rPr lang="zh-CN" altLang="en-US"/>
+                        <a:t>数量</a:t>
+                      </a:r>
+                    </a:p>
+                  </a:txBody>
+                  <a:tcPr/>
+                </a:tc>
+                <a:tc>
+                  <a:txBody>
+                    <a:bodyPr/>
+                    <a:lstStyle/>
+                    <a:p>
+                      <a:pPr algn="ctr"/>
+                      <a:r>
+                        <a:rPr lang="zh-CN" altLang="en-US"/>
+                        <a:t>解释</a:t>
+                      </a:r>
+                    </a:p>
+                  </a:txBody>
+                  <a:tcPr/>
+                </a:tc>
+                <a:extLst>
+                  <a:ext uri="{0D108BD9-81ED-4DB2-BD59-A6C34878D82A}">
+                    <a16:rowId xmlns:a16="http://schemas.microsoft.com/office/drawing/2014/main" val="3943703705"/>
+                  </a:ext>
+                </a:extLst>
+              </a:tr>
+              <a:tr h="337958">
+                <a:tc>
+                  <a:txBody>
+                    <a:bodyPr/>
+                    <a:lstStyle/>
+                    <a:p>
+                      <a:pPr algn="ctr"/>
+                      <a:r>
+                        <a:rPr lang="en-US" altLang="zh-CN" sz="1600"/>
+                        <a:t>u2</a:t>
+                      </a:r>
+                      <a:endParaRPr lang="zh-CN" altLang="en-US" sz="1600"/>
+                    </a:p>
+                  </a:txBody>
+                  <a:tcPr/>
+                </a:tc>
+                <a:tc>
+                  <a:txBody>
+                    <a:bodyPr/>
+                    <a:lstStyle/>
+                    <a:p>
+                      <a:pPr algn="ctr"/>
+                      <a:r>
+                        <a:rPr lang="en-US" altLang="zh-CN" sz="1600"/>
+                        <a:t>attribute_name_index</a:t>
+                      </a:r>
+                      <a:endParaRPr lang="zh-CN" altLang="en-US" sz="1600"/>
+                    </a:p>
+                  </a:txBody>
+                  <a:tcPr/>
+                </a:tc>
+                <a:tc>
+                  <a:txBody>
+                    <a:bodyPr/>
+                    <a:lstStyle/>
+                    <a:p>
+                      <a:pPr algn="ctr"/>
+                      <a:r>
+                        <a:rPr lang="en-US" altLang="zh-CN" sz="1600"/>
+                        <a:t>1</a:t>
+                      </a:r>
+                      <a:endParaRPr lang="zh-CN" altLang="en-US" sz="1600"/>
+                    </a:p>
+                  </a:txBody>
+                  <a:tcPr/>
+                </a:tc>
+                <a:tc>
+                  <a:txBody>
+                    <a:bodyPr/>
+                    <a:lstStyle/>
+                    <a:p>
+                      <a:pPr algn="ctr"/>
+                      <a:r>
+                        <a:rPr lang="zh-CN" altLang="en-US" sz="1600"/>
+                        <a:t>属性名称</a:t>
+                      </a:r>
+                    </a:p>
+                  </a:txBody>
+                  <a:tcPr/>
+                </a:tc>
+                <a:extLst>
+                  <a:ext uri="{0D108BD9-81ED-4DB2-BD59-A6C34878D82A}">
+                    <a16:rowId xmlns:a16="http://schemas.microsoft.com/office/drawing/2014/main" val="1630081084"/>
+                  </a:ext>
+                </a:extLst>
+              </a:tr>
+              <a:tr h="337958">
+                <a:tc>
+                  <a:txBody>
+                    <a:bodyPr/>
+                    <a:lstStyle/>
+                    <a:p>
+                      <a:pPr algn="ctr"/>
+                      <a:r>
+                        <a:rPr lang="en-US" altLang="zh-CN" sz="1600"/>
+                        <a:t>u4</a:t>
+                      </a:r>
+                      <a:endParaRPr lang="zh-CN" altLang="en-US" sz="1600"/>
+                    </a:p>
+                  </a:txBody>
+                  <a:tcPr/>
+                </a:tc>
+                <a:tc>
+                  <a:txBody>
+                    <a:bodyPr/>
+                    <a:lstStyle/>
+                    <a:p>
+                      <a:pPr algn="ctr"/>
+                      <a:r>
+                        <a:rPr lang="en-US" altLang="zh-CN" sz="1600"/>
+                        <a:t>attribute_length</a:t>
+                      </a:r>
+                      <a:endParaRPr lang="zh-CN" altLang="en-US" sz="1600"/>
+                    </a:p>
+                  </a:txBody>
+                  <a:tcPr/>
+                </a:tc>
+                <a:tc>
+                  <a:txBody>
+                    <a:bodyPr/>
+                    <a:lstStyle/>
+                    <a:p>
+                      <a:pPr algn="ctr"/>
+                      <a:r>
+                        <a:rPr lang="en-US" altLang="zh-CN" sz="1600"/>
+                        <a:t>1</a:t>
+                      </a:r>
+                      <a:endParaRPr lang="zh-CN" altLang="en-US" sz="1600"/>
+                    </a:p>
+                  </a:txBody>
+                  <a:tcPr/>
+                </a:tc>
+                <a:tc>
+                  <a:txBody>
+                    <a:bodyPr/>
+                    <a:lstStyle/>
+                    <a:p>
+                      <a:pPr algn="ctr"/>
+                      <a:r>
+                        <a:rPr lang="zh-CN" altLang="en-US" sz="1600"/>
+                        <a:t>属性值占用的位数</a:t>
+                      </a:r>
+                    </a:p>
+                  </a:txBody>
+                  <a:tcPr/>
+                </a:tc>
+                <a:extLst>
+                  <a:ext uri="{0D108BD9-81ED-4DB2-BD59-A6C34878D82A}">
+                    <a16:rowId xmlns:a16="http://schemas.microsoft.com/office/drawing/2014/main" val="3279794038"/>
+                  </a:ext>
+                </a:extLst>
+              </a:tr>
+              <a:tr h="337958">
+                <a:tc>
+                  <a:txBody>
+                    <a:bodyPr/>
+                    <a:lstStyle/>
+                    <a:p>
+                      <a:pPr algn="ctr"/>
+                      <a:r>
+                        <a:rPr lang="en-US" altLang="zh-CN" sz="1600"/>
+                        <a:t>u2</a:t>
+                      </a:r>
+                      <a:endParaRPr lang="zh-CN" altLang="en-US" sz="1600"/>
+                    </a:p>
+                  </a:txBody>
+                  <a:tcPr/>
+                </a:tc>
+                <a:tc>
+                  <a:txBody>
+                    <a:bodyPr/>
+                    <a:lstStyle/>
+                    <a:p>
+                      <a:pPr algn="ctr"/>
+                      <a:r>
+                        <a:rPr lang="en-US" altLang="zh-CN" sz="1600"/>
+                        <a:t>max_stack</a:t>
+                      </a:r>
+                      <a:endParaRPr lang="zh-CN" altLang="en-US" sz="1600"/>
+                    </a:p>
+                  </a:txBody>
+                  <a:tcPr/>
+                </a:tc>
+                <a:tc>
+                  <a:txBody>
+                    <a:bodyPr/>
+                    <a:lstStyle/>
+                    <a:p>
+                      <a:pPr algn="ctr"/>
+                      <a:r>
+                        <a:rPr lang="en-US" altLang="zh-CN" sz="1600"/>
+                        <a:t>1</a:t>
+                      </a:r>
+                      <a:endParaRPr lang="zh-CN" altLang="en-US" sz="1600"/>
+                    </a:p>
+                  </a:txBody>
+                  <a:tcPr/>
+                </a:tc>
+                <a:tc>
+                  <a:txBody>
+                    <a:bodyPr/>
+                    <a:lstStyle/>
+                    <a:p>
+                      <a:pPr algn="ctr"/>
+                      <a:r>
+                        <a:rPr lang="zh-CN" altLang="en-US" sz="1600"/>
+                        <a:t>代表操作数栈深度的最大值</a:t>
+                      </a:r>
+                    </a:p>
+                  </a:txBody>
+                  <a:tcPr/>
+                </a:tc>
+                <a:extLst>
+                  <a:ext uri="{0D108BD9-81ED-4DB2-BD59-A6C34878D82A}">
+                    <a16:rowId xmlns:a16="http://schemas.microsoft.com/office/drawing/2014/main" val="1673343472"/>
+                  </a:ext>
+                </a:extLst>
+              </a:tr>
+              <a:tr h="337958">
+                <a:tc>
+                  <a:txBody>
+                    <a:bodyPr/>
+                    <a:lstStyle/>
+                    <a:p>
+                      <a:pPr algn="ctr"/>
+                      <a:r>
+                        <a:rPr lang="en-US" altLang="zh-CN" sz="1600"/>
+                        <a:t>u2</a:t>
+                      </a:r>
+                      <a:endParaRPr lang="zh-CN" altLang="en-US" sz="1600"/>
+                    </a:p>
+                  </a:txBody>
+                  <a:tcPr/>
+                </a:tc>
+                <a:tc>
+                  <a:txBody>
+                    <a:bodyPr/>
+                    <a:lstStyle/>
+                    <a:p>
+                      <a:pPr marL="0" marR="0" lvl="0" indent="0" algn="ctr" defTabSz="914400" rtl="0" eaLnBrk="1" fontAlgn="auto" latinLnBrk="0" hangingPunct="1">
+                        <a:lnSpc>
+                          <a:spcPct val="100000"/>
+                        </a:lnSpc>
+                        <a:spcBef>
+                          <a:spcPts val="0"/>
+                        </a:spcBef>
+                        <a:spcAft>
+                          <a:spcPts val="0"/>
+                        </a:spcAft>
+                        <a:buClrTx/>
+                        <a:buSzTx/>
+                        <a:buFontTx/>
+                        <a:buNone/>
+                        <a:tabLst/>
+                        <a:defRPr/>
+                      </a:pPr>
+                      <a:r>
+                        <a:rPr lang="en-US" altLang="zh-CN" sz="1600"/>
+                        <a:t>max_locals</a:t>
+                      </a:r>
+                      <a:endParaRPr lang="zh-CN" altLang="en-US" sz="1600"/>
+                    </a:p>
+                  </a:txBody>
+                  <a:tcPr/>
+                </a:tc>
+                <a:tc>
+                  <a:txBody>
+                    <a:bodyPr/>
+                    <a:lstStyle/>
+                    <a:p>
+                      <a:pPr algn="ctr"/>
+                      <a:r>
+                        <a:rPr lang="en-US" altLang="zh-CN" sz="1600"/>
+                        <a:t>1</a:t>
+                      </a:r>
+                      <a:endParaRPr lang="zh-CN" altLang="en-US" sz="1600"/>
+                    </a:p>
+                  </a:txBody>
+                  <a:tcPr/>
+                </a:tc>
+                <a:tc>
+                  <a:txBody>
+                    <a:bodyPr/>
+                    <a:lstStyle/>
+                    <a:p>
+                      <a:pPr algn="ctr"/>
+                      <a:r>
+                        <a:rPr lang="zh-CN" altLang="en-US" sz="1600"/>
+                        <a:t>代表局部变量表所需的存储空间（变量槽）</a:t>
+                      </a:r>
+                    </a:p>
+                  </a:txBody>
+                  <a:tcPr/>
+                </a:tc>
+                <a:extLst>
+                  <a:ext uri="{0D108BD9-81ED-4DB2-BD59-A6C34878D82A}">
+                    <a16:rowId xmlns:a16="http://schemas.microsoft.com/office/drawing/2014/main" val="3640061620"/>
+                  </a:ext>
+                </a:extLst>
+              </a:tr>
+              <a:tr h="337958">
+                <a:tc>
+                  <a:txBody>
+                    <a:bodyPr/>
+                    <a:lstStyle/>
+                    <a:p>
+                      <a:pPr algn="ctr"/>
+                      <a:r>
+                        <a:rPr lang="en-US" altLang="zh-CN" sz="1600"/>
+                        <a:t>u4</a:t>
+                      </a:r>
+                      <a:endParaRPr lang="zh-CN" altLang="en-US" sz="1600"/>
+                    </a:p>
+                  </a:txBody>
+                  <a:tcPr/>
+                </a:tc>
+                <a:tc>
+                  <a:txBody>
+                    <a:bodyPr/>
+                    <a:lstStyle/>
+                    <a:p>
+                      <a:pPr algn="ctr"/>
+                      <a:r>
+                        <a:rPr lang="en-US" altLang="zh-CN" sz="1600"/>
+                        <a:t>code_length</a:t>
+                      </a:r>
+                      <a:endParaRPr lang="zh-CN" altLang="en-US" sz="1600"/>
+                    </a:p>
+                  </a:txBody>
+                  <a:tcPr/>
+                </a:tc>
+                <a:tc>
+                  <a:txBody>
+                    <a:bodyPr/>
+                    <a:lstStyle/>
+                    <a:p>
+                      <a:pPr algn="ctr"/>
+                      <a:r>
+                        <a:rPr lang="en-US" altLang="zh-CN" sz="1600"/>
+                        <a:t>1</a:t>
+                      </a:r>
+                      <a:endParaRPr lang="zh-CN" altLang="en-US" sz="1600"/>
+                    </a:p>
+                  </a:txBody>
+                  <a:tcPr/>
+                </a:tc>
+                <a:tc>
+                  <a:txBody>
+                    <a:bodyPr/>
+                    <a:lstStyle/>
+                    <a:p>
+                      <a:pPr algn="ctr"/>
+                      <a:r>
+                        <a:rPr lang="zh-CN" altLang="en-US" sz="1600"/>
+                        <a:t>字节码长度</a:t>
+                      </a:r>
+                    </a:p>
+                  </a:txBody>
+                  <a:tcPr/>
+                </a:tc>
+                <a:extLst>
+                  <a:ext uri="{0D108BD9-81ED-4DB2-BD59-A6C34878D82A}">
+                    <a16:rowId xmlns:a16="http://schemas.microsoft.com/office/drawing/2014/main" val="1488126666"/>
+                  </a:ext>
+                </a:extLst>
+              </a:tr>
+              <a:tr h="337958">
+                <a:tc>
+                  <a:txBody>
+                    <a:bodyPr/>
+                    <a:lstStyle/>
+                    <a:p>
+                      <a:pPr algn="ctr"/>
+                      <a:r>
+                        <a:rPr lang="en-US" altLang="zh-CN" sz="1600"/>
+                        <a:t>u1</a:t>
+                      </a:r>
+                      <a:endParaRPr lang="zh-CN" altLang="en-US" sz="1600"/>
+                    </a:p>
+                  </a:txBody>
+                  <a:tcPr/>
+                </a:tc>
+                <a:tc>
+                  <a:txBody>
+                    <a:bodyPr/>
+                    <a:lstStyle/>
+                    <a:p>
+                      <a:pPr algn="ctr"/>
+                      <a:r>
+                        <a:rPr lang="en-US" altLang="zh-CN" sz="1600"/>
+                        <a:t>code</a:t>
+                      </a:r>
+                      <a:endParaRPr lang="zh-CN" altLang="en-US" sz="1600"/>
+                    </a:p>
+                  </a:txBody>
+                  <a:tcPr/>
+                </a:tc>
+                <a:tc>
+                  <a:txBody>
+                    <a:bodyPr/>
+                    <a:lstStyle/>
+                    <a:p>
+                      <a:pPr marL="0" marR="0" lvl="0" indent="0" algn="ctr" defTabSz="914400" rtl="0" eaLnBrk="1" fontAlgn="auto" latinLnBrk="0" hangingPunct="1">
+                        <a:lnSpc>
+                          <a:spcPct val="100000"/>
+                        </a:lnSpc>
+                        <a:spcBef>
+                          <a:spcPts val="0"/>
+                        </a:spcBef>
+                        <a:spcAft>
+                          <a:spcPts val="0"/>
+                        </a:spcAft>
+                        <a:buClrTx/>
+                        <a:buSzTx/>
+                        <a:buFontTx/>
+                        <a:buNone/>
+                        <a:tabLst/>
+                        <a:defRPr/>
+                      </a:pPr>
+                      <a:r>
+                        <a:rPr lang="en-US" altLang="zh-CN" sz="1600"/>
+                        <a:t>code_length</a:t>
+                      </a:r>
+                      <a:endParaRPr lang="zh-CN" altLang="en-US" sz="1600"/>
+                    </a:p>
+                  </a:txBody>
+                  <a:tcPr/>
+                </a:tc>
+                <a:tc>
+                  <a:txBody>
+                    <a:bodyPr/>
+                    <a:lstStyle/>
+                    <a:p>
+                      <a:pPr algn="ctr"/>
+                      <a:r>
+                        <a:rPr lang="zh-CN" altLang="en-US" sz="1600"/>
+                        <a:t>字节码</a:t>
+                      </a:r>
+                    </a:p>
+                  </a:txBody>
+                  <a:tcPr/>
+                </a:tc>
+                <a:extLst>
+                  <a:ext uri="{0D108BD9-81ED-4DB2-BD59-A6C34878D82A}">
+                    <a16:rowId xmlns:a16="http://schemas.microsoft.com/office/drawing/2014/main" val="2969993739"/>
+                  </a:ext>
+                </a:extLst>
+              </a:tr>
+              <a:tr h="337958">
+                <a:tc>
+                  <a:txBody>
+                    <a:bodyPr/>
+                    <a:lstStyle/>
+                    <a:p>
+                      <a:pPr algn="ctr"/>
+                      <a:r>
+                        <a:rPr lang="en-US" altLang="zh-CN" sz="1600"/>
+                        <a:t>u2</a:t>
+                      </a:r>
+                      <a:endParaRPr lang="zh-CN" altLang="en-US" sz="1600"/>
+                    </a:p>
+                  </a:txBody>
+                  <a:tcPr/>
+                </a:tc>
+                <a:tc>
+                  <a:txBody>
+                    <a:bodyPr/>
+                    <a:lstStyle/>
+                    <a:p>
+                      <a:pPr algn="ctr"/>
+                      <a:r>
+                        <a:rPr lang="en-US" altLang="zh-CN" sz="1600"/>
+                        <a:t>exception_table_length</a:t>
+                      </a:r>
+                      <a:endParaRPr lang="zh-CN" altLang="en-US" sz="1600"/>
+                    </a:p>
+                  </a:txBody>
+                  <a:tcPr/>
+                </a:tc>
+                <a:tc>
+                  <a:txBody>
+                    <a:bodyPr/>
+                    <a:lstStyle/>
+                    <a:p>
+                      <a:pPr algn="ctr"/>
+                      <a:r>
+                        <a:rPr lang="en-US" altLang="zh-CN" sz="1600"/>
+                        <a:t>1</a:t>
+                      </a:r>
+                      <a:endParaRPr lang="zh-CN" altLang="en-US" sz="1600"/>
+                    </a:p>
+                  </a:txBody>
+                  <a:tcPr/>
+                </a:tc>
+                <a:tc>
+                  <a:txBody>
+                    <a:bodyPr/>
+                    <a:lstStyle/>
+                    <a:p>
+                      <a:pPr algn="ctr"/>
+                      <a:endParaRPr lang="zh-CN" altLang="en-US" sz="1600"/>
+                    </a:p>
+                  </a:txBody>
+                  <a:tcPr/>
+                </a:tc>
+                <a:extLst>
+                  <a:ext uri="{0D108BD9-81ED-4DB2-BD59-A6C34878D82A}">
+                    <a16:rowId xmlns:a16="http://schemas.microsoft.com/office/drawing/2014/main" val="171085212"/>
+                  </a:ext>
+                </a:extLst>
+              </a:tr>
+              <a:tr h="289020">
+                <a:tc>
+                  <a:txBody>
+                    <a:bodyPr/>
+                    <a:lstStyle/>
+                    <a:p>
+                      <a:pPr algn="ctr"/>
+                      <a:r>
+                        <a:rPr lang="en-US" altLang="zh-CN" sz="1600"/>
+                        <a:t>exception_info</a:t>
+                      </a:r>
+                      <a:endParaRPr lang="zh-CN" altLang="en-US" sz="1600"/>
+                    </a:p>
+                  </a:txBody>
+                  <a:tcPr/>
+                </a:tc>
+                <a:tc>
+                  <a:txBody>
+                    <a:bodyPr/>
+                    <a:lstStyle/>
+                    <a:p>
+                      <a:pPr algn="ctr"/>
+                      <a:r>
+                        <a:rPr lang="en-US" altLang="zh-CN" sz="1600"/>
+                        <a:t>exception_table</a:t>
+                      </a:r>
+                      <a:endParaRPr lang="zh-CN" altLang="en-US" sz="1600"/>
+                    </a:p>
+                  </a:txBody>
+                  <a:tcPr/>
+                </a:tc>
+                <a:tc>
+                  <a:txBody>
+                    <a:bodyPr/>
+                    <a:lstStyle/>
+                    <a:p>
+                      <a:pPr marL="0" marR="0" lvl="0" indent="0" algn="ctr" defTabSz="914400" rtl="0" eaLnBrk="1" fontAlgn="auto" latinLnBrk="0" hangingPunct="1">
+                        <a:lnSpc>
+                          <a:spcPct val="100000"/>
+                        </a:lnSpc>
+                        <a:spcBef>
+                          <a:spcPts val="0"/>
+                        </a:spcBef>
+                        <a:spcAft>
+                          <a:spcPts val="0"/>
+                        </a:spcAft>
+                        <a:buClrTx/>
+                        <a:buSzTx/>
+                        <a:buFontTx/>
+                        <a:buNone/>
+                        <a:tabLst/>
+                        <a:defRPr/>
+                      </a:pPr>
+                      <a:r>
+                        <a:rPr lang="en-US" altLang="zh-CN" sz="1600"/>
+                        <a:t>exception_table_length</a:t>
+                      </a:r>
+                      <a:endParaRPr lang="zh-CN" altLang="en-US" sz="1600"/>
+                    </a:p>
+                  </a:txBody>
+                  <a:tcPr/>
+                </a:tc>
+                <a:tc>
+                  <a:txBody>
+                    <a:bodyPr/>
+                    <a:lstStyle/>
+                    <a:p>
+                      <a:pPr algn="ctr"/>
+                      <a:endParaRPr lang="zh-CN" altLang="en-US" sz="1600"/>
+                    </a:p>
+                  </a:txBody>
+                  <a:tcPr/>
+                </a:tc>
+                <a:extLst>
+                  <a:ext uri="{0D108BD9-81ED-4DB2-BD59-A6C34878D82A}">
+                    <a16:rowId xmlns:a16="http://schemas.microsoft.com/office/drawing/2014/main" val="1203401026"/>
+                  </a:ext>
+                </a:extLst>
+              </a:tr>
+              <a:tr h="337958">
+                <a:tc>
+                  <a:txBody>
+                    <a:bodyPr/>
+                    <a:lstStyle/>
+                    <a:p>
+                      <a:pPr algn="ctr"/>
+                      <a:r>
+                        <a:rPr lang="en-US" altLang="zh-CN" sz="1600"/>
+                        <a:t>u2</a:t>
+                      </a:r>
+                      <a:endParaRPr lang="zh-CN" altLang="en-US" sz="1600"/>
+                    </a:p>
+                  </a:txBody>
+                  <a:tcPr/>
+                </a:tc>
+                <a:tc>
+                  <a:txBody>
+                    <a:bodyPr/>
+                    <a:lstStyle/>
+                    <a:p>
+                      <a:pPr algn="ctr"/>
+                      <a:r>
+                        <a:rPr lang="en-US" altLang="zh-CN" sz="1600"/>
+                        <a:t>attributes_count</a:t>
+                      </a:r>
+                      <a:endParaRPr lang="zh-CN" altLang="en-US" sz="1600"/>
+                    </a:p>
+                  </a:txBody>
+                  <a:tcPr/>
+                </a:tc>
+                <a:tc>
+                  <a:txBody>
+                    <a:bodyPr/>
+                    <a:lstStyle/>
+                    <a:p>
+                      <a:pPr algn="ctr"/>
+                      <a:r>
+                        <a:rPr lang="en-US" altLang="zh-CN" sz="1600"/>
+                        <a:t>1</a:t>
+                      </a:r>
+                      <a:endParaRPr lang="zh-CN" altLang="en-US" sz="1600"/>
+                    </a:p>
+                  </a:txBody>
+                  <a:tcPr/>
+                </a:tc>
+                <a:tc>
+                  <a:txBody>
+                    <a:bodyPr/>
+                    <a:lstStyle/>
+                    <a:p>
+                      <a:pPr algn="ctr"/>
+                      <a:endParaRPr lang="zh-CN" altLang="en-US" sz="1600"/>
+                    </a:p>
+                  </a:txBody>
+                  <a:tcPr/>
+                </a:tc>
+                <a:extLst>
+                  <a:ext uri="{0D108BD9-81ED-4DB2-BD59-A6C34878D82A}">
+                    <a16:rowId xmlns:a16="http://schemas.microsoft.com/office/drawing/2014/main" val="2363915915"/>
+                  </a:ext>
+                </a:extLst>
+              </a:tr>
+              <a:tr h="337958">
+                <a:tc>
+                  <a:txBody>
+                    <a:bodyPr/>
+                    <a:lstStyle/>
+                    <a:p>
+                      <a:pPr algn="ctr"/>
+                      <a:r>
+                        <a:rPr lang="en-US" altLang="zh-CN" sz="1600"/>
+                        <a:t>attribute_info</a:t>
+                      </a:r>
+                      <a:endParaRPr lang="zh-CN" altLang="en-US" sz="1600"/>
+                    </a:p>
+                  </a:txBody>
+                  <a:tcPr/>
+                </a:tc>
+                <a:tc>
+                  <a:txBody>
+                    <a:bodyPr/>
+                    <a:lstStyle/>
+                    <a:p>
+                      <a:pPr algn="ctr"/>
+                      <a:r>
+                        <a:rPr lang="en-US" altLang="zh-CN" sz="1600"/>
+                        <a:t>attributes</a:t>
+                      </a:r>
+                      <a:endParaRPr lang="zh-CN" altLang="en-US" sz="1600"/>
+                    </a:p>
+                  </a:txBody>
+                  <a:tcPr/>
+                </a:tc>
+                <a:tc>
+                  <a:txBody>
+                    <a:bodyPr/>
+                    <a:lstStyle/>
+                    <a:p>
+                      <a:pPr marL="0" marR="0" lvl="0" indent="0" algn="ctr" defTabSz="914400" rtl="0" eaLnBrk="1" fontAlgn="auto" latinLnBrk="0" hangingPunct="1">
+                        <a:lnSpc>
+                          <a:spcPct val="100000"/>
+                        </a:lnSpc>
+                        <a:spcBef>
+                          <a:spcPts val="0"/>
+                        </a:spcBef>
+                        <a:spcAft>
+                          <a:spcPts val="0"/>
+                        </a:spcAft>
+                        <a:buClrTx/>
+                        <a:buSzTx/>
+                        <a:buFontTx/>
+                        <a:buNone/>
+                        <a:tabLst/>
+                        <a:defRPr/>
+                      </a:pPr>
+                      <a:r>
+                        <a:rPr lang="en-US" altLang="zh-CN" sz="1600"/>
+                        <a:t>attributes_count</a:t>
+                      </a:r>
+                      <a:endParaRPr lang="zh-CN" altLang="en-US" sz="1600"/>
+                    </a:p>
+                  </a:txBody>
+                  <a:tcPr/>
+                </a:tc>
+                <a:tc>
+                  <a:txBody>
+                    <a:bodyPr/>
+                    <a:lstStyle/>
+                    <a:p>
+                      <a:pPr algn="ctr"/>
+                      <a:endParaRPr lang="zh-CN" altLang="en-US" sz="1600"/>
+                    </a:p>
+                  </a:txBody>
+                  <a:tcPr/>
+                </a:tc>
+                <a:extLst>
+                  <a:ext uri="{0D108BD9-81ED-4DB2-BD59-A6C34878D82A}">
+                    <a16:rowId xmlns:a16="http://schemas.microsoft.com/office/drawing/2014/main" val="3530778434"/>
+                  </a:ext>
+                </a:extLst>
+              </a:tr>
+            </a:tbl>
+          </a:graphicData>
+        </a:graphic>
+      </p:graphicFrame>
+      <p:sp>
+        <p:nvSpPr>
+          <p:cNvPr id="5" name="文本框 4">
+            <a:extLst>
+              <a:ext uri="{FF2B5EF4-FFF2-40B4-BE49-F238E27FC236}">
+                <a16:creationId xmlns:a16="http://schemas.microsoft.com/office/drawing/2014/main" id="{2C8D378F-198A-4946-817B-643437AA269C}"/>
+              </a:ext>
+            </a:extLst>
+          </p:cNvPr>
+          <p:cNvSpPr txBox="1"/>
+          <p:nvPr/>
+        </p:nvSpPr>
+        <p:spPr>
+          <a:xfrm>
+            <a:off x="5162548" y="434912"/>
+            <a:ext cx="1647827" cy="369332"/>
+          </a:xfrm>
+          <a:prstGeom prst="rect">
+            <a:avLst/>
+          </a:prstGeom>
+          <a:noFill/>
+        </p:spPr>
+        <p:txBody>
+          <a:bodyPr wrap="square">
+            <a:spAutoFit/>
+          </a:bodyPr>
+          <a:lstStyle/>
+          <a:p>
+            <a:r>
+              <a:rPr lang="en-US" altLang="zh-CN"/>
+              <a:t>Code</a:t>
+            </a:r>
+            <a:r>
+              <a:rPr lang="zh-CN" altLang="en-US"/>
+              <a:t>属性结构</a:t>
+            </a:r>
+          </a:p>
+        </p:txBody>
+      </p:sp>
+    </p:spTree>
+    <p:extLst>
+      <p:ext uri="{BB962C8B-B14F-4D97-AF65-F5344CB8AC3E}">
+        <p14:creationId xmlns:p14="http://schemas.microsoft.com/office/powerpoint/2010/main" val="2670942734"/>
+      </p:ext>
+    </p:extLst>
+  </p:cSld>
+  <p:clrMapOvr>
+    <a:masterClrMapping/>
+  </p:clrMapOvr>
+</p:sld>
+</file>
+
+<file path=ppt/slides/slide8.xml><?xml version="1.0" encoding="utf-8"?>
+<p:sld xmlns:a="http://schemas.openxmlformats.org/drawingml/2006/main" xmlns:r="http://schemas.openxmlformats.org/officeDocument/2006/relationships" xmlns:p="http://schemas.openxmlformats.org/presentationml/2006/main">
+  <p:cSld>
+    <p:spTree>
+      <p:nvGrpSpPr>
+        <p:cNvPr id="1" name=""/>
+        <p:cNvGrpSpPr/>
+        <p:nvPr/>
+      </p:nvGrpSpPr>
+      <p:grpSpPr>
+        <a:xfrm>
+          <a:off x="0" y="0"/>
+          <a:ext cx="0" cy="0"/>
+          <a:chOff x="0" y="0"/>
+          <a:chExt cx="0" cy="0"/>
+        </a:xfrm>
+      </p:grpSpPr>
+      <p:graphicFrame>
+        <p:nvGraphicFramePr>
+          <p:cNvPr id="4" name="表格 4">
+            <a:extLst>
+              <a:ext uri="{FF2B5EF4-FFF2-40B4-BE49-F238E27FC236}">
+                <a16:creationId xmlns:a16="http://schemas.microsoft.com/office/drawing/2014/main" id="{17C7F0A0-F45C-4ABC-9649-310237E08E86}"/>
+              </a:ext>
+            </a:extLst>
+          </p:cNvPr>
+          <p:cNvGraphicFramePr>
+            <a:graphicFrameLocks noGrp="1"/>
+          </p:cNvGraphicFramePr>
+          <p:nvPr>
+            <p:extLst>
+              <p:ext uri="{D42A27DB-BD31-4B8C-83A1-F6EECF244321}">
+                <p14:modId xmlns:p14="http://schemas.microsoft.com/office/powerpoint/2010/main" val="1301062211"/>
+              </p:ext>
+            </p:extLst>
+          </p:nvPr>
+        </p:nvGraphicFramePr>
+        <p:xfrm>
+          <a:off x="2279743" y="2370035"/>
+          <a:ext cx="7435757" cy="1717592"/>
+        </p:xfrm>
+        <a:graphic>
+          <a:graphicData uri="http://schemas.openxmlformats.org/drawingml/2006/table">
+            <a:tbl>
+              <a:tblPr firstRow="1" bandRow="1">
+                <a:tableStyleId>{F5AB1C69-6EDB-4FF4-983F-18BD219EF322}</a:tableStyleId>
+              </a:tblPr>
+              <a:tblGrid>
+                <a:gridCol w="937743">
+                  <a:extLst>
+                    <a:ext uri="{9D8B030D-6E8A-4147-A177-3AD203B41FA5}">
+                      <a16:colId xmlns:a16="http://schemas.microsoft.com/office/drawing/2014/main" val="3830589145"/>
+                    </a:ext>
+                  </a:extLst>
+                </a:gridCol>
+                <a:gridCol w="2221289">
+                  <a:extLst>
+                    <a:ext uri="{9D8B030D-6E8A-4147-A177-3AD203B41FA5}">
+                      <a16:colId xmlns:a16="http://schemas.microsoft.com/office/drawing/2014/main" val="1852579379"/>
+                    </a:ext>
+                  </a:extLst>
+                </a:gridCol>
+                <a:gridCol w="2247900">
+                  <a:extLst>
+                    <a:ext uri="{9D8B030D-6E8A-4147-A177-3AD203B41FA5}">
+                      <a16:colId xmlns:a16="http://schemas.microsoft.com/office/drawing/2014/main" val="2087981020"/>
+                    </a:ext>
+                  </a:extLst>
+                </a:gridCol>
+                <a:gridCol w="2028825">
+                  <a:extLst>
+                    <a:ext uri="{9D8B030D-6E8A-4147-A177-3AD203B41FA5}">
+                      <a16:colId xmlns:a16="http://schemas.microsoft.com/office/drawing/2014/main" val="1553864376"/>
+                    </a:ext>
+                  </a:extLst>
+                </a:gridCol>
+              </a:tblGrid>
+              <a:tr h="337958">
+                <a:tc>
+                  <a:txBody>
+                    <a:bodyPr/>
+                    <a:lstStyle/>
+                    <a:p>
+                      <a:pPr algn="ctr"/>
+                      <a:r>
+                        <a:rPr lang="zh-CN" altLang="en-US"/>
+                        <a:t>类型</a:t>
+                      </a:r>
+                    </a:p>
+                  </a:txBody>
+                  <a:tcPr/>
+                </a:tc>
+                <a:tc>
+                  <a:txBody>
+                    <a:bodyPr/>
+                    <a:lstStyle/>
+                    <a:p>
+                      <a:pPr algn="ctr"/>
+                      <a:r>
+                        <a:rPr lang="zh-CN" altLang="en-US"/>
+                        <a:t>名称</a:t>
+                      </a:r>
+                    </a:p>
+                  </a:txBody>
+                  <a:tcPr/>
+                </a:tc>
+                <a:tc>
+                  <a:txBody>
+                    <a:bodyPr/>
+                    <a:lstStyle/>
+                    <a:p>
+                      <a:pPr algn="ctr"/>
+                      <a:r>
+                        <a:rPr lang="zh-CN" altLang="en-US"/>
+                        <a:t>数量</a:t>
+                      </a:r>
+                    </a:p>
+                  </a:txBody>
+                  <a:tcPr/>
+                </a:tc>
+                <a:tc>
+                  <a:txBody>
+                    <a:bodyPr/>
+                    <a:lstStyle/>
+                    <a:p>
+                      <a:pPr algn="ctr"/>
+                      <a:r>
+                        <a:rPr lang="zh-CN" altLang="en-US"/>
+                        <a:t>解释</a:t>
+                      </a:r>
+                    </a:p>
+                  </a:txBody>
+                  <a:tcPr/>
+                </a:tc>
+                <a:extLst>
+                  <a:ext uri="{0D108BD9-81ED-4DB2-BD59-A6C34878D82A}">
+                    <a16:rowId xmlns:a16="http://schemas.microsoft.com/office/drawing/2014/main" val="3943703705"/>
+                  </a:ext>
+                </a:extLst>
+              </a:tr>
+              <a:tr h="337958">
+                <a:tc>
+                  <a:txBody>
+                    <a:bodyPr/>
+                    <a:lstStyle/>
+                    <a:p>
+                      <a:pPr algn="ctr"/>
+                      <a:r>
+                        <a:rPr lang="en-US" altLang="zh-CN" sz="1600"/>
+                        <a:t>u2</a:t>
+                      </a:r>
+                      <a:endParaRPr lang="zh-CN" altLang="en-US" sz="1600"/>
+                    </a:p>
+                  </a:txBody>
+                  <a:tcPr/>
+                </a:tc>
+                <a:tc>
+                  <a:txBody>
+                    <a:bodyPr/>
+                    <a:lstStyle/>
+                    <a:p>
+                      <a:pPr algn="ctr"/>
+                      <a:r>
+                        <a:rPr lang="en-US" altLang="zh-CN" sz="1600"/>
+                        <a:t>attribute_name_index</a:t>
+                      </a:r>
+                      <a:endParaRPr lang="zh-CN" altLang="en-US" sz="1600"/>
+                    </a:p>
+                  </a:txBody>
+                  <a:tcPr/>
+                </a:tc>
+                <a:tc>
+                  <a:txBody>
+                    <a:bodyPr/>
+                    <a:lstStyle/>
+                    <a:p>
+                      <a:pPr algn="ctr"/>
+                      <a:r>
+                        <a:rPr lang="en-US" altLang="zh-CN" sz="1600"/>
+                        <a:t>1</a:t>
+                      </a:r>
+                      <a:endParaRPr lang="zh-CN" altLang="en-US" sz="1600"/>
+                    </a:p>
+                  </a:txBody>
+                  <a:tcPr/>
+                </a:tc>
+                <a:tc>
+                  <a:txBody>
+                    <a:bodyPr/>
+                    <a:lstStyle/>
+                    <a:p>
+                      <a:pPr algn="ctr"/>
+                      <a:r>
+                        <a:rPr lang="zh-CN" altLang="en-US" sz="1600"/>
+                        <a:t>属性名称</a:t>
+                      </a:r>
+                    </a:p>
+                  </a:txBody>
+                  <a:tcPr/>
+                </a:tc>
+                <a:extLst>
+                  <a:ext uri="{0D108BD9-81ED-4DB2-BD59-A6C34878D82A}">
+                    <a16:rowId xmlns:a16="http://schemas.microsoft.com/office/drawing/2014/main" val="1630081084"/>
+                  </a:ext>
+                </a:extLst>
+              </a:tr>
+              <a:tr h="337958">
+                <a:tc>
+                  <a:txBody>
+                    <a:bodyPr/>
+                    <a:lstStyle/>
+                    <a:p>
+                      <a:pPr algn="ctr"/>
+                      <a:r>
+                        <a:rPr lang="en-US" altLang="zh-CN" sz="1600"/>
+                        <a:t>u4</a:t>
+                      </a:r>
+                      <a:endParaRPr lang="zh-CN" altLang="en-US" sz="1600"/>
+                    </a:p>
+                  </a:txBody>
+                  <a:tcPr/>
+                </a:tc>
+                <a:tc>
+                  <a:txBody>
+                    <a:bodyPr/>
+                    <a:lstStyle/>
+                    <a:p>
+                      <a:pPr algn="ctr"/>
+                      <a:r>
+                        <a:rPr lang="en-US" altLang="zh-CN" sz="1600"/>
+                        <a:t>attribute_length</a:t>
+                      </a:r>
+                      <a:endParaRPr lang="zh-CN" altLang="en-US" sz="1600"/>
+                    </a:p>
+                  </a:txBody>
+                  <a:tcPr/>
+                </a:tc>
+                <a:tc>
+                  <a:txBody>
+                    <a:bodyPr/>
+                    <a:lstStyle/>
+                    <a:p>
+                      <a:pPr algn="ctr"/>
+                      <a:r>
+                        <a:rPr lang="en-US" altLang="zh-CN" sz="1600"/>
+                        <a:t>1</a:t>
+                      </a:r>
+                      <a:endParaRPr lang="zh-CN" altLang="en-US" sz="1600"/>
+                    </a:p>
+                  </a:txBody>
+                  <a:tcPr/>
+                </a:tc>
+                <a:tc>
+                  <a:txBody>
+                    <a:bodyPr/>
+                    <a:lstStyle/>
+                    <a:p>
+                      <a:pPr algn="ctr"/>
+                      <a:r>
+                        <a:rPr lang="zh-CN" altLang="en-US" sz="1600"/>
+                        <a:t>属性值占用的位数</a:t>
+                      </a:r>
+                    </a:p>
+                  </a:txBody>
+                  <a:tcPr/>
+                </a:tc>
+                <a:extLst>
+                  <a:ext uri="{0D108BD9-81ED-4DB2-BD59-A6C34878D82A}">
+                    <a16:rowId xmlns:a16="http://schemas.microsoft.com/office/drawing/2014/main" val="3279794038"/>
+                  </a:ext>
+                </a:extLst>
+              </a:tr>
+              <a:tr h="337958">
+                <a:tc>
+                  <a:txBody>
+                    <a:bodyPr/>
+                    <a:lstStyle/>
+                    <a:p>
+                      <a:pPr algn="ctr"/>
+                      <a:r>
+                        <a:rPr lang="en-US" altLang="zh-CN" sz="1600"/>
+                        <a:t>u2</a:t>
+                      </a:r>
+                      <a:endParaRPr lang="zh-CN" altLang="en-US" sz="1600"/>
+                    </a:p>
+                  </a:txBody>
+                  <a:tcPr/>
+                </a:tc>
+                <a:tc>
+                  <a:txBody>
+                    <a:bodyPr/>
+                    <a:lstStyle/>
+                    <a:p>
+                      <a:pPr algn="ctr"/>
+                      <a:r>
+                        <a:rPr lang="en-US" altLang="zh-CN" sz="1600"/>
+                        <a:t>number_of_exceptions</a:t>
+                      </a:r>
+                      <a:endParaRPr lang="zh-CN" altLang="en-US" sz="1600"/>
+                    </a:p>
+                  </a:txBody>
+                  <a:tcPr/>
+                </a:tc>
+                <a:tc>
+                  <a:txBody>
+                    <a:bodyPr/>
+                    <a:lstStyle/>
+                    <a:p>
+                      <a:pPr algn="ctr"/>
+                      <a:r>
+                        <a:rPr lang="en-US" altLang="zh-CN" sz="1600"/>
+                        <a:t>1</a:t>
+                      </a:r>
+                      <a:endParaRPr lang="zh-CN" altLang="en-US" sz="1600"/>
+                    </a:p>
+                  </a:txBody>
+                  <a:tcPr/>
+                </a:tc>
+                <a:tc>
+                  <a:txBody>
+                    <a:bodyPr/>
+                    <a:lstStyle/>
+                    <a:p>
+                      <a:pPr algn="ctr"/>
+                      <a:r>
+                        <a:rPr lang="zh-CN" altLang="en-US" sz="1600"/>
+                        <a:t>抛出异常的种类数量</a:t>
+                      </a:r>
+                    </a:p>
+                  </a:txBody>
+                  <a:tcPr/>
+                </a:tc>
+                <a:extLst>
+                  <a:ext uri="{0D108BD9-81ED-4DB2-BD59-A6C34878D82A}">
+                    <a16:rowId xmlns:a16="http://schemas.microsoft.com/office/drawing/2014/main" val="1673343472"/>
+                  </a:ext>
+                </a:extLst>
+              </a:tr>
+              <a:tr h="337958">
+                <a:tc>
+                  <a:txBody>
+                    <a:bodyPr/>
+                    <a:lstStyle/>
+                    <a:p>
+                      <a:pPr marL="0" marR="0" lvl="0" indent="0" algn="ctr" defTabSz="914400" rtl="0" eaLnBrk="1" fontAlgn="auto" latinLnBrk="0" hangingPunct="1">
+                        <a:lnSpc>
+                          <a:spcPct val="100000"/>
+                        </a:lnSpc>
+                        <a:spcBef>
+                          <a:spcPts val="0"/>
+                        </a:spcBef>
+                        <a:spcAft>
+                          <a:spcPts val="0"/>
+                        </a:spcAft>
+                        <a:buClrTx/>
+                        <a:buSzTx/>
+                        <a:buFontTx/>
+                        <a:buNone/>
+                        <a:tabLst/>
+                        <a:defRPr/>
+                      </a:pPr>
+                      <a:r>
+                        <a:rPr lang="en-US" altLang="zh-CN" sz="1600"/>
+                        <a:t>u2</a:t>
+                      </a:r>
+                      <a:endParaRPr lang="zh-CN" altLang="en-US" sz="1600"/>
+                    </a:p>
+                  </a:txBody>
+                  <a:tcPr/>
+                </a:tc>
+                <a:tc>
+                  <a:txBody>
+                    <a:bodyPr/>
+                    <a:lstStyle/>
+                    <a:p>
+                      <a:pPr marL="0" marR="0" lvl="0" indent="0" algn="ctr" defTabSz="914400" rtl="0" eaLnBrk="1" fontAlgn="auto" latinLnBrk="0" hangingPunct="1">
+                        <a:lnSpc>
+                          <a:spcPct val="100000"/>
+                        </a:lnSpc>
+                        <a:spcBef>
+                          <a:spcPts val="0"/>
+                        </a:spcBef>
+                        <a:spcAft>
+                          <a:spcPts val="0"/>
+                        </a:spcAft>
+                        <a:buClrTx/>
+                        <a:buSzTx/>
+                        <a:buFontTx/>
+                        <a:buNone/>
+                        <a:tabLst/>
+                        <a:defRPr/>
+                      </a:pPr>
+                      <a:r>
+                        <a:rPr lang="en-US" altLang="zh-CN" sz="1600"/>
+                        <a:t>number_index_table</a:t>
+                      </a:r>
+                      <a:endParaRPr lang="zh-CN" altLang="en-US" sz="1600"/>
+                    </a:p>
+                  </a:txBody>
+                  <a:tcPr/>
+                </a:tc>
+                <a:tc>
+                  <a:txBody>
+                    <a:bodyPr/>
+                    <a:lstStyle/>
+                    <a:p>
+                      <a:pPr algn="ctr"/>
+                      <a:r>
+                        <a:rPr lang="en-US" altLang="zh-CN" sz="1600"/>
+                        <a:t>number_of_exceptions</a:t>
+                      </a:r>
+                      <a:endParaRPr lang="zh-CN" altLang="en-US" sz="1600"/>
+                    </a:p>
+                  </a:txBody>
+                  <a:tcPr/>
+                </a:tc>
+                <a:tc>
+                  <a:txBody>
+                    <a:bodyPr/>
+                    <a:lstStyle/>
+                    <a:p>
+                      <a:pPr algn="ctr"/>
+                      <a:endParaRPr lang="zh-CN" altLang="en-US" sz="1600"/>
+                    </a:p>
+                  </a:txBody>
+                  <a:tcPr/>
+                </a:tc>
+                <a:extLst>
+                  <a:ext uri="{0D108BD9-81ED-4DB2-BD59-A6C34878D82A}">
+                    <a16:rowId xmlns:a16="http://schemas.microsoft.com/office/drawing/2014/main" val="1801799043"/>
+                  </a:ext>
+                </a:extLst>
+              </a:tr>
+            </a:tbl>
+          </a:graphicData>
+        </a:graphic>
+      </p:graphicFrame>
+      <p:sp>
+        <p:nvSpPr>
+          <p:cNvPr id="5" name="文本框 4">
+            <a:extLst>
+              <a:ext uri="{FF2B5EF4-FFF2-40B4-BE49-F238E27FC236}">
+                <a16:creationId xmlns:a16="http://schemas.microsoft.com/office/drawing/2014/main" id="{D4E22F82-4604-4EFF-90FE-08AC82E7FE3D}"/>
+              </a:ext>
+            </a:extLst>
+          </p:cNvPr>
+          <p:cNvSpPr txBox="1"/>
+          <p:nvPr/>
+        </p:nvSpPr>
+        <p:spPr>
+          <a:xfrm>
+            <a:off x="4838698" y="1934028"/>
+            <a:ext cx="2162177" cy="369332"/>
+          </a:xfrm>
+          <a:prstGeom prst="rect">
+            <a:avLst/>
+          </a:prstGeom>
+          <a:noFill/>
+        </p:spPr>
+        <p:txBody>
+          <a:bodyPr wrap="square">
+            <a:spAutoFit/>
+          </a:bodyPr>
+          <a:lstStyle/>
+          <a:p>
+            <a:r>
+              <a:rPr lang="en-US" altLang="zh-CN"/>
+              <a:t>Exceptions</a:t>
+            </a:r>
+            <a:r>
+              <a:rPr lang="zh-CN" altLang="en-US"/>
+              <a:t>属性结构</a:t>
+            </a:r>
+          </a:p>
+        </p:txBody>
+      </p:sp>
+    </p:spTree>
+    <p:extLst>
+      <p:ext uri="{BB962C8B-B14F-4D97-AF65-F5344CB8AC3E}">
+        <p14:creationId xmlns:p14="http://schemas.microsoft.com/office/powerpoint/2010/main" val="3159426070"/>
       </p:ext>
     </p:extLst>
   </p:cSld>

--- a/content/part3/虚拟机执行子系统/file/画图.pptx
+++ b/content/part3/虚拟机执行子系统/file/画图.pptx
@@ -5,7 +5,7 @@
     <p:sldMasterId id="2147483648" r:id="rId1"/>
   </p:sldMasterIdLst>
   <p:notesMasterIdLst>
-    <p:notesMasterId r:id="rId10"/>
+    <p:notesMasterId r:id="rId11"/>
   </p:notesMasterIdLst>
   <p:sldIdLst>
     <p:sldId id="256" r:id="rId2"/>
@@ -16,6 +16,7 @@
     <p:sldId id="261" r:id="rId7"/>
     <p:sldId id="262" r:id="rId8"/>
     <p:sldId id="263" r:id="rId9"/>
+    <p:sldId id="264" r:id="rId10"/>
   </p:sldIdLst>
   <p:sldSz cx="12192000" cy="6858000"/>
   <p:notesSz cx="6858000" cy="9144000"/>
@@ -204,7 +205,7 @@
           <a:p>
             <a:fld id="{C471A36F-4133-40F4-995D-C11173A2996F}" type="datetimeFigureOut">
               <a:rPr lang="zh-CN" altLang="en-US" smtClean="0"/>
-              <a:t>2020/6/26</a:t>
+              <a:t>2020/6/27</a:t>
             </a:fld>
             <a:endParaRPr lang="zh-CN" altLang="en-US"/>
           </a:p>
@@ -1260,6 +1261,116 @@
 </p:notes>
 </file>
 
+<file path=ppt/notesSlides/notesSlide9.xml><?xml version="1.0" encoding="utf-8"?>
+<p:notes xmlns:a="http://schemas.openxmlformats.org/drawingml/2006/main" xmlns:r="http://schemas.openxmlformats.org/officeDocument/2006/relationships" xmlns:p="http://schemas.openxmlformats.org/presentationml/2006/main">
+  <p:cSld>
+    <p:spTree>
+      <p:nvGrpSpPr>
+        <p:cNvPr id="1" name=""/>
+        <p:cNvGrpSpPr/>
+        <p:nvPr/>
+      </p:nvGrpSpPr>
+      <p:grpSpPr>
+        <a:xfrm>
+          <a:off x="0" y="0"/>
+          <a:ext cx="0" cy="0"/>
+          <a:chOff x="0" y="0"/>
+          <a:chExt cx="0" cy="0"/>
+        </a:xfrm>
+      </p:grpSpPr>
+      <p:sp>
+        <p:nvSpPr>
+          <p:cNvPr id="2" name="幻灯片图像占位符 1"/>
+          <p:cNvSpPr>
+            <a:spLocks noGrp="1" noRot="1" noChangeAspect="1"/>
+          </p:cNvSpPr>
+          <p:nvPr>
+            <p:ph type="sldImg"/>
+          </p:nvPr>
+        </p:nvSpPr>
+        <p:spPr/>
+      </p:sp>
+      <p:sp>
+        <p:nvSpPr>
+          <p:cNvPr id="3" name="备注占位符 2"/>
+          <p:cNvSpPr>
+            <a:spLocks noGrp="1"/>
+          </p:cNvSpPr>
+          <p:nvPr>
+            <p:ph type="body" idx="1"/>
+          </p:nvPr>
+        </p:nvSpPr>
+        <p:spPr/>
+        <p:txBody>
+          <a:bodyPr/>
+          <a:lstStyle/>
+          <a:p>
+            <a:pPr marL="0" marR="0" lvl="0" indent="0" algn="l" defTabSz="914400" rtl="0" eaLnBrk="1" fontAlgn="auto" latinLnBrk="0" hangingPunct="1">
+              <a:lnSpc>
+                <a:spcPct val="100000"/>
+              </a:lnSpc>
+              <a:spcBef>
+                <a:spcPts val="0"/>
+              </a:spcBef>
+              <a:spcAft>
+                <a:spcPts val="0"/>
+              </a:spcAft>
+              <a:buClrTx/>
+              <a:buSzTx/>
+              <a:buFontTx/>
+              <a:buNone/>
+              <a:tabLst/>
+              <a:defRPr/>
+            </a:pPr>
+            <a:r>
+              <a:rPr lang="zh-CN" altLang="en-US"/>
+              <a:t>类的生命周期</a:t>
+            </a:r>
+          </a:p>
+          <a:p>
+            <a:br>
+              <a:rPr lang="en-US" altLang="zh-CN"/>
+            </a:br>
+            <a:endParaRPr lang="zh-CN" altLang="en-US"/>
+          </a:p>
+        </p:txBody>
+      </p:sp>
+      <p:sp>
+        <p:nvSpPr>
+          <p:cNvPr id="4" name="灯片编号占位符 3"/>
+          <p:cNvSpPr>
+            <a:spLocks noGrp="1"/>
+          </p:cNvSpPr>
+          <p:nvPr>
+            <p:ph type="sldNum" sz="quarter" idx="5"/>
+          </p:nvPr>
+        </p:nvSpPr>
+        <p:spPr/>
+        <p:txBody>
+          <a:bodyPr/>
+          <a:lstStyle/>
+          <a:p>
+            <a:fld id="{80FDEE4C-6445-4C18-B9D8-740B4FCEB2C2}" type="slidenum">
+              <a:rPr lang="zh-CN" altLang="en-US" smtClean="0"/>
+              <a:t>9</a:t>
+            </a:fld>
+            <a:endParaRPr lang="zh-CN" altLang="en-US"/>
+          </a:p>
+        </p:txBody>
+      </p:sp>
+    </p:spTree>
+    <p:extLst>
+      <p:ext uri="{BB962C8B-B14F-4D97-AF65-F5344CB8AC3E}">
+        <p14:creationId xmlns:p14="http://schemas.microsoft.com/office/powerpoint/2010/main" val="1784178265"/>
+      </p:ext>
+    </p:extLst>
+  </p:cSld>
+  <p:clrMapOvr>
+    <a:masterClrMapping/>
+  </p:clrMapOvr>
+</p:notes>
+</file>
+
 <file path=ppt/slideLayouts/slideLayout1.xml><?xml version="1.0" encoding="utf-8"?>
 <p:sldLayout xmlns:a="http://schemas.openxmlformats.org/drawingml/2006/main" xmlns:r="http://schemas.openxmlformats.org/officeDocument/2006/relationships" xmlns:p="http://schemas.openxmlformats.org/presentationml/2006/main" type="title" preserve="1">
   <p:cSld name="标题幻灯片">
@@ -1407,7 +1518,7 @@
           <a:p>
             <a:fld id="{A6A4A897-575C-41C4-8D1F-1255879863ED}" type="datetimeFigureOut">
               <a:rPr lang="zh-CN" altLang="en-US" smtClean="0"/>
-              <a:t>2020/6/26</a:t>
+              <a:t>2020/6/27</a:t>
             </a:fld>
             <a:endParaRPr lang="zh-CN" altLang="en-US"/>
           </a:p>
@@ -1605,7 +1716,7 @@
           <a:p>
             <a:fld id="{A6A4A897-575C-41C4-8D1F-1255879863ED}" type="datetimeFigureOut">
               <a:rPr lang="zh-CN" altLang="en-US" smtClean="0"/>
-              <a:t>2020/6/26</a:t>
+              <a:t>2020/6/27</a:t>
             </a:fld>
             <a:endParaRPr lang="zh-CN" altLang="en-US"/>
           </a:p>
@@ -1813,7 +1924,7 @@
           <a:p>
             <a:fld id="{A6A4A897-575C-41C4-8D1F-1255879863ED}" type="datetimeFigureOut">
               <a:rPr lang="zh-CN" altLang="en-US" smtClean="0"/>
-              <a:t>2020/6/26</a:t>
+              <a:t>2020/6/27</a:t>
             </a:fld>
             <a:endParaRPr lang="zh-CN" altLang="en-US"/>
           </a:p>
@@ -2011,7 +2122,7 @@
           <a:p>
             <a:fld id="{A6A4A897-575C-41C4-8D1F-1255879863ED}" type="datetimeFigureOut">
               <a:rPr lang="zh-CN" altLang="en-US" smtClean="0"/>
-              <a:t>2020/6/26</a:t>
+              <a:t>2020/6/27</a:t>
             </a:fld>
             <a:endParaRPr lang="zh-CN" altLang="en-US"/>
           </a:p>
@@ -2286,7 +2397,7 @@
           <a:p>
             <a:fld id="{A6A4A897-575C-41C4-8D1F-1255879863ED}" type="datetimeFigureOut">
               <a:rPr lang="zh-CN" altLang="en-US" smtClean="0"/>
-              <a:t>2020/6/26</a:t>
+              <a:t>2020/6/27</a:t>
             </a:fld>
             <a:endParaRPr lang="zh-CN" altLang="en-US"/>
           </a:p>
@@ -2551,7 +2662,7 @@
           <a:p>
             <a:fld id="{A6A4A897-575C-41C4-8D1F-1255879863ED}" type="datetimeFigureOut">
               <a:rPr lang="zh-CN" altLang="en-US" smtClean="0"/>
-              <a:t>2020/6/26</a:t>
+              <a:t>2020/6/27</a:t>
             </a:fld>
             <a:endParaRPr lang="zh-CN" altLang="en-US"/>
           </a:p>
@@ -2963,7 +3074,7 @@
           <a:p>
             <a:fld id="{A6A4A897-575C-41C4-8D1F-1255879863ED}" type="datetimeFigureOut">
               <a:rPr lang="zh-CN" altLang="en-US" smtClean="0"/>
-              <a:t>2020/6/26</a:t>
+              <a:t>2020/6/27</a:t>
             </a:fld>
             <a:endParaRPr lang="zh-CN" altLang="en-US"/>
           </a:p>
@@ -3104,7 +3215,7 @@
           <a:p>
             <a:fld id="{A6A4A897-575C-41C4-8D1F-1255879863ED}" type="datetimeFigureOut">
               <a:rPr lang="zh-CN" altLang="en-US" smtClean="0"/>
-              <a:t>2020/6/26</a:t>
+              <a:t>2020/6/27</a:t>
             </a:fld>
             <a:endParaRPr lang="zh-CN" altLang="en-US"/>
           </a:p>
@@ -3217,7 +3328,7 @@
           <a:p>
             <a:fld id="{A6A4A897-575C-41C4-8D1F-1255879863ED}" type="datetimeFigureOut">
               <a:rPr lang="zh-CN" altLang="en-US" smtClean="0"/>
-              <a:t>2020/6/26</a:t>
+              <a:t>2020/6/27</a:t>
             </a:fld>
             <a:endParaRPr lang="zh-CN" altLang="en-US"/>
           </a:p>
@@ -3528,7 +3639,7 @@
           <a:p>
             <a:fld id="{A6A4A897-575C-41C4-8D1F-1255879863ED}" type="datetimeFigureOut">
               <a:rPr lang="zh-CN" altLang="en-US" smtClean="0"/>
-              <a:t>2020/6/26</a:t>
+              <a:t>2020/6/27</a:t>
             </a:fld>
             <a:endParaRPr lang="zh-CN" altLang="en-US"/>
           </a:p>
@@ -3816,7 +3927,7 @@
           <a:p>
             <a:fld id="{A6A4A897-575C-41C4-8D1F-1255879863ED}" type="datetimeFigureOut">
               <a:rPr lang="zh-CN" altLang="en-US" smtClean="0"/>
-              <a:t>2020/6/26</a:t>
+              <a:t>2020/6/27</a:t>
             </a:fld>
             <a:endParaRPr lang="zh-CN" altLang="en-US"/>
           </a:p>
@@ -4057,7 +4168,7 @@
           <a:p>
             <a:fld id="{A6A4A897-575C-41C4-8D1F-1255879863ED}" type="datetimeFigureOut">
               <a:rPr lang="zh-CN" altLang="en-US" smtClean="0"/>
-              <a:t>2020/6/26</a:t>
+              <a:t>2020/6/27</a:t>
             </a:fld>
             <a:endParaRPr lang="zh-CN" altLang="en-US"/>
           </a:p>
@@ -10606,6 +10717,824 @@
 </p:sld>
 </file>
 
+<file path=ppt/slides/slide9.xml><?xml version="1.0" encoding="utf-8"?>
+<p:sld xmlns:a="http://schemas.openxmlformats.org/drawingml/2006/main" xmlns:r="http://schemas.openxmlformats.org/officeDocument/2006/relationships" xmlns:p="http://schemas.openxmlformats.org/presentationml/2006/main">
+  <p:cSld>
+    <p:spTree>
+      <p:nvGrpSpPr>
+        <p:cNvPr id="1" name=""/>
+        <p:cNvGrpSpPr/>
+        <p:nvPr/>
+      </p:nvGrpSpPr>
+      <p:grpSpPr>
+        <a:xfrm>
+          <a:off x="0" y="0"/>
+          <a:ext cx="0" cy="0"/>
+          <a:chOff x="0" y="0"/>
+          <a:chExt cx="0" cy="0"/>
+        </a:xfrm>
+      </p:grpSpPr>
+      <p:sp>
+        <p:nvSpPr>
+          <p:cNvPr id="15" name="矩形 14">
+            <a:extLst>
+              <a:ext uri="{FF2B5EF4-FFF2-40B4-BE49-F238E27FC236}">
+                <a16:creationId xmlns:a16="http://schemas.microsoft.com/office/drawing/2014/main" id="{C2783529-EE70-4FB2-A98D-AC48C0250AFC}"/>
+              </a:ext>
+            </a:extLst>
+          </p:cNvPr>
+          <p:cNvSpPr/>
+          <p:nvPr/>
+        </p:nvSpPr>
+        <p:spPr>
+          <a:xfrm>
+            <a:off x="2695575" y="2533649"/>
+            <a:ext cx="6019801" cy="1606035"/>
+          </a:xfrm>
+          <a:prstGeom prst="rect">
+            <a:avLst/>
+          </a:prstGeom>
+          <a:noFill/>
+        </p:spPr>
+        <p:style>
+          <a:lnRef idx="2">
+            <a:schemeClr val="dk1"/>
+          </a:lnRef>
+          <a:fillRef idx="1">
+            <a:schemeClr val="lt1"/>
+          </a:fillRef>
+          <a:effectRef idx="0">
+            <a:schemeClr val="dk1"/>
+          </a:effectRef>
+          <a:fontRef idx="minor">
+            <a:schemeClr val="dk1"/>
+          </a:fontRef>
+        </p:style>
+        <p:txBody>
+          <a:bodyPr rtlCol="0" anchor="ctr"/>
+          <a:lstStyle/>
+          <a:p>
+            <a:pPr algn="ctr"/>
+            <a:r>
+              <a:rPr lang="zh-CN" altLang="en-US"/>
+              <a:t>是</a:t>
+            </a:r>
+          </a:p>
+        </p:txBody>
+      </p:sp>
+      <p:sp>
+        <p:nvSpPr>
+          <p:cNvPr id="5" name="矩形: 圆角 4">
+            <a:extLst>
+              <a:ext uri="{FF2B5EF4-FFF2-40B4-BE49-F238E27FC236}">
+                <a16:creationId xmlns:a16="http://schemas.microsoft.com/office/drawing/2014/main" id="{57F36F03-E95A-461F-B853-D3512F2C1793}"/>
+              </a:ext>
+            </a:extLst>
+          </p:cNvPr>
+          <p:cNvSpPr/>
+          <p:nvPr/>
+        </p:nvSpPr>
+        <p:spPr>
+          <a:xfrm>
+            <a:off x="990600" y="3000375"/>
+            <a:ext cx="1143000" cy="704850"/>
+          </a:xfrm>
+          <a:prstGeom prst="roundRect">
+            <a:avLst/>
+          </a:prstGeom>
+        </p:spPr>
+        <p:style>
+          <a:lnRef idx="1">
+            <a:schemeClr val="accent3"/>
+          </a:lnRef>
+          <a:fillRef idx="2">
+            <a:schemeClr val="accent3"/>
+          </a:fillRef>
+          <a:effectRef idx="1">
+            <a:schemeClr val="accent3"/>
+          </a:effectRef>
+          <a:fontRef idx="minor">
+            <a:schemeClr val="dk1"/>
+          </a:fontRef>
+        </p:style>
+        <p:txBody>
+          <a:bodyPr rtlCol="0" anchor="ctr"/>
+          <a:lstStyle/>
+          <a:p>
+            <a:pPr algn="ctr"/>
+            <a:r>
+              <a:rPr lang="zh-CN" altLang="en-US" sz="1400"/>
+              <a:t>加载</a:t>
+            </a:r>
+            <a:r>
+              <a:rPr lang="en-US" altLang="zh-CN"/>
+              <a:t>Loading</a:t>
+            </a:r>
+            <a:endParaRPr lang="zh-CN" altLang="en-US"/>
+          </a:p>
+        </p:txBody>
+      </p:sp>
+      <p:sp>
+        <p:nvSpPr>
+          <p:cNvPr id="8" name="矩形: 圆角 7">
+            <a:extLst>
+              <a:ext uri="{FF2B5EF4-FFF2-40B4-BE49-F238E27FC236}">
+                <a16:creationId xmlns:a16="http://schemas.microsoft.com/office/drawing/2014/main" id="{9DA21EF8-929F-49EC-B9D5-F209849E75EB}"/>
+              </a:ext>
+            </a:extLst>
+          </p:cNvPr>
+          <p:cNvSpPr/>
+          <p:nvPr/>
+        </p:nvSpPr>
+        <p:spPr>
+          <a:xfrm>
+            <a:off x="3013076" y="3000375"/>
+            <a:ext cx="1371600" cy="704850"/>
+          </a:xfrm>
+          <a:prstGeom prst="roundRect">
+            <a:avLst/>
+          </a:prstGeom>
+        </p:spPr>
+        <p:style>
+          <a:lnRef idx="1">
+            <a:schemeClr val="accent3"/>
+          </a:lnRef>
+          <a:fillRef idx="2">
+            <a:schemeClr val="accent3"/>
+          </a:fillRef>
+          <a:effectRef idx="1">
+            <a:schemeClr val="accent3"/>
+          </a:effectRef>
+          <a:fontRef idx="minor">
+            <a:schemeClr val="dk1"/>
+          </a:fontRef>
+        </p:style>
+        <p:txBody>
+          <a:bodyPr rtlCol="0" anchor="ctr"/>
+          <a:lstStyle/>
+          <a:p>
+            <a:pPr algn="ctr"/>
+            <a:r>
+              <a:rPr lang="zh-CN" altLang="en-US"/>
+              <a:t>验证</a:t>
+            </a:r>
+            <a:r>
+              <a:rPr lang="en-US" altLang="zh-CN"/>
+              <a:t>Verification</a:t>
+            </a:r>
+            <a:endParaRPr lang="zh-CN" altLang="en-US"/>
+          </a:p>
+        </p:txBody>
+      </p:sp>
+      <p:sp>
+        <p:nvSpPr>
+          <p:cNvPr id="9" name="矩形: 圆角 8">
+            <a:extLst>
+              <a:ext uri="{FF2B5EF4-FFF2-40B4-BE49-F238E27FC236}">
+                <a16:creationId xmlns:a16="http://schemas.microsoft.com/office/drawing/2014/main" id="{D2F37E78-1B10-4362-A46E-2907005027B2}"/>
+              </a:ext>
+            </a:extLst>
+          </p:cNvPr>
+          <p:cNvSpPr/>
+          <p:nvPr/>
+        </p:nvSpPr>
+        <p:spPr>
+          <a:xfrm>
+            <a:off x="5045077" y="3000375"/>
+            <a:ext cx="1457324" cy="704850"/>
+          </a:xfrm>
+          <a:prstGeom prst="roundRect">
+            <a:avLst/>
+          </a:prstGeom>
+        </p:spPr>
+        <p:style>
+          <a:lnRef idx="1">
+            <a:schemeClr val="accent3"/>
+          </a:lnRef>
+          <a:fillRef idx="2">
+            <a:schemeClr val="accent3"/>
+          </a:fillRef>
+          <a:effectRef idx="1">
+            <a:schemeClr val="accent3"/>
+          </a:effectRef>
+          <a:fontRef idx="minor">
+            <a:schemeClr val="dk1"/>
+          </a:fontRef>
+        </p:style>
+        <p:txBody>
+          <a:bodyPr rtlCol="0" anchor="ctr"/>
+          <a:lstStyle/>
+          <a:p>
+            <a:pPr algn="ctr"/>
+            <a:r>
+              <a:rPr lang="zh-CN" altLang="en-US"/>
+              <a:t>准备</a:t>
+            </a:r>
+            <a:r>
+              <a:rPr lang="en-US" altLang="zh-CN"/>
+              <a:t>Preparation</a:t>
+            </a:r>
+            <a:endParaRPr lang="zh-CN" altLang="en-US"/>
+          </a:p>
+        </p:txBody>
+      </p:sp>
+      <p:sp>
+        <p:nvSpPr>
+          <p:cNvPr id="11" name="矩形: 圆角 10">
+            <a:extLst>
+              <a:ext uri="{FF2B5EF4-FFF2-40B4-BE49-F238E27FC236}">
+                <a16:creationId xmlns:a16="http://schemas.microsoft.com/office/drawing/2014/main" id="{B313B7D6-B727-4818-B5B8-3B93478E8022}"/>
+              </a:ext>
+            </a:extLst>
+          </p:cNvPr>
+          <p:cNvSpPr/>
+          <p:nvPr/>
+        </p:nvSpPr>
+        <p:spPr>
+          <a:xfrm>
+            <a:off x="7162802" y="3000375"/>
+            <a:ext cx="1285873" cy="704850"/>
+          </a:xfrm>
+          <a:prstGeom prst="roundRect">
+            <a:avLst/>
+          </a:prstGeom>
+        </p:spPr>
+        <p:style>
+          <a:lnRef idx="1">
+            <a:schemeClr val="accent3"/>
+          </a:lnRef>
+          <a:fillRef idx="2">
+            <a:schemeClr val="accent3"/>
+          </a:fillRef>
+          <a:effectRef idx="1">
+            <a:schemeClr val="accent3"/>
+          </a:effectRef>
+          <a:fontRef idx="minor">
+            <a:schemeClr val="dk1"/>
+          </a:fontRef>
+        </p:style>
+        <p:txBody>
+          <a:bodyPr rtlCol="0" anchor="ctr"/>
+          <a:lstStyle/>
+          <a:p>
+            <a:pPr algn="ctr"/>
+            <a:r>
+              <a:rPr lang="zh-CN" altLang="en-US"/>
+              <a:t>解析</a:t>
+            </a:r>
+            <a:r>
+              <a:rPr lang="en-US" altLang="zh-CN"/>
+              <a:t>Resolution</a:t>
+            </a:r>
+            <a:endParaRPr lang="zh-CN" altLang="en-US"/>
+          </a:p>
+        </p:txBody>
+      </p:sp>
+      <p:sp>
+        <p:nvSpPr>
+          <p:cNvPr id="12" name="矩形: 圆角 11">
+            <a:extLst>
+              <a:ext uri="{FF2B5EF4-FFF2-40B4-BE49-F238E27FC236}">
+                <a16:creationId xmlns:a16="http://schemas.microsoft.com/office/drawing/2014/main" id="{1C43BA97-AF84-416E-831E-208389C8E238}"/>
+              </a:ext>
+            </a:extLst>
+          </p:cNvPr>
+          <p:cNvSpPr/>
+          <p:nvPr/>
+        </p:nvSpPr>
+        <p:spPr>
+          <a:xfrm>
+            <a:off x="7162802" y="4724400"/>
+            <a:ext cx="1447798" cy="704850"/>
+          </a:xfrm>
+          <a:prstGeom prst="roundRect">
+            <a:avLst/>
+          </a:prstGeom>
+        </p:spPr>
+        <p:style>
+          <a:lnRef idx="1">
+            <a:schemeClr val="accent3"/>
+          </a:lnRef>
+          <a:fillRef idx="2">
+            <a:schemeClr val="accent3"/>
+          </a:fillRef>
+          <a:effectRef idx="1">
+            <a:schemeClr val="accent3"/>
+          </a:effectRef>
+          <a:fontRef idx="minor">
+            <a:schemeClr val="dk1"/>
+          </a:fontRef>
+        </p:style>
+        <p:txBody>
+          <a:bodyPr rtlCol="0" anchor="ctr"/>
+          <a:lstStyle/>
+          <a:p>
+            <a:pPr algn="ctr"/>
+            <a:r>
+              <a:rPr lang="zh-CN" altLang="en-US"/>
+              <a:t>初始化</a:t>
+            </a:r>
+            <a:r>
+              <a:rPr lang="en-US" altLang="zh-CN"/>
+              <a:t>Initialization</a:t>
+            </a:r>
+            <a:endParaRPr lang="zh-CN" altLang="en-US"/>
+          </a:p>
+        </p:txBody>
+      </p:sp>
+      <p:sp>
+        <p:nvSpPr>
+          <p:cNvPr id="13" name="矩形: 圆角 12">
+            <a:extLst>
+              <a:ext uri="{FF2B5EF4-FFF2-40B4-BE49-F238E27FC236}">
+                <a16:creationId xmlns:a16="http://schemas.microsoft.com/office/drawing/2014/main" id="{4F0AA13E-D81F-4617-BB1A-38977738F078}"/>
+              </a:ext>
+            </a:extLst>
+          </p:cNvPr>
+          <p:cNvSpPr/>
+          <p:nvPr/>
+        </p:nvSpPr>
+        <p:spPr>
+          <a:xfrm>
+            <a:off x="5153027" y="4724400"/>
+            <a:ext cx="1209673" cy="704850"/>
+          </a:xfrm>
+          <a:prstGeom prst="roundRect">
+            <a:avLst/>
+          </a:prstGeom>
+        </p:spPr>
+        <p:style>
+          <a:lnRef idx="1">
+            <a:schemeClr val="accent3"/>
+          </a:lnRef>
+          <a:fillRef idx="2">
+            <a:schemeClr val="accent3"/>
+          </a:fillRef>
+          <a:effectRef idx="1">
+            <a:schemeClr val="accent3"/>
+          </a:effectRef>
+          <a:fontRef idx="minor">
+            <a:schemeClr val="dk1"/>
+          </a:fontRef>
+        </p:style>
+        <p:txBody>
+          <a:bodyPr rtlCol="0" anchor="ctr"/>
+          <a:lstStyle/>
+          <a:p>
+            <a:pPr algn="ctr"/>
+            <a:r>
+              <a:rPr lang="zh-CN" altLang="en-US"/>
+              <a:t>使用</a:t>
+            </a:r>
+            <a:endParaRPr lang="en-US" altLang="zh-CN"/>
+          </a:p>
+          <a:p>
+            <a:pPr algn="ctr"/>
+            <a:r>
+              <a:rPr lang="en-US" altLang="zh-CN"/>
+              <a:t>Using</a:t>
+            </a:r>
+            <a:endParaRPr lang="zh-CN" altLang="en-US"/>
+          </a:p>
+        </p:txBody>
+      </p:sp>
+      <p:sp>
+        <p:nvSpPr>
+          <p:cNvPr id="14" name="矩形: 圆角 13">
+            <a:extLst>
+              <a:ext uri="{FF2B5EF4-FFF2-40B4-BE49-F238E27FC236}">
+                <a16:creationId xmlns:a16="http://schemas.microsoft.com/office/drawing/2014/main" id="{AF4386C5-DAFE-46C0-8A67-0F190A9FE020}"/>
+              </a:ext>
+            </a:extLst>
+          </p:cNvPr>
+          <p:cNvSpPr/>
+          <p:nvPr/>
+        </p:nvSpPr>
+        <p:spPr>
+          <a:xfrm>
+            <a:off x="3057525" y="4724400"/>
+            <a:ext cx="1295400" cy="704850"/>
+          </a:xfrm>
+          <a:prstGeom prst="roundRect">
+            <a:avLst/>
+          </a:prstGeom>
+        </p:spPr>
+        <p:style>
+          <a:lnRef idx="1">
+            <a:schemeClr val="accent3"/>
+          </a:lnRef>
+          <a:fillRef idx="2">
+            <a:schemeClr val="accent3"/>
+          </a:fillRef>
+          <a:effectRef idx="1">
+            <a:schemeClr val="accent3"/>
+          </a:effectRef>
+          <a:fontRef idx="minor">
+            <a:schemeClr val="dk1"/>
+          </a:fontRef>
+        </p:style>
+        <p:txBody>
+          <a:bodyPr rtlCol="0" anchor="ctr"/>
+          <a:lstStyle/>
+          <a:p>
+            <a:pPr algn="ctr"/>
+            <a:r>
+              <a:rPr lang="zh-CN" altLang="en-US"/>
+              <a:t>卸载</a:t>
+            </a:r>
+            <a:r>
+              <a:rPr lang="en-US" altLang="zh-CN"/>
+              <a:t>Unloading</a:t>
+            </a:r>
+            <a:endParaRPr lang="zh-CN" altLang="en-US"/>
+          </a:p>
+        </p:txBody>
+      </p:sp>
+      <p:sp>
+        <p:nvSpPr>
+          <p:cNvPr id="17" name="矩形 16">
+            <a:extLst>
+              <a:ext uri="{FF2B5EF4-FFF2-40B4-BE49-F238E27FC236}">
+                <a16:creationId xmlns:a16="http://schemas.microsoft.com/office/drawing/2014/main" id="{B4535B2A-742D-4E16-91F6-1FE6E52DC9E9}"/>
+              </a:ext>
+            </a:extLst>
+          </p:cNvPr>
+          <p:cNvSpPr/>
+          <p:nvPr/>
+        </p:nvSpPr>
+        <p:spPr>
+          <a:xfrm>
+            <a:off x="5001420" y="2348984"/>
+            <a:ext cx="1500981" cy="369332"/>
+          </a:xfrm>
+          <a:prstGeom prst="rect">
+            <a:avLst/>
+          </a:prstGeom>
+          <a:solidFill>
+            <a:schemeClr val="bg1"/>
+          </a:solidFill>
+          <a:ln>
+            <a:noFill/>
+          </a:ln>
+        </p:spPr>
+        <p:style>
+          <a:lnRef idx="2">
+            <a:schemeClr val="accent1">
+              <a:shade val="50000"/>
+            </a:schemeClr>
+          </a:lnRef>
+          <a:fillRef idx="1">
+            <a:schemeClr val="accent1"/>
+          </a:fillRef>
+          <a:effectRef idx="0">
+            <a:schemeClr val="accent1"/>
+          </a:effectRef>
+          <a:fontRef idx="minor">
+            <a:schemeClr val="lt1"/>
+          </a:fontRef>
+        </p:style>
+        <p:txBody>
+          <a:bodyPr rtlCol="0" anchor="ctr"/>
+          <a:lstStyle/>
+          <a:p>
+            <a:pPr algn="ctr"/>
+            <a:r>
+              <a:rPr lang="zh-CN" altLang="en-US">
+                <a:ln w="0"/>
+                <a:solidFill>
+                  <a:schemeClr val="tx1"/>
+                </a:solidFill>
+                <a:effectLst>
+                  <a:outerShdw blurRad="38100" dist="19050" dir="2700000" algn="tl" rotWithShape="0">
+                    <a:schemeClr val="dk1">
+                      <a:alpha val="40000"/>
+                    </a:schemeClr>
+                  </a:outerShdw>
+                </a:effectLst>
+              </a:rPr>
+              <a:t>连接 </a:t>
+            </a:r>
+            <a:r>
+              <a:rPr lang="en-US" altLang="zh-CN">
+                <a:ln w="0"/>
+                <a:solidFill>
+                  <a:schemeClr val="tx1"/>
+                </a:solidFill>
+                <a:effectLst>
+                  <a:outerShdw blurRad="38100" dist="19050" dir="2700000" algn="tl" rotWithShape="0">
+                    <a:schemeClr val="dk1">
+                      <a:alpha val="40000"/>
+                    </a:schemeClr>
+                  </a:outerShdw>
+                </a:effectLst>
+              </a:rPr>
+              <a:t>Linking</a:t>
+            </a:r>
+            <a:endParaRPr lang="zh-CN" altLang="en-US">
+              <a:ln w="0"/>
+              <a:solidFill>
+                <a:schemeClr val="tx1"/>
+              </a:solidFill>
+              <a:effectLst>
+                <a:outerShdw blurRad="38100" dist="19050" dir="2700000" algn="tl" rotWithShape="0">
+                  <a:schemeClr val="dk1">
+                    <a:alpha val="40000"/>
+                  </a:schemeClr>
+                </a:outerShdw>
+              </a:effectLst>
+            </a:endParaRPr>
+          </a:p>
+        </p:txBody>
+      </p:sp>
+      <p:sp>
+        <p:nvSpPr>
+          <p:cNvPr id="18" name="箭头: 右 17">
+            <a:extLst>
+              <a:ext uri="{FF2B5EF4-FFF2-40B4-BE49-F238E27FC236}">
+                <a16:creationId xmlns:a16="http://schemas.microsoft.com/office/drawing/2014/main" id="{3623AE5D-241B-433C-9355-4CFEBDC5B987}"/>
+              </a:ext>
+            </a:extLst>
+          </p:cNvPr>
+          <p:cNvSpPr/>
+          <p:nvPr/>
+        </p:nvSpPr>
+        <p:spPr>
+          <a:xfrm>
+            <a:off x="2251075" y="3228975"/>
+            <a:ext cx="361950" cy="247650"/>
+          </a:xfrm>
+          <a:prstGeom prst="rightArrow">
+            <a:avLst/>
+          </a:prstGeom>
+        </p:spPr>
+        <p:style>
+          <a:lnRef idx="2">
+            <a:schemeClr val="accent1">
+              <a:shade val="50000"/>
+            </a:schemeClr>
+          </a:lnRef>
+          <a:fillRef idx="1">
+            <a:schemeClr val="accent1"/>
+          </a:fillRef>
+          <a:effectRef idx="0">
+            <a:schemeClr val="accent1"/>
+          </a:effectRef>
+          <a:fontRef idx="minor">
+            <a:schemeClr val="lt1"/>
+          </a:fontRef>
+        </p:style>
+        <p:txBody>
+          <a:bodyPr rtlCol="0" anchor="ctr"/>
+          <a:lstStyle/>
+          <a:p>
+            <a:pPr algn="ctr"/>
+            <a:endParaRPr lang="zh-CN" altLang="en-US"/>
+          </a:p>
+        </p:txBody>
+      </p:sp>
+      <p:sp>
+        <p:nvSpPr>
+          <p:cNvPr id="19" name="箭头: 右 18">
+            <a:extLst>
+              <a:ext uri="{FF2B5EF4-FFF2-40B4-BE49-F238E27FC236}">
+                <a16:creationId xmlns:a16="http://schemas.microsoft.com/office/drawing/2014/main" id="{66C1B6C8-8D40-4BA3-8E47-27932E23F995}"/>
+              </a:ext>
+            </a:extLst>
+          </p:cNvPr>
+          <p:cNvSpPr/>
+          <p:nvPr/>
+        </p:nvSpPr>
+        <p:spPr>
+          <a:xfrm>
+            <a:off x="4533901" y="3228975"/>
+            <a:ext cx="361950" cy="247650"/>
+          </a:xfrm>
+          <a:prstGeom prst="rightArrow">
+            <a:avLst/>
+          </a:prstGeom>
+        </p:spPr>
+        <p:style>
+          <a:lnRef idx="2">
+            <a:schemeClr val="accent1">
+              <a:shade val="50000"/>
+            </a:schemeClr>
+          </a:lnRef>
+          <a:fillRef idx="1">
+            <a:schemeClr val="accent1"/>
+          </a:fillRef>
+          <a:effectRef idx="0">
+            <a:schemeClr val="accent1"/>
+          </a:effectRef>
+          <a:fontRef idx="minor">
+            <a:schemeClr val="lt1"/>
+          </a:fontRef>
+        </p:style>
+        <p:txBody>
+          <a:bodyPr rtlCol="0" anchor="ctr"/>
+          <a:lstStyle/>
+          <a:p>
+            <a:pPr algn="ctr"/>
+            <a:endParaRPr lang="zh-CN" altLang="en-US"/>
+          </a:p>
+        </p:txBody>
+      </p:sp>
+      <p:sp>
+        <p:nvSpPr>
+          <p:cNvPr id="20" name="箭头: 右 19">
+            <a:extLst>
+              <a:ext uri="{FF2B5EF4-FFF2-40B4-BE49-F238E27FC236}">
+                <a16:creationId xmlns:a16="http://schemas.microsoft.com/office/drawing/2014/main" id="{9410A21A-6A43-4578-9880-C72D1EA0EF74}"/>
+              </a:ext>
+            </a:extLst>
+          </p:cNvPr>
+          <p:cNvSpPr/>
+          <p:nvPr/>
+        </p:nvSpPr>
+        <p:spPr>
+          <a:xfrm>
+            <a:off x="6651626" y="3228975"/>
+            <a:ext cx="361950" cy="247650"/>
+          </a:xfrm>
+          <a:prstGeom prst="rightArrow">
+            <a:avLst/>
+          </a:prstGeom>
+        </p:spPr>
+        <p:style>
+          <a:lnRef idx="2">
+            <a:schemeClr val="accent1">
+              <a:shade val="50000"/>
+            </a:schemeClr>
+          </a:lnRef>
+          <a:fillRef idx="1">
+            <a:schemeClr val="accent1"/>
+          </a:fillRef>
+          <a:effectRef idx="0">
+            <a:schemeClr val="accent1"/>
+          </a:effectRef>
+          <a:fontRef idx="minor">
+            <a:schemeClr val="lt1"/>
+          </a:fontRef>
+        </p:style>
+        <p:txBody>
+          <a:bodyPr rtlCol="0" anchor="ctr"/>
+          <a:lstStyle/>
+          <a:p>
+            <a:pPr algn="ctr"/>
+            <a:endParaRPr lang="zh-CN" altLang="en-US"/>
+          </a:p>
+        </p:txBody>
+      </p:sp>
+      <p:sp>
+        <p:nvSpPr>
+          <p:cNvPr id="21" name="箭头: 下 20">
+            <a:extLst>
+              <a:ext uri="{FF2B5EF4-FFF2-40B4-BE49-F238E27FC236}">
+                <a16:creationId xmlns:a16="http://schemas.microsoft.com/office/drawing/2014/main" id="{B559AEBC-6478-4682-95CD-33813830B34B}"/>
+              </a:ext>
+            </a:extLst>
+          </p:cNvPr>
+          <p:cNvSpPr/>
+          <p:nvPr/>
+        </p:nvSpPr>
+        <p:spPr>
+          <a:xfrm>
+            <a:off x="7770814" y="4237851"/>
+            <a:ext cx="231774" cy="369331"/>
+          </a:xfrm>
+          <a:prstGeom prst="downArrow">
+            <a:avLst/>
+          </a:prstGeom>
+        </p:spPr>
+        <p:style>
+          <a:lnRef idx="2">
+            <a:schemeClr val="accent1">
+              <a:shade val="50000"/>
+            </a:schemeClr>
+          </a:lnRef>
+          <a:fillRef idx="1">
+            <a:schemeClr val="accent1"/>
+          </a:fillRef>
+          <a:effectRef idx="0">
+            <a:schemeClr val="accent1"/>
+          </a:effectRef>
+          <a:fontRef idx="minor">
+            <a:schemeClr val="lt1"/>
+          </a:fontRef>
+        </p:style>
+        <p:txBody>
+          <a:bodyPr rtlCol="0" anchor="ctr"/>
+          <a:lstStyle/>
+          <a:p>
+            <a:pPr algn="ctr"/>
+            <a:endParaRPr lang="zh-CN" altLang="en-US"/>
+          </a:p>
+        </p:txBody>
+      </p:sp>
+      <p:sp>
+        <p:nvSpPr>
+          <p:cNvPr id="22" name="箭头: 右 21">
+            <a:extLst>
+              <a:ext uri="{FF2B5EF4-FFF2-40B4-BE49-F238E27FC236}">
+                <a16:creationId xmlns:a16="http://schemas.microsoft.com/office/drawing/2014/main" id="{43D10092-E8B7-423F-91AF-5FC8B6E5E378}"/>
+              </a:ext>
+            </a:extLst>
+          </p:cNvPr>
+          <p:cNvSpPr/>
+          <p:nvPr/>
+        </p:nvSpPr>
+        <p:spPr>
+          <a:xfrm rot="10800000">
+            <a:off x="6581776" y="4953000"/>
+            <a:ext cx="361950" cy="247650"/>
+          </a:xfrm>
+          <a:prstGeom prst="rightArrow">
+            <a:avLst/>
+          </a:prstGeom>
+        </p:spPr>
+        <p:style>
+          <a:lnRef idx="2">
+            <a:schemeClr val="accent1">
+              <a:shade val="50000"/>
+            </a:schemeClr>
+          </a:lnRef>
+          <a:fillRef idx="1">
+            <a:schemeClr val="accent1"/>
+          </a:fillRef>
+          <a:effectRef idx="0">
+            <a:schemeClr val="accent1"/>
+          </a:effectRef>
+          <a:fontRef idx="minor">
+            <a:schemeClr val="lt1"/>
+          </a:fontRef>
+        </p:style>
+        <p:txBody>
+          <a:bodyPr rtlCol="0" anchor="ctr"/>
+          <a:lstStyle/>
+          <a:p>
+            <a:pPr algn="ctr"/>
+            <a:endParaRPr lang="zh-CN" altLang="en-US"/>
+          </a:p>
+        </p:txBody>
+      </p:sp>
+      <p:sp>
+        <p:nvSpPr>
+          <p:cNvPr id="23" name="箭头: 右 22">
+            <a:extLst>
+              <a:ext uri="{FF2B5EF4-FFF2-40B4-BE49-F238E27FC236}">
+                <a16:creationId xmlns:a16="http://schemas.microsoft.com/office/drawing/2014/main" id="{B1E1D789-8ABF-4406-8D89-5A18B4132402}"/>
+              </a:ext>
+            </a:extLst>
+          </p:cNvPr>
+          <p:cNvSpPr/>
+          <p:nvPr/>
+        </p:nvSpPr>
+        <p:spPr>
+          <a:xfrm rot="10800000">
+            <a:off x="4572001" y="4953000"/>
+            <a:ext cx="361950" cy="247650"/>
+          </a:xfrm>
+          <a:prstGeom prst="rightArrow">
+            <a:avLst/>
+          </a:prstGeom>
+        </p:spPr>
+        <p:style>
+          <a:lnRef idx="2">
+            <a:schemeClr val="accent1">
+              <a:shade val="50000"/>
+            </a:schemeClr>
+          </a:lnRef>
+          <a:fillRef idx="1">
+            <a:schemeClr val="accent1"/>
+          </a:fillRef>
+          <a:effectRef idx="0">
+            <a:schemeClr val="accent1"/>
+          </a:effectRef>
+          <a:fontRef idx="minor">
+            <a:schemeClr val="lt1"/>
+          </a:fontRef>
+        </p:style>
+        <p:txBody>
+          <a:bodyPr rtlCol="0" anchor="ctr"/>
+          <a:lstStyle/>
+          <a:p>
+            <a:pPr algn="ctr"/>
+            <a:endParaRPr lang="zh-CN" altLang="en-US"/>
+          </a:p>
+        </p:txBody>
+      </p:sp>
+    </p:spTree>
+    <p:extLst>
+      <p:ext uri="{BB962C8B-B14F-4D97-AF65-F5344CB8AC3E}">
+        <p14:creationId xmlns:p14="http://schemas.microsoft.com/office/powerpoint/2010/main" val="1161589361"/>
+      </p:ext>
+    </p:extLst>
+  </p:cSld>
+  <p:clrMapOvr>
+    <a:masterClrMapping/>
+  </p:clrMapOvr>
+</p:sld>
+</file>
+
 <file path=ppt/theme/theme1.xml><?xml version="1.0" encoding="utf-8"?>
 <a:theme xmlns:a="http://schemas.openxmlformats.org/drawingml/2006/main" name="Office 主题​​">
   <a:themeElements>

--- a/content/part3/虚拟机执行子系统/file/画图.pptx
+++ b/content/part3/虚拟机执行子系统/file/画图.pptx
@@ -205,7 +205,7 @@
           <a:p>
             <a:fld id="{C471A36F-4133-40F4-995D-C11173A2996F}" type="datetimeFigureOut">
               <a:rPr lang="zh-CN" altLang="en-US" smtClean="0"/>
-              <a:t>2020/6/27</a:t>
+              <a:t>2020/6/30</a:t>
             </a:fld>
             <a:endParaRPr lang="zh-CN" altLang="en-US"/>
           </a:p>
@@ -1518,7 +1518,7 @@
           <a:p>
             <a:fld id="{A6A4A897-575C-41C4-8D1F-1255879863ED}" type="datetimeFigureOut">
               <a:rPr lang="zh-CN" altLang="en-US" smtClean="0"/>
-              <a:t>2020/6/27</a:t>
+              <a:t>2020/6/30</a:t>
             </a:fld>
             <a:endParaRPr lang="zh-CN" altLang="en-US"/>
           </a:p>
@@ -1716,7 +1716,7 @@
           <a:p>
             <a:fld id="{A6A4A897-575C-41C4-8D1F-1255879863ED}" type="datetimeFigureOut">
               <a:rPr lang="zh-CN" altLang="en-US" smtClean="0"/>
-              <a:t>2020/6/27</a:t>
+              <a:t>2020/6/30</a:t>
             </a:fld>
             <a:endParaRPr lang="zh-CN" altLang="en-US"/>
           </a:p>
@@ -1924,7 +1924,7 @@
           <a:p>
             <a:fld id="{A6A4A897-575C-41C4-8D1F-1255879863ED}" type="datetimeFigureOut">
               <a:rPr lang="zh-CN" altLang="en-US" smtClean="0"/>
-              <a:t>2020/6/27</a:t>
+              <a:t>2020/6/30</a:t>
             </a:fld>
             <a:endParaRPr lang="zh-CN" altLang="en-US"/>
           </a:p>
@@ -2122,7 +2122,7 @@
           <a:p>
             <a:fld id="{A6A4A897-575C-41C4-8D1F-1255879863ED}" type="datetimeFigureOut">
               <a:rPr lang="zh-CN" altLang="en-US" smtClean="0"/>
-              <a:t>2020/6/27</a:t>
+              <a:t>2020/6/30</a:t>
             </a:fld>
             <a:endParaRPr lang="zh-CN" altLang="en-US"/>
           </a:p>
@@ -2397,7 +2397,7 @@
           <a:p>
             <a:fld id="{A6A4A897-575C-41C4-8D1F-1255879863ED}" type="datetimeFigureOut">
               <a:rPr lang="zh-CN" altLang="en-US" smtClean="0"/>
-              <a:t>2020/6/27</a:t>
+              <a:t>2020/6/30</a:t>
             </a:fld>
             <a:endParaRPr lang="zh-CN" altLang="en-US"/>
           </a:p>
@@ -2662,7 +2662,7 @@
           <a:p>
             <a:fld id="{A6A4A897-575C-41C4-8D1F-1255879863ED}" type="datetimeFigureOut">
               <a:rPr lang="zh-CN" altLang="en-US" smtClean="0"/>
-              <a:t>2020/6/27</a:t>
+              <a:t>2020/6/30</a:t>
             </a:fld>
             <a:endParaRPr lang="zh-CN" altLang="en-US"/>
           </a:p>
@@ -3074,7 +3074,7 @@
           <a:p>
             <a:fld id="{A6A4A897-575C-41C4-8D1F-1255879863ED}" type="datetimeFigureOut">
               <a:rPr lang="zh-CN" altLang="en-US" smtClean="0"/>
-              <a:t>2020/6/27</a:t>
+              <a:t>2020/6/30</a:t>
             </a:fld>
             <a:endParaRPr lang="zh-CN" altLang="en-US"/>
           </a:p>
@@ -3215,7 +3215,7 @@
           <a:p>
             <a:fld id="{A6A4A897-575C-41C4-8D1F-1255879863ED}" type="datetimeFigureOut">
               <a:rPr lang="zh-CN" altLang="en-US" smtClean="0"/>
-              <a:t>2020/6/27</a:t>
+              <a:t>2020/6/30</a:t>
             </a:fld>
             <a:endParaRPr lang="zh-CN" altLang="en-US"/>
           </a:p>
@@ -3328,7 +3328,7 @@
           <a:p>
             <a:fld id="{A6A4A897-575C-41C4-8D1F-1255879863ED}" type="datetimeFigureOut">
               <a:rPr lang="zh-CN" altLang="en-US" smtClean="0"/>
-              <a:t>2020/6/27</a:t>
+              <a:t>2020/6/30</a:t>
             </a:fld>
             <a:endParaRPr lang="zh-CN" altLang="en-US"/>
           </a:p>
@@ -3639,7 +3639,7 @@
           <a:p>
             <a:fld id="{A6A4A897-575C-41C4-8D1F-1255879863ED}" type="datetimeFigureOut">
               <a:rPr lang="zh-CN" altLang="en-US" smtClean="0"/>
-              <a:t>2020/6/27</a:t>
+              <a:t>2020/6/30</a:t>
             </a:fld>
             <a:endParaRPr lang="zh-CN" altLang="en-US"/>
           </a:p>
@@ -3927,7 +3927,7 @@
           <a:p>
             <a:fld id="{A6A4A897-575C-41C4-8D1F-1255879863ED}" type="datetimeFigureOut">
               <a:rPr lang="zh-CN" altLang="en-US" smtClean="0"/>
-              <a:t>2020/6/27</a:t>
+              <a:t>2020/6/30</a:t>
             </a:fld>
             <a:endParaRPr lang="zh-CN" altLang="en-US"/>
           </a:p>
@@ -4168,7 +4168,7 @@
           <a:p>
             <a:fld id="{A6A4A897-575C-41C4-8D1F-1255879863ED}" type="datetimeFigureOut">
               <a:rPr lang="zh-CN" altLang="en-US" smtClean="0"/>
-              <a:t>2020/6/27</a:t>
+              <a:t>2020/6/30</a:t>
             </a:fld>
             <a:endParaRPr lang="zh-CN" altLang="en-US"/>
           </a:p>
@@ -8073,7 +8073,7 @@
                 <a:pPr algn="ctr"/>
                 <a:r>
                   <a:rPr lang="en-US" altLang="zh-CN" sz="1400"/>
-                  <a:t>length:29</a:t>
+                  <a:t>length:14</a:t>
                 </a:r>
                 <a:endParaRPr lang="zh-CN" altLang="en-US" sz="1400"/>
               </a:p>

--- a/content/part3/虚拟机执行子系统/file/画图.pptx
+++ b/content/part3/虚拟机执行子系统/file/画图.pptx
@@ -5,7 +5,7 @@
     <p:sldMasterId id="2147483648" r:id="rId1"/>
   </p:sldMasterIdLst>
   <p:notesMasterIdLst>
-    <p:notesMasterId r:id="rId11"/>
+    <p:notesMasterId r:id="rId12"/>
   </p:notesMasterIdLst>
   <p:sldIdLst>
     <p:sldId id="256" r:id="rId2"/>
@@ -17,6 +17,7 @@
     <p:sldId id="262" r:id="rId8"/>
     <p:sldId id="263" r:id="rId9"/>
     <p:sldId id="264" r:id="rId10"/>
+    <p:sldId id="265" r:id="rId11"/>
   </p:sldIdLst>
   <p:sldSz cx="12192000" cy="6858000"/>
   <p:notesSz cx="6858000" cy="9144000"/>
@@ -205,7 +206,7 @@
           <a:p>
             <a:fld id="{C471A36F-4133-40F4-995D-C11173A2996F}" type="datetimeFigureOut">
               <a:rPr lang="zh-CN" altLang="en-US" smtClean="0"/>
-              <a:t>2020/6/30</a:t>
+              <a:t>2020/7/1</a:t>
             </a:fld>
             <a:endParaRPr lang="zh-CN" altLang="en-US"/>
           </a:p>
@@ -563,6 +564,93 @@
 </p:notes>
 </file>
 
+<file path=ppt/notesSlides/notesSlide10.xml><?xml version="1.0" encoding="utf-8"?>
+<p:notes xmlns:a="http://schemas.openxmlformats.org/drawingml/2006/main" xmlns:r="http://schemas.openxmlformats.org/officeDocument/2006/relationships" xmlns:p="http://schemas.openxmlformats.org/presentationml/2006/main">
+  <p:cSld>
+    <p:spTree>
+      <p:nvGrpSpPr>
+        <p:cNvPr id="1" name=""/>
+        <p:cNvGrpSpPr/>
+        <p:nvPr/>
+      </p:nvGrpSpPr>
+      <p:grpSpPr>
+        <a:xfrm>
+          <a:off x="0" y="0"/>
+          <a:ext cx="0" cy="0"/>
+          <a:chOff x="0" y="0"/>
+          <a:chExt cx="0" cy="0"/>
+        </a:xfrm>
+      </p:grpSpPr>
+      <p:sp>
+        <p:nvSpPr>
+          <p:cNvPr id="2" name="幻灯片图像占位符 1"/>
+          <p:cNvSpPr>
+            <a:spLocks noGrp="1" noRot="1" noChangeAspect="1"/>
+          </p:cNvSpPr>
+          <p:nvPr>
+            <p:ph type="sldImg"/>
+          </p:nvPr>
+        </p:nvSpPr>
+        <p:spPr/>
+      </p:sp>
+      <p:sp>
+        <p:nvSpPr>
+          <p:cNvPr id="3" name="备注占位符 2"/>
+          <p:cNvSpPr>
+            <a:spLocks noGrp="1"/>
+          </p:cNvSpPr>
+          <p:nvPr>
+            <p:ph type="body" idx="1"/>
+          </p:nvPr>
+        </p:nvSpPr>
+        <p:spPr/>
+        <p:txBody>
+          <a:bodyPr/>
+          <a:lstStyle/>
+          <a:p>
+            <a:r>
+              <a:rPr lang="zh-CN" altLang="en-US"/>
+              <a:t>两个栈桢之间的数据共享</a:t>
+            </a:r>
+          </a:p>
+        </p:txBody>
+      </p:sp>
+      <p:sp>
+        <p:nvSpPr>
+          <p:cNvPr id="4" name="灯片编号占位符 3"/>
+          <p:cNvSpPr>
+            <a:spLocks noGrp="1"/>
+          </p:cNvSpPr>
+          <p:nvPr>
+            <p:ph type="sldNum" sz="quarter" idx="5"/>
+          </p:nvPr>
+        </p:nvSpPr>
+        <p:spPr/>
+        <p:txBody>
+          <a:bodyPr/>
+          <a:lstStyle/>
+          <a:p>
+            <a:fld id="{80FDEE4C-6445-4C18-B9D8-740B4FCEB2C2}" type="slidenum">
+              <a:rPr lang="zh-CN" altLang="en-US" smtClean="0"/>
+              <a:t>10</a:t>
+            </a:fld>
+            <a:endParaRPr lang="zh-CN" altLang="en-US"/>
+          </a:p>
+        </p:txBody>
+      </p:sp>
+    </p:spTree>
+    <p:extLst>
+      <p:ext uri="{BB962C8B-B14F-4D97-AF65-F5344CB8AC3E}">
+        <p14:creationId xmlns:p14="http://schemas.microsoft.com/office/powerpoint/2010/main" val="3629512740"/>
+      </p:ext>
+    </p:extLst>
+  </p:cSld>
+  <p:clrMapOvr>
+    <a:masterClrMapping/>
+  </p:clrMapOvr>
+</p:notes>
+</file>
+
 <file path=ppt/notesSlides/notesSlide2.xml><?xml version="1.0" encoding="utf-8"?>
 <p:notes xmlns:a="http://schemas.openxmlformats.org/drawingml/2006/main" xmlns:r="http://schemas.openxmlformats.org/officeDocument/2006/relationships" xmlns:p="http://schemas.openxmlformats.org/presentationml/2006/main">
   <p:cSld>
@@ -1518,7 +1606,7 @@
           <a:p>
             <a:fld id="{A6A4A897-575C-41C4-8D1F-1255879863ED}" type="datetimeFigureOut">
               <a:rPr lang="zh-CN" altLang="en-US" smtClean="0"/>
-              <a:t>2020/6/30</a:t>
+              <a:t>2020/7/1</a:t>
             </a:fld>
             <a:endParaRPr lang="zh-CN" altLang="en-US"/>
           </a:p>
@@ -1716,7 +1804,7 @@
           <a:p>
             <a:fld id="{A6A4A897-575C-41C4-8D1F-1255879863ED}" type="datetimeFigureOut">
               <a:rPr lang="zh-CN" altLang="en-US" smtClean="0"/>
-              <a:t>2020/6/30</a:t>
+              <a:t>2020/7/1</a:t>
             </a:fld>
             <a:endParaRPr lang="zh-CN" altLang="en-US"/>
           </a:p>
@@ -1924,7 +2012,7 @@
           <a:p>
             <a:fld id="{A6A4A897-575C-41C4-8D1F-1255879863ED}" type="datetimeFigureOut">
               <a:rPr lang="zh-CN" altLang="en-US" smtClean="0"/>
-              <a:t>2020/6/30</a:t>
+              <a:t>2020/7/1</a:t>
             </a:fld>
             <a:endParaRPr lang="zh-CN" altLang="en-US"/>
           </a:p>
@@ -2122,7 +2210,7 @@
           <a:p>
             <a:fld id="{A6A4A897-575C-41C4-8D1F-1255879863ED}" type="datetimeFigureOut">
               <a:rPr lang="zh-CN" altLang="en-US" smtClean="0"/>
-              <a:t>2020/6/30</a:t>
+              <a:t>2020/7/1</a:t>
             </a:fld>
             <a:endParaRPr lang="zh-CN" altLang="en-US"/>
           </a:p>
@@ -2397,7 +2485,7 @@
           <a:p>
             <a:fld id="{A6A4A897-575C-41C4-8D1F-1255879863ED}" type="datetimeFigureOut">
               <a:rPr lang="zh-CN" altLang="en-US" smtClean="0"/>
-              <a:t>2020/6/30</a:t>
+              <a:t>2020/7/1</a:t>
             </a:fld>
             <a:endParaRPr lang="zh-CN" altLang="en-US"/>
           </a:p>
@@ -2662,7 +2750,7 @@
           <a:p>
             <a:fld id="{A6A4A897-575C-41C4-8D1F-1255879863ED}" type="datetimeFigureOut">
               <a:rPr lang="zh-CN" altLang="en-US" smtClean="0"/>
-              <a:t>2020/6/30</a:t>
+              <a:t>2020/7/1</a:t>
             </a:fld>
             <a:endParaRPr lang="zh-CN" altLang="en-US"/>
           </a:p>
@@ -3074,7 +3162,7 @@
           <a:p>
             <a:fld id="{A6A4A897-575C-41C4-8D1F-1255879863ED}" type="datetimeFigureOut">
               <a:rPr lang="zh-CN" altLang="en-US" smtClean="0"/>
-              <a:t>2020/6/30</a:t>
+              <a:t>2020/7/1</a:t>
             </a:fld>
             <a:endParaRPr lang="zh-CN" altLang="en-US"/>
           </a:p>
@@ -3215,7 +3303,7 @@
           <a:p>
             <a:fld id="{A6A4A897-575C-41C4-8D1F-1255879863ED}" type="datetimeFigureOut">
               <a:rPr lang="zh-CN" altLang="en-US" smtClean="0"/>
-              <a:t>2020/6/30</a:t>
+              <a:t>2020/7/1</a:t>
             </a:fld>
             <a:endParaRPr lang="zh-CN" altLang="en-US"/>
           </a:p>
@@ -3328,7 +3416,7 @@
           <a:p>
             <a:fld id="{A6A4A897-575C-41C4-8D1F-1255879863ED}" type="datetimeFigureOut">
               <a:rPr lang="zh-CN" altLang="en-US" smtClean="0"/>
-              <a:t>2020/6/30</a:t>
+              <a:t>2020/7/1</a:t>
             </a:fld>
             <a:endParaRPr lang="zh-CN" altLang="en-US"/>
           </a:p>
@@ -3639,7 +3727,7 @@
           <a:p>
             <a:fld id="{A6A4A897-575C-41C4-8D1F-1255879863ED}" type="datetimeFigureOut">
               <a:rPr lang="zh-CN" altLang="en-US" smtClean="0"/>
-              <a:t>2020/6/30</a:t>
+              <a:t>2020/7/1</a:t>
             </a:fld>
             <a:endParaRPr lang="zh-CN" altLang="en-US"/>
           </a:p>
@@ -3927,7 +4015,7 @@
           <a:p>
             <a:fld id="{A6A4A897-575C-41C4-8D1F-1255879863ED}" type="datetimeFigureOut">
               <a:rPr lang="zh-CN" altLang="en-US" smtClean="0"/>
-              <a:t>2020/6/30</a:t>
+              <a:t>2020/7/1</a:t>
             </a:fld>
             <a:endParaRPr lang="zh-CN" altLang="en-US"/>
           </a:p>
@@ -4168,7 +4256,7 @@
           <a:p>
             <a:fld id="{A6A4A897-575C-41C4-8D1F-1255879863ED}" type="datetimeFigureOut">
               <a:rPr lang="zh-CN" altLang="en-US" smtClean="0"/>
-              <a:t>2020/6/30</a:t>
+              <a:t>2020/7/1</a:t>
             </a:fld>
             <a:endParaRPr lang="zh-CN" altLang="en-US"/>
           </a:p>
@@ -6080,6 +6168,637 @@
     <p:extLst>
       <p:ext uri="{BB962C8B-B14F-4D97-AF65-F5344CB8AC3E}">
         <p14:creationId xmlns:p14="http://schemas.microsoft.com/office/powerpoint/2010/main" val="4260679604"/>
+      </p:ext>
+    </p:extLst>
+  </p:cSld>
+  <p:clrMapOvr>
+    <a:masterClrMapping/>
+  </p:clrMapOvr>
+</p:sld>
+</file>
+
+<file path=ppt/slides/slide10.xml><?xml version="1.0" encoding="utf-8"?>
+<p:sld xmlns:a="http://schemas.openxmlformats.org/drawingml/2006/main" xmlns:r="http://schemas.openxmlformats.org/officeDocument/2006/relationships" xmlns:p="http://schemas.openxmlformats.org/presentationml/2006/main">
+  <p:cSld>
+    <p:spTree>
+      <p:nvGrpSpPr>
+        <p:cNvPr id="1" name=""/>
+        <p:cNvGrpSpPr/>
+        <p:nvPr/>
+      </p:nvGrpSpPr>
+      <p:grpSpPr>
+        <a:xfrm>
+          <a:off x="0" y="0"/>
+          <a:ext cx="0" cy="0"/>
+          <a:chOff x="0" y="0"/>
+          <a:chExt cx="0" cy="0"/>
+        </a:xfrm>
+      </p:grpSpPr>
+      <p:sp>
+        <p:nvSpPr>
+          <p:cNvPr id="5" name="矩形 4">
+            <a:extLst>
+              <a:ext uri="{FF2B5EF4-FFF2-40B4-BE49-F238E27FC236}">
+                <a16:creationId xmlns:a16="http://schemas.microsoft.com/office/drawing/2014/main" id="{4EDF093F-A6F6-453D-A795-D0D78F26EFC6}"/>
+              </a:ext>
+            </a:extLst>
+          </p:cNvPr>
+          <p:cNvSpPr/>
+          <p:nvPr/>
+        </p:nvSpPr>
+        <p:spPr>
+          <a:xfrm>
+            <a:off x="3686175" y="3124200"/>
+            <a:ext cx="1457325" cy="685800"/>
+          </a:xfrm>
+          <a:prstGeom prst="rect">
+            <a:avLst/>
+          </a:prstGeom>
+        </p:spPr>
+        <p:style>
+          <a:lnRef idx="2">
+            <a:schemeClr val="accent5">
+              <a:shade val="50000"/>
+            </a:schemeClr>
+          </a:lnRef>
+          <a:fillRef idx="1">
+            <a:schemeClr val="accent5"/>
+          </a:fillRef>
+          <a:effectRef idx="0">
+            <a:schemeClr val="accent5"/>
+          </a:effectRef>
+          <a:fontRef idx="minor">
+            <a:schemeClr val="lt1"/>
+          </a:fontRef>
+        </p:style>
+        <p:txBody>
+          <a:bodyPr rtlCol="0" anchor="ctr"/>
+          <a:lstStyle/>
+          <a:p>
+            <a:pPr algn="ctr"/>
+            <a:r>
+              <a:rPr lang="zh-CN" altLang="en-US" sz="1400">
+                <a:ln w="0"/>
+                <a:solidFill>
+                  <a:schemeClr val="tx1"/>
+                </a:solidFill>
+                <a:effectLst>
+                  <a:outerShdw blurRad="38100" dist="19050" dir="2700000" algn="tl" rotWithShape="0">
+                    <a:schemeClr val="dk1">
+                      <a:alpha val="40000"/>
+                    </a:schemeClr>
+                  </a:outerShdw>
+                </a:effectLst>
+              </a:rPr>
+              <a:t>操作栈共享区域</a:t>
+            </a:r>
+          </a:p>
+        </p:txBody>
+      </p:sp>
+      <p:sp>
+        <p:nvSpPr>
+          <p:cNvPr id="6" name="矩形 5">
+            <a:extLst>
+              <a:ext uri="{FF2B5EF4-FFF2-40B4-BE49-F238E27FC236}">
+                <a16:creationId xmlns:a16="http://schemas.microsoft.com/office/drawing/2014/main" id="{B0D68039-8F32-4580-BA58-C9B9251E3BD2}"/>
+              </a:ext>
+            </a:extLst>
+          </p:cNvPr>
+          <p:cNvSpPr/>
+          <p:nvPr/>
+        </p:nvSpPr>
+        <p:spPr>
+          <a:xfrm>
+            <a:off x="3686174" y="3810000"/>
+            <a:ext cx="1457325" cy="685800"/>
+          </a:xfrm>
+          <a:prstGeom prst="rect">
+            <a:avLst/>
+          </a:prstGeom>
+        </p:spPr>
+        <p:style>
+          <a:lnRef idx="2">
+            <a:schemeClr val="accent5">
+              <a:shade val="50000"/>
+            </a:schemeClr>
+          </a:lnRef>
+          <a:fillRef idx="1">
+            <a:schemeClr val="accent5"/>
+          </a:fillRef>
+          <a:effectRef idx="0">
+            <a:schemeClr val="accent5"/>
+          </a:effectRef>
+          <a:fontRef idx="minor">
+            <a:schemeClr val="lt1"/>
+          </a:fontRef>
+        </p:style>
+        <p:txBody>
+          <a:bodyPr rtlCol="0" anchor="ctr"/>
+          <a:lstStyle/>
+          <a:p>
+            <a:pPr algn="ctr"/>
+            <a:r>
+              <a:rPr lang="zh-CN" altLang="en-US" sz="1400">
+                <a:ln w="0"/>
+                <a:solidFill>
+                  <a:schemeClr val="tx1"/>
+                </a:solidFill>
+                <a:effectLst>
+                  <a:outerShdw blurRad="38100" dist="19050" dir="2700000" algn="tl" rotWithShape="0">
+                    <a:schemeClr val="dk1">
+                      <a:alpha val="40000"/>
+                    </a:schemeClr>
+                  </a:outerShdw>
+                </a:effectLst>
+              </a:rPr>
+              <a:t>操作栈</a:t>
+            </a:r>
+          </a:p>
+        </p:txBody>
+      </p:sp>
+      <p:sp>
+        <p:nvSpPr>
+          <p:cNvPr id="7" name="矩形 6">
+            <a:extLst>
+              <a:ext uri="{FF2B5EF4-FFF2-40B4-BE49-F238E27FC236}">
+                <a16:creationId xmlns:a16="http://schemas.microsoft.com/office/drawing/2014/main" id="{AEA3462C-7C7D-4F8A-9A18-A36C5374FC52}"/>
+              </a:ext>
+            </a:extLst>
+          </p:cNvPr>
+          <p:cNvSpPr/>
+          <p:nvPr/>
+        </p:nvSpPr>
+        <p:spPr>
+          <a:xfrm>
+            <a:off x="3686173" y="4495800"/>
+            <a:ext cx="1457325" cy="685800"/>
+          </a:xfrm>
+          <a:prstGeom prst="rect">
+            <a:avLst/>
+          </a:prstGeom>
+        </p:spPr>
+        <p:style>
+          <a:lnRef idx="2">
+            <a:schemeClr val="accent5">
+              <a:shade val="50000"/>
+            </a:schemeClr>
+          </a:lnRef>
+          <a:fillRef idx="1">
+            <a:schemeClr val="accent5"/>
+          </a:fillRef>
+          <a:effectRef idx="0">
+            <a:schemeClr val="accent5"/>
+          </a:effectRef>
+          <a:fontRef idx="minor">
+            <a:schemeClr val="lt1"/>
+          </a:fontRef>
+        </p:style>
+        <p:txBody>
+          <a:bodyPr rtlCol="0" anchor="ctr"/>
+          <a:lstStyle/>
+          <a:p>
+            <a:pPr algn="ctr"/>
+            <a:r>
+              <a:rPr lang="zh-CN" altLang="en-US" sz="1400">
+                <a:ln w="0"/>
+                <a:solidFill>
+                  <a:schemeClr val="tx1"/>
+                </a:solidFill>
+                <a:effectLst>
+                  <a:outerShdw blurRad="38100" dist="19050" dir="2700000" algn="tl" rotWithShape="0">
+                    <a:schemeClr val="dk1">
+                      <a:alpha val="40000"/>
+                    </a:schemeClr>
+                  </a:outerShdw>
+                </a:effectLst>
+              </a:rPr>
+              <a:t>其他栈桢信息</a:t>
+            </a:r>
+          </a:p>
+        </p:txBody>
+      </p:sp>
+      <p:sp>
+        <p:nvSpPr>
+          <p:cNvPr id="8" name="矩形 7">
+            <a:extLst>
+              <a:ext uri="{FF2B5EF4-FFF2-40B4-BE49-F238E27FC236}">
+                <a16:creationId xmlns:a16="http://schemas.microsoft.com/office/drawing/2014/main" id="{BAF9D377-78E4-4988-BC70-F6BD11CEB401}"/>
+              </a:ext>
+            </a:extLst>
+          </p:cNvPr>
+          <p:cNvSpPr/>
+          <p:nvPr/>
+        </p:nvSpPr>
+        <p:spPr>
+          <a:xfrm>
+            <a:off x="3686173" y="5181600"/>
+            <a:ext cx="1457325" cy="685800"/>
+          </a:xfrm>
+          <a:prstGeom prst="rect">
+            <a:avLst/>
+          </a:prstGeom>
+        </p:spPr>
+        <p:style>
+          <a:lnRef idx="2">
+            <a:schemeClr val="accent5">
+              <a:shade val="50000"/>
+            </a:schemeClr>
+          </a:lnRef>
+          <a:fillRef idx="1">
+            <a:schemeClr val="accent5"/>
+          </a:fillRef>
+          <a:effectRef idx="0">
+            <a:schemeClr val="accent5"/>
+          </a:effectRef>
+          <a:fontRef idx="minor">
+            <a:schemeClr val="lt1"/>
+          </a:fontRef>
+        </p:style>
+        <p:txBody>
+          <a:bodyPr rtlCol="0" anchor="ctr"/>
+          <a:lstStyle/>
+          <a:p>
+            <a:pPr algn="ctr"/>
+            <a:r>
+              <a:rPr lang="zh-CN" altLang="en-US" sz="1400">
+                <a:ln w="0"/>
+                <a:solidFill>
+                  <a:schemeClr val="tx1"/>
+                </a:solidFill>
+                <a:effectLst>
+                  <a:outerShdw blurRad="38100" dist="19050" dir="2700000" algn="tl" rotWithShape="0">
+                    <a:schemeClr val="dk1">
+                      <a:alpha val="40000"/>
+                    </a:schemeClr>
+                  </a:outerShdw>
+                </a:effectLst>
+              </a:rPr>
+              <a:t>局部变量表</a:t>
+            </a:r>
+          </a:p>
+        </p:txBody>
+      </p:sp>
+      <p:sp>
+        <p:nvSpPr>
+          <p:cNvPr id="13" name="矩形 12">
+            <a:extLst>
+              <a:ext uri="{FF2B5EF4-FFF2-40B4-BE49-F238E27FC236}">
+                <a16:creationId xmlns:a16="http://schemas.microsoft.com/office/drawing/2014/main" id="{CE1D4634-E00F-4E6D-97F1-786CD157E225}"/>
+              </a:ext>
+            </a:extLst>
+          </p:cNvPr>
+          <p:cNvSpPr/>
+          <p:nvPr/>
+        </p:nvSpPr>
+        <p:spPr>
+          <a:xfrm>
+            <a:off x="6210300" y="1009650"/>
+            <a:ext cx="1457325" cy="685800"/>
+          </a:xfrm>
+          <a:prstGeom prst="rect">
+            <a:avLst/>
+          </a:prstGeom>
+        </p:spPr>
+        <p:style>
+          <a:lnRef idx="2">
+            <a:schemeClr val="accent5">
+              <a:shade val="50000"/>
+            </a:schemeClr>
+          </a:lnRef>
+          <a:fillRef idx="1">
+            <a:schemeClr val="accent5"/>
+          </a:fillRef>
+          <a:effectRef idx="0">
+            <a:schemeClr val="accent5"/>
+          </a:effectRef>
+          <a:fontRef idx="minor">
+            <a:schemeClr val="lt1"/>
+          </a:fontRef>
+        </p:style>
+        <p:txBody>
+          <a:bodyPr rtlCol="0" anchor="ctr"/>
+          <a:lstStyle/>
+          <a:p>
+            <a:pPr algn="ctr"/>
+            <a:r>
+              <a:rPr lang="zh-CN" altLang="en-US" sz="1400">
+                <a:ln w="0"/>
+                <a:solidFill>
+                  <a:schemeClr val="tx1"/>
+                </a:solidFill>
+                <a:effectLst>
+                  <a:outerShdw blurRad="38100" dist="19050" dir="2700000" algn="tl" rotWithShape="0">
+                    <a:schemeClr val="dk1">
+                      <a:alpha val="40000"/>
+                    </a:schemeClr>
+                  </a:outerShdw>
+                </a:effectLst>
+              </a:rPr>
+              <a:t>操作栈共享区域</a:t>
+            </a:r>
+          </a:p>
+        </p:txBody>
+      </p:sp>
+      <p:sp>
+        <p:nvSpPr>
+          <p:cNvPr id="14" name="矩形 13">
+            <a:extLst>
+              <a:ext uri="{FF2B5EF4-FFF2-40B4-BE49-F238E27FC236}">
+                <a16:creationId xmlns:a16="http://schemas.microsoft.com/office/drawing/2014/main" id="{A15E8728-FC44-4F7D-A2DD-A3D732B2B4EC}"/>
+              </a:ext>
+            </a:extLst>
+          </p:cNvPr>
+          <p:cNvSpPr/>
+          <p:nvPr/>
+        </p:nvSpPr>
+        <p:spPr>
+          <a:xfrm>
+            <a:off x="6210299" y="1695450"/>
+            <a:ext cx="1457325" cy="685800"/>
+          </a:xfrm>
+          <a:prstGeom prst="rect">
+            <a:avLst/>
+          </a:prstGeom>
+        </p:spPr>
+        <p:style>
+          <a:lnRef idx="2">
+            <a:schemeClr val="accent5">
+              <a:shade val="50000"/>
+            </a:schemeClr>
+          </a:lnRef>
+          <a:fillRef idx="1">
+            <a:schemeClr val="accent5"/>
+          </a:fillRef>
+          <a:effectRef idx="0">
+            <a:schemeClr val="accent5"/>
+          </a:effectRef>
+          <a:fontRef idx="minor">
+            <a:schemeClr val="lt1"/>
+          </a:fontRef>
+        </p:style>
+        <p:txBody>
+          <a:bodyPr rtlCol="0" anchor="ctr"/>
+          <a:lstStyle/>
+          <a:p>
+            <a:pPr algn="ctr"/>
+            <a:r>
+              <a:rPr lang="zh-CN" altLang="en-US" sz="1400">
+                <a:ln w="0"/>
+                <a:solidFill>
+                  <a:schemeClr val="tx1"/>
+                </a:solidFill>
+                <a:effectLst>
+                  <a:outerShdw blurRad="38100" dist="19050" dir="2700000" algn="tl" rotWithShape="0">
+                    <a:schemeClr val="dk1">
+                      <a:alpha val="40000"/>
+                    </a:schemeClr>
+                  </a:outerShdw>
+                </a:effectLst>
+              </a:rPr>
+              <a:t>操作栈</a:t>
+            </a:r>
+          </a:p>
+        </p:txBody>
+      </p:sp>
+      <p:sp>
+        <p:nvSpPr>
+          <p:cNvPr id="15" name="矩形 14">
+            <a:extLst>
+              <a:ext uri="{FF2B5EF4-FFF2-40B4-BE49-F238E27FC236}">
+                <a16:creationId xmlns:a16="http://schemas.microsoft.com/office/drawing/2014/main" id="{636C91D3-F61D-4C9D-844B-507035249D09}"/>
+              </a:ext>
+            </a:extLst>
+          </p:cNvPr>
+          <p:cNvSpPr/>
+          <p:nvPr/>
+        </p:nvSpPr>
+        <p:spPr>
+          <a:xfrm>
+            <a:off x="6210298" y="2381250"/>
+            <a:ext cx="1457325" cy="685800"/>
+          </a:xfrm>
+          <a:prstGeom prst="rect">
+            <a:avLst/>
+          </a:prstGeom>
+        </p:spPr>
+        <p:style>
+          <a:lnRef idx="2">
+            <a:schemeClr val="accent5">
+              <a:shade val="50000"/>
+            </a:schemeClr>
+          </a:lnRef>
+          <a:fillRef idx="1">
+            <a:schemeClr val="accent5"/>
+          </a:fillRef>
+          <a:effectRef idx="0">
+            <a:schemeClr val="accent5"/>
+          </a:effectRef>
+          <a:fontRef idx="minor">
+            <a:schemeClr val="lt1"/>
+          </a:fontRef>
+        </p:style>
+        <p:txBody>
+          <a:bodyPr rtlCol="0" anchor="ctr"/>
+          <a:lstStyle/>
+          <a:p>
+            <a:pPr algn="ctr"/>
+            <a:r>
+              <a:rPr lang="zh-CN" altLang="en-US" sz="1400">
+                <a:ln w="0"/>
+                <a:solidFill>
+                  <a:schemeClr val="tx1"/>
+                </a:solidFill>
+                <a:effectLst>
+                  <a:outerShdw blurRad="38100" dist="19050" dir="2700000" algn="tl" rotWithShape="0">
+                    <a:schemeClr val="dk1">
+                      <a:alpha val="40000"/>
+                    </a:schemeClr>
+                  </a:outerShdw>
+                </a:effectLst>
+              </a:rPr>
+              <a:t>其他栈桢信息</a:t>
+            </a:r>
+          </a:p>
+        </p:txBody>
+      </p:sp>
+      <p:sp>
+        <p:nvSpPr>
+          <p:cNvPr id="16" name="矩形 15">
+            <a:extLst>
+              <a:ext uri="{FF2B5EF4-FFF2-40B4-BE49-F238E27FC236}">
+                <a16:creationId xmlns:a16="http://schemas.microsoft.com/office/drawing/2014/main" id="{D66D26CB-C3BD-4F23-BD12-C2F46DF15843}"/>
+              </a:ext>
+            </a:extLst>
+          </p:cNvPr>
+          <p:cNvSpPr/>
+          <p:nvPr/>
+        </p:nvSpPr>
+        <p:spPr>
+          <a:xfrm>
+            <a:off x="6210298" y="3067050"/>
+            <a:ext cx="1457325" cy="685800"/>
+          </a:xfrm>
+          <a:prstGeom prst="rect">
+            <a:avLst/>
+          </a:prstGeom>
+        </p:spPr>
+        <p:style>
+          <a:lnRef idx="2">
+            <a:schemeClr val="accent5">
+              <a:shade val="50000"/>
+            </a:schemeClr>
+          </a:lnRef>
+          <a:fillRef idx="1">
+            <a:schemeClr val="accent5"/>
+          </a:fillRef>
+          <a:effectRef idx="0">
+            <a:schemeClr val="accent5"/>
+          </a:effectRef>
+          <a:fontRef idx="minor">
+            <a:schemeClr val="lt1"/>
+          </a:fontRef>
+        </p:style>
+        <p:txBody>
+          <a:bodyPr rtlCol="0" anchor="ctr"/>
+          <a:lstStyle/>
+          <a:p>
+            <a:pPr algn="ctr"/>
+            <a:r>
+              <a:rPr lang="zh-CN" altLang="en-US" sz="1400">
+                <a:ln w="0"/>
+                <a:solidFill>
+                  <a:schemeClr val="tx1"/>
+                </a:solidFill>
+                <a:effectLst>
+                  <a:outerShdw blurRad="38100" dist="19050" dir="2700000" algn="tl" rotWithShape="0">
+                    <a:schemeClr val="dk1">
+                      <a:alpha val="40000"/>
+                    </a:schemeClr>
+                  </a:outerShdw>
+                </a:effectLst>
+              </a:rPr>
+              <a:t>局部变量表共享区域</a:t>
+            </a:r>
+          </a:p>
+        </p:txBody>
+      </p:sp>
+      <p:cxnSp>
+        <p:nvCxnSpPr>
+          <p:cNvPr id="20" name="直接连接符 19">
+            <a:extLst>
+              <a:ext uri="{FF2B5EF4-FFF2-40B4-BE49-F238E27FC236}">
+                <a16:creationId xmlns:a16="http://schemas.microsoft.com/office/drawing/2014/main" id="{EF75894E-178F-43F8-893D-5CD9668F3D70}"/>
+              </a:ext>
+            </a:extLst>
+          </p:cNvPr>
+          <p:cNvCxnSpPr/>
+          <p:nvPr/>
+        </p:nvCxnSpPr>
+        <p:spPr>
+          <a:xfrm>
+            <a:off x="5257800" y="3124200"/>
+            <a:ext cx="838200" cy="0"/>
+          </a:xfrm>
+          <a:prstGeom prst="line">
+            <a:avLst/>
+          </a:prstGeom>
+          <a:ln>
+            <a:prstDash val="sysDash"/>
+          </a:ln>
+        </p:spPr>
+        <p:style>
+          <a:lnRef idx="1">
+            <a:schemeClr val="accent1"/>
+          </a:lnRef>
+          <a:fillRef idx="0">
+            <a:schemeClr val="accent1"/>
+          </a:fillRef>
+          <a:effectRef idx="0">
+            <a:schemeClr val="accent1"/>
+          </a:effectRef>
+          <a:fontRef idx="minor">
+            <a:schemeClr val="tx1"/>
+          </a:fontRef>
+        </p:style>
+      </p:cxnSp>
+      <p:cxnSp>
+        <p:nvCxnSpPr>
+          <p:cNvPr id="21" name="直接连接符 20">
+            <a:extLst>
+              <a:ext uri="{FF2B5EF4-FFF2-40B4-BE49-F238E27FC236}">
+                <a16:creationId xmlns:a16="http://schemas.microsoft.com/office/drawing/2014/main" id="{05AF8910-A5BB-4B72-A054-B35D2BCF9EA2}"/>
+              </a:ext>
+            </a:extLst>
+          </p:cNvPr>
+          <p:cNvCxnSpPr/>
+          <p:nvPr/>
+        </p:nvCxnSpPr>
+        <p:spPr>
+          <a:xfrm>
+            <a:off x="5257800" y="3752850"/>
+            <a:ext cx="838200" cy="0"/>
+          </a:xfrm>
+          <a:prstGeom prst="line">
+            <a:avLst/>
+          </a:prstGeom>
+          <a:ln>
+            <a:prstDash val="sysDash"/>
+          </a:ln>
+        </p:spPr>
+        <p:style>
+          <a:lnRef idx="1">
+            <a:schemeClr val="accent1"/>
+          </a:lnRef>
+          <a:fillRef idx="0">
+            <a:schemeClr val="accent1"/>
+          </a:fillRef>
+          <a:effectRef idx="0">
+            <a:schemeClr val="accent1"/>
+          </a:effectRef>
+          <a:fontRef idx="minor">
+            <a:schemeClr val="tx1"/>
+          </a:fontRef>
+        </p:style>
+      </p:cxnSp>
+      <p:sp>
+        <p:nvSpPr>
+          <p:cNvPr id="22" name="文本框 21">
+            <a:extLst>
+              <a:ext uri="{FF2B5EF4-FFF2-40B4-BE49-F238E27FC236}">
+                <a16:creationId xmlns:a16="http://schemas.microsoft.com/office/drawing/2014/main" id="{2DF5C293-8C69-4514-B8D5-2ADC09F4EC3B}"/>
+              </a:ext>
+            </a:extLst>
+          </p:cNvPr>
+          <p:cNvSpPr txBox="1"/>
+          <p:nvPr/>
+        </p:nvSpPr>
+        <p:spPr>
+          <a:xfrm>
+            <a:off x="5295781" y="3300026"/>
+            <a:ext cx="800219" cy="276999"/>
+          </a:xfrm>
+          <a:prstGeom prst="rect">
+            <a:avLst/>
+          </a:prstGeom>
+          <a:noFill/>
+        </p:spPr>
+        <p:txBody>
+          <a:bodyPr wrap="none" rtlCol="0">
+            <a:spAutoFit/>
+          </a:bodyPr>
+          <a:lstStyle/>
+          <a:p>
+            <a:r>
+              <a:rPr lang="zh-CN" altLang="en-US" sz="1200"/>
+              <a:t>重叠区域</a:t>
+            </a:r>
+          </a:p>
+        </p:txBody>
+      </p:sp>
+    </p:spTree>
+    <p:extLst>
+      <p:ext uri="{BB962C8B-B14F-4D97-AF65-F5344CB8AC3E}">
+        <p14:creationId xmlns:p14="http://schemas.microsoft.com/office/powerpoint/2010/main" val="2297443030"/>
       </p:ext>
     </p:extLst>
   </p:cSld>

--- a/content/part3/虚拟机执行子系统/file/画图.pptx
+++ b/content/part3/虚拟机执行子系统/file/画图.pptx
@@ -5,7 +5,7 @@
     <p:sldMasterId id="2147483648" r:id="rId1"/>
   </p:sldMasterIdLst>
   <p:notesMasterIdLst>
-    <p:notesMasterId r:id="rId10"/>
+    <p:notesMasterId r:id="rId12"/>
   </p:notesMasterIdLst>
   <p:sldIdLst>
     <p:sldId id="256" r:id="rId2"/>
@@ -16,6 +16,8 @@
     <p:sldId id="261" r:id="rId7"/>
     <p:sldId id="262" r:id="rId8"/>
     <p:sldId id="263" r:id="rId9"/>
+    <p:sldId id="264" r:id="rId10"/>
+    <p:sldId id="265" r:id="rId11"/>
   </p:sldIdLst>
   <p:sldSz cx="12192000" cy="6858000"/>
   <p:notesSz cx="6858000" cy="9144000"/>
@@ -204,7 +206,7 @@
           <a:p>
             <a:fld id="{C471A36F-4133-40F4-995D-C11173A2996F}" type="datetimeFigureOut">
               <a:rPr lang="zh-CN" altLang="en-US" smtClean="0"/>
-              <a:t>2020/6/26</a:t>
+              <a:t>2020/7/1</a:t>
             </a:fld>
             <a:endParaRPr lang="zh-CN" altLang="en-US"/>
           </a:p>
@@ -562,6 +564,93 @@
 </p:notes>
 </file>
 
+<file path=ppt/notesSlides/notesSlide10.xml><?xml version="1.0" encoding="utf-8"?>
+<p:notes xmlns:a="http://schemas.openxmlformats.org/drawingml/2006/main" xmlns:r="http://schemas.openxmlformats.org/officeDocument/2006/relationships" xmlns:p="http://schemas.openxmlformats.org/presentationml/2006/main">
+  <p:cSld>
+    <p:spTree>
+      <p:nvGrpSpPr>
+        <p:cNvPr id="1" name=""/>
+        <p:cNvGrpSpPr/>
+        <p:nvPr/>
+      </p:nvGrpSpPr>
+      <p:grpSpPr>
+        <a:xfrm>
+          <a:off x="0" y="0"/>
+          <a:ext cx="0" cy="0"/>
+          <a:chOff x="0" y="0"/>
+          <a:chExt cx="0" cy="0"/>
+        </a:xfrm>
+      </p:grpSpPr>
+      <p:sp>
+        <p:nvSpPr>
+          <p:cNvPr id="2" name="幻灯片图像占位符 1"/>
+          <p:cNvSpPr>
+            <a:spLocks noGrp="1" noRot="1" noChangeAspect="1"/>
+          </p:cNvSpPr>
+          <p:nvPr>
+            <p:ph type="sldImg"/>
+          </p:nvPr>
+        </p:nvSpPr>
+        <p:spPr/>
+      </p:sp>
+      <p:sp>
+        <p:nvSpPr>
+          <p:cNvPr id="3" name="备注占位符 2"/>
+          <p:cNvSpPr>
+            <a:spLocks noGrp="1"/>
+          </p:cNvSpPr>
+          <p:nvPr>
+            <p:ph type="body" idx="1"/>
+          </p:nvPr>
+        </p:nvSpPr>
+        <p:spPr/>
+        <p:txBody>
+          <a:bodyPr/>
+          <a:lstStyle/>
+          <a:p>
+            <a:r>
+              <a:rPr lang="zh-CN" altLang="en-US"/>
+              <a:t>两个栈桢之间的数据共享</a:t>
+            </a:r>
+          </a:p>
+        </p:txBody>
+      </p:sp>
+      <p:sp>
+        <p:nvSpPr>
+          <p:cNvPr id="4" name="灯片编号占位符 3"/>
+          <p:cNvSpPr>
+            <a:spLocks noGrp="1"/>
+          </p:cNvSpPr>
+          <p:nvPr>
+            <p:ph type="sldNum" sz="quarter" idx="5"/>
+          </p:nvPr>
+        </p:nvSpPr>
+        <p:spPr/>
+        <p:txBody>
+          <a:bodyPr/>
+          <a:lstStyle/>
+          <a:p>
+            <a:fld id="{80FDEE4C-6445-4C18-B9D8-740B4FCEB2C2}" type="slidenum">
+              <a:rPr lang="zh-CN" altLang="en-US" smtClean="0"/>
+              <a:t>10</a:t>
+            </a:fld>
+            <a:endParaRPr lang="zh-CN" altLang="en-US"/>
+          </a:p>
+        </p:txBody>
+      </p:sp>
+    </p:spTree>
+    <p:extLst>
+      <p:ext uri="{BB962C8B-B14F-4D97-AF65-F5344CB8AC3E}">
+        <p14:creationId xmlns:p14="http://schemas.microsoft.com/office/powerpoint/2010/main" val="3629512740"/>
+      </p:ext>
+    </p:extLst>
+  </p:cSld>
+  <p:clrMapOvr>
+    <a:masterClrMapping/>
+  </p:clrMapOvr>
+</p:notes>
+</file>
+
 <file path=ppt/notesSlides/notesSlide2.xml><?xml version="1.0" encoding="utf-8"?>
 <p:notes xmlns:a="http://schemas.openxmlformats.org/drawingml/2006/main" xmlns:r="http://schemas.openxmlformats.org/officeDocument/2006/relationships" xmlns:p="http://schemas.openxmlformats.org/presentationml/2006/main">
   <p:cSld>
@@ -1251,6 +1340,116 @@
     <p:extLst>
       <p:ext uri="{BB962C8B-B14F-4D97-AF65-F5344CB8AC3E}">
         <p14:creationId xmlns:p14="http://schemas.microsoft.com/office/powerpoint/2010/main" val="1403908015"/>
+      </p:ext>
+    </p:extLst>
+  </p:cSld>
+  <p:clrMapOvr>
+    <a:masterClrMapping/>
+  </p:clrMapOvr>
+</p:notes>
+</file>
+
+<file path=ppt/notesSlides/notesSlide9.xml><?xml version="1.0" encoding="utf-8"?>
+<p:notes xmlns:a="http://schemas.openxmlformats.org/drawingml/2006/main" xmlns:r="http://schemas.openxmlformats.org/officeDocument/2006/relationships" xmlns:p="http://schemas.openxmlformats.org/presentationml/2006/main">
+  <p:cSld>
+    <p:spTree>
+      <p:nvGrpSpPr>
+        <p:cNvPr id="1" name=""/>
+        <p:cNvGrpSpPr/>
+        <p:nvPr/>
+      </p:nvGrpSpPr>
+      <p:grpSpPr>
+        <a:xfrm>
+          <a:off x="0" y="0"/>
+          <a:ext cx="0" cy="0"/>
+          <a:chOff x="0" y="0"/>
+          <a:chExt cx="0" cy="0"/>
+        </a:xfrm>
+      </p:grpSpPr>
+      <p:sp>
+        <p:nvSpPr>
+          <p:cNvPr id="2" name="幻灯片图像占位符 1"/>
+          <p:cNvSpPr>
+            <a:spLocks noGrp="1" noRot="1" noChangeAspect="1"/>
+          </p:cNvSpPr>
+          <p:nvPr>
+            <p:ph type="sldImg"/>
+          </p:nvPr>
+        </p:nvSpPr>
+        <p:spPr/>
+      </p:sp>
+      <p:sp>
+        <p:nvSpPr>
+          <p:cNvPr id="3" name="备注占位符 2"/>
+          <p:cNvSpPr>
+            <a:spLocks noGrp="1"/>
+          </p:cNvSpPr>
+          <p:nvPr>
+            <p:ph type="body" idx="1"/>
+          </p:nvPr>
+        </p:nvSpPr>
+        <p:spPr/>
+        <p:txBody>
+          <a:bodyPr/>
+          <a:lstStyle/>
+          <a:p>
+            <a:pPr marL="0" marR="0" lvl="0" indent="0" algn="l" defTabSz="914400" rtl="0" eaLnBrk="1" fontAlgn="auto" latinLnBrk="0" hangingPunct="1">
+              <a:lnSpc>
+                <a:spcPct val="100000"/>
+              </a:lnSpc>
+              <a:spcBef>
+                <a:spcPts val="0"/>
+              </a:spcBef>
+              <a:spcAft>
+                <a:spcPts val="0"/>
+              </a:spcAft>
+              <a:buClrTx/>
+              <a:buSzTx/>
+              <a:buFontTx/>
+              <a:buNone/>
+              <a:tabLst/>
+              <a:defRPr/>
+            </a:pPr>
+            <a:r>
+              <a:rPr lang="zh-CN" altLang="en-US"/>
+              <a:t>类的生命周期</a:t>
+            </a:r>
+          </a:p>
+          <a:p>
+            <a:br>
+              <a:rPr lang="en-US" altLang="zh-CN"/>
+            </a:br>
+            <a:endParaRPr lang="zh-CN" altLang="en-US"/>
+          </a:p>
+        </p:txBody>
+      </p:sp>
+      <p:sp>
+        <p:nvSpPr>
+          <p:cNvPr id="4" name="灯片编号占位符 3"/>
+          <p:cNvSpPr>
+            <a:spLocks noGrp="1"/>
+          </p:cNvSpPr>
+          <p:nvPr>
+            <p:ph type="sldNum" sz="quarter" idx="5"/>
+          </p:nvPr>
+        </p:nvSpPr>
+        <p:spPr/>
+        <p:txBody>
+          <a:bodyPr/>
+          <a:lstStyle/>
+          <a:p>
+            <a:fld id="{80FDEE4C-6445-4C18-B9D8-740B4FCEB2C2}" type="slidenum">
+              <a:rPr lang="zh-CN" altLang="en-US" smtClean="0"/>
+              <a:t>9</a:t>
+            </a:fld>
+            <a:endParaRPr lang="zh-CN" altLang="en-US"/>
+          </a:p>
+        </p:txBody>
+      </p:sp>
+    </p:spTree>
+    <p:extLst>
+      <p:ext uri="{BB962C8B-B14F-4D97-AF65-F5344CB8AC3E}">
+        <p14:creationId xmlns:p14="http://schemas.microsoft.com/office/powerpoint/2010/main" val="1784178265"/>
       </p:ext>
     </p:extLst>
   </p:cSld>
@@ -1407,7 +1606,7 @@
           <a:p>
             <a:fld id="{A6A4A897-575C-41C4-8D1F-1255879863ED}" type="datetimeFigureOut">
               <a:rPr lang="zh-CN" altLang="en-US" smtClean="0"/>
-              <a:t>2020/6/26</a:t>
+              <a:t>2020/7/1</a:t>
             </a:fld>
             <a:endParaRPr lang="zh-CN" altLang="en-US"/>
           </a:p>
@@ -1605,7 +1804,7 @@
           <a:p>
             <a:fld id="{A6A4A897-575C-41C4-8D1F-1255879863ED}" type="datetimeFigureOut">
               <a:rPr lang="zh-CN" altLang="en-US" smtClean="0"/>
-              <a:t>2020/6/26</a:t>
+              <a:t>2020/7/1</a:t>
             </a:fld>
             <a:endParaRPr lang="zh-CN" altLang="en-US"/>
           </a:p>
@@ -1813,7 +2012,7 @@
           <a:p>
             <a:fld id="{A6A4A897-575C-41C4-8D1F-1255879863ED}" type="datetimeFigureOut">
               <a:rPr lang="zh-CN" altLang="en-US" smtClean="0"/>
-              <a:t>2020/6/26</a:t>
+              <a:t>2020/7/1</a:t>
             </a:fld>
             <a:endParaRPr lang="zh-CN" altLang="en-US"/>
           </a:p>
@@ -2011,7 +2210,7 @@
           <a:p>
             <a:fld id="{A6A4A897-575C-41C4-8D1F-1255879863ED}" type="datetimeFigureOut">
               <a:rPr lang="zh-CN" altLang="en-US" smtClean="0"/>
-              <a:t>2020/6/26</a:t>
+              <a:t>2020/7/1</a:t>
             </a:fld>
             <a:endParaRPr lang="zh-CN" altLang="en-US"/>
           </a:p>
@@ -2286,7 +2485,7 @@
           <a:p>
             <a:fld id="{A6A4A897-575C-41C4-8D1F-1255879863ED}" type="datetimeFigureOut">
               <a:rPr lang="zh-CN" altLang="en-US" smtClean="0"/>
-              <a:t>2020/6/26</a:t>
+              <a:t>2020/7/1</a:t>
             </a:fld>
             <a:endParaRPr lang="zh-CN" altLang="en-US"/>
           </a:p>
@@ -2551,7 +2750,7 @@
           <a:p>
             <a:fld id="{A6A4A897-575C-41C4-8D1F-1255879863ED}" type="datetimeFigureOut">
               <a:rPr lang="zh-CN" altLang="en-US" smtClean="0"/>
-              <a:t>2020/6/26</a:t>
+              <a:t>2020/7/1</a:t>
             </a:fld>
             <a:endParaRPr lang="zh-CN" altLang="en-US"/>
           </a:p>
@@ -2963,7 +3162,7 @@
           <a:p>
             <a:fld id="{A6A4A897-575C-41C4-8D1F-1255879863ED}" type="datetimeFigureOut">
               <a:rPr lang="zh-CN" altLang="en-US" smtClean="0"/>
-              <a:t>2020/6/26</a:t>
+              <a:t>2020/7/1</a:t>
             </a:fld>
             <a:endParaRPr lang="zh-CN" altLang="en-US"/>
           </a:p>
@@ -3104,7 +3303,7 @@
           <a:p>
             <a:fld id="{A6A4A897-575C-41C4-8D1F-1255879863ED}" type="datetimeFigureOut">
               <a:rPr lang="zh-CN" altLang="en-US" smtClean="0"/>
-              <a:t>2020/6/26</a:t>
+              <a:t>2020/7/1</a:t>
             </a:fld>
             <a:endParaRPr lang="zh-CN" altLang="en-US"/>
           </a:p>
@@ -3217,7 +3416,7 @@
           <a:p>
             <a:fld id="{A6A4A897-575C-41C4-8D1F-1255879863ED}" type="datetimeFigureOut">
               <a:rPr lang="zh-CN" altLang="en-US" smtClean="0"/>
-              <a:t>2020/6/26</a:t>
+              <a:t>2020/7/1</a:t>
             </a:fld>
             <a:endParaRPr lang="zh-CN" altLang="en-US"/>
           </a:p>
@@ -3528,7 +3727,7 @@
           <a:p>
             <a:fld id="{A6A4A897-575C-41C4-8D1F-1255879863ED}" type="datetimeFigureOut">
               <a:rPr lang="zh-CN" altLang="en-US" smtClean="0"/>
-              <a:t>2020/6/26</a:t>
+              <a:t>2020/7/1</a:t>
             </a:fld>
             <a:endParaRPr lang="zh-CN" altLang="en-US"/>
           </a:p>
@@ -3816,7 +4015,7 @@
           <a:p>
             <a:fld id="{A6A4A897-575C-41C4-8D1F-1255879863ED}" type="datetimeFigureOut">
               <a:rPr lang="zh-CN" altLang="en-US" smtClean="0"/>
-              <a:t>2020/6/26</a:t>
+              <a:t>2020/7/1</a:t>
             </a:fld>
             <a:endParaRPr lang="zh-CN" altLang="en-US"/>
           </a:p>
@@ -4057,7 +4256,7 @@
           <a:p>
             <a:fld id="{A6A4A897-575C-41C4-8D1F-1255879863ED}" type="datetimeFigureOut">
               <a:rPr lang="zh-CN" altLang="en-US" smtClean="0"/>
-              <a:t>2020/6/26</a:t>
+              <a:t>2020/7/1</a:t>
             </a:fld>
             <a:endParaRPr lang="zh-CN" altLang="en-US"/>
           </a:p>
@@ -5969,6 +6168,637 @@
     <p:extLst>
       <p:ext uri="{BB962C8B-B14F-4D97-AF65-F5344CB8AC3E}">
         <p14:creationId xmlns:p14="http://schemas.microsoft.com/office/powerpoint/2010/main" val="4260679604"/>
+      </p:ext>
+    </p:extLst>
+  </p:cSld>
+  <p:clrMapOvr>
+    <a:masterClrMapping/>
+  </p:clrMapOvr>
+</p:sld>
+</file>
+
+<file path=ppt/slides/slide10.xml><?xml version="1.0" encoding="utf-8"?>
+<p:sld xmlns:a="http://schemas.openxmlformats.org/drawingml/2006/main" xmlns:r="http://schemas.openxmlformats.org/officeDocument/2006/relationships" xmlns:p="http://schemas.openxmlformats.org/presentationml/2006/main">
+  <p:cSld>
+    <p:spTree>
+      <p:nvGrpSpPr>
+        <p:cNvPr id="1" name=""/>
+        <p:cNvGrpSpPr/>
+        <p:nvPr/>
+      </p:nvGrpSpPr>
+      <p:grpSpPr>
+        <a:xfrm>
+          <a:off x="0" y="0"/>
+          <a:ext cx="0" cy="0"/>
+          <a:chOff x="0" y="0"/>
+          <a:chExt cx="0" cy="0"/>
+        </a:xfrm>
+      </p:grpSpPr>
+      <p:sp>
+        <p:nvSpPr>
+          <p:cNvPr id="5" name="矩形 4">
+            <a:extLst>
+              <a:ext uri="{FF2B5EF4-FFF2-40B4-BE49-F238E27FC236}">
+                <a16:creationId xmlns:a16="http://schemas.microsoft.com/office/drawing/2014/main" id="{4EDF093F-A6F6-453D-A795-D0D78F26EFC6}"/>
+              </a:ext>
+            </a:extLst>
+          </p:cNvPr>
+          <p:cNvSpPr/>
+          <p:nvPr/>
+        </p:nvSpPr>
+        <p:spPr>
+          <a:xfrm>
+            <a:off x="3686175" y="3124200"/>
+            <a:ext cx="1457325" cy="685800"/>
+          </a:xfrm>
+          <a:prstGeom prst="rect">
+            <a:avLst/>
+          </a:prstGeom>
+        </p:spPr>
+        <p:style>
+          <a:lnRef idx="2">
+            <a:schemeClr val="accent5">
+              <a:shade val="50000"/>
+            </a:schemeClr>
+          </a:lnRef>
+          <a:fillRef idx="1">
+            <a:schemeClr val="accent5"/>
+          </a:fillRef>
+          <a:effectRef idx="0">
+            <a:schemeClr val="accent5"/>
+          </a:effectRef>
+          <a:fontRef idx="minor">
+            <a:schemeClr val="lt1"/>
+          </a:fontRef>
+        </p:style>
+        <p:txBody>
+          <a:bodyPr rtlCol="0" anchor="ctr"/>
+          <a:lstStyle/>
+          <a:p>
+            <a:pPr algn="ctr"/>
+            <a:r>
+              <a:rPr lang="zh-CN" altLang="en-US" sz="1400">
+                <a:ln w="0"/>
+                <a:solidFill>
+                  <a:schemeClr val="tx1"/>
+                </a:solidFill>
+                <a:effectLst>
+                  <a:outerShdw blurRad="38100" dist="19050" dir="2700000" algn="tl" rotWithShape="0">
+                    <a:schemeClr val="dk1">
+                      <a:alpha val="40000"/>
+                    </a:schemeClr>
+                  </a:outerShdw>
+                </a:effectLst>
+              </a:rPr>
+              <a:t>操作栈共享区域</a:t>
+            </a:r>
+          </a:p>
+        </p:txBody>
+      </p:sp>
+      <p:sp>
+        <p:nvSpPr>
+          <p:cNvPr id="6" name="矩形 5">
+            <a:extLst>
+              <a:ext uri="{FF2B5EF4-FFF2-40B4-BE49-F238E27FC236}">
+                <a16:creationId xmlns:a16="http://schemas.microsoft.com/office/drawing/2014/main" id="{B0D68039-8F32-4580-BA58-C9B9251E3BD2}"/>
+              </a:ext>
+            </a:extLst>
+          </p:cNvPr>
+          <p:cNvSpPr/>
+          <p:nvPr/>
+        </p:nvSpPr>
+        <p:spPr>
+          <a:xfrm>
+            <a:off x="3686174" y="3810000"/>
+            <a:ext cx="1457325" cy="685800"/>
+          </a:xfrm>
+          <a:prstGeom prst="rect">
+            <a:avLst/>
+          </a:prstGeom>
+        </p:spPr>
+        <p:style>
+          <a:lnRef idx="2">
+            <a:schemeClr val="accent5">
+              <a:shade val="50000"/>
+            </a:schemeClr>
+          </a:lnRef>
+          <a:fillRef idx="1">
+            <a:schemeClr val="accent5"/>
+          </a:fillRef>
+          <a:effectRef idx="0">
+            <a:schemeClr val="accent5"/>
+          </a:effectRef>
+          <a:fontRef idx="minor">
+            <a:schemeClr val="lt1"/>
+          </a:fontRef>
+        </p:style>
+        <p:txBody>
+          <a:bodyPr rtlCol="0" anchor="ctr"/>
+          <a:lstStyle/>
+          <a:p>
+            <a:pPr algn="ctr"/>
+            <a:r>
+              <a:rPr lang="zh-CN" altLang="en-US" sz="1400">
+                <a:ln w="0"/>
+                <a:solidFill>
+                  <a:schemeClr val="tx1"/>
+                </a:solidFill>
+                <a:effectLst>
+                  <a:outerShdw blurRad="38100" dist="19050" dir="2700000" algn="tl" rotWithShape="0">
+                    <a:schemeClr val="dk1">
+                      <a:alpha val="40000"/>
+                    </a:schemeClr>
+                  </a:outerShdw>
+                </a:effectLst>
+              </a:rPr>
+              <a:t>操作栈</a:t>
+            </a:r>
+          </a:p>
+        </p:txBody>
+      </p:sp>
+      <p:sp>
+        <p:nvSpPr>
+          <p:cNvPr id="7" name="矩形 6">
+            <a:extLst>
+              <a:ext uri="{FF2B5EF4-FFF2-40B4-BE49-F238E27FC236}">
+                <a16:creationId xmlns:a16="http://schemas.microsoft.com/office/drawing/2014/main" id="{AEA3462C-7C7D-4F8A-9A18-A36C5374FC52}"/>
+              </a:ext>
+            </a:extLst>
+          </p:cNvPr>
+          <p:cNvSpPr/>
+          <p:nvPr/>
+        </p:nvSpPr>
+        <p:spPr>
+          <a:xfrm>
+            <a:off x="3686173" y="4495800"/>
+            <a:ext cx="1457325" cy="685800"/>
+          </a:xfrm>
+          <a:prstGeom prst="rect">
+            <a:avLst/>
+          </a:prstGeom>
+        </p:spPr>
+        <p:style>
+          <a:lnRef idx="2">
+            <a:schemeClr val="accent5">
+              <a:shade val="50000"/>
+            </a:schemeClr>
+          </a:lnRef>
+          <a:fillRef idx="1">
+            <a:schemeClr val="accent5"/>
+          </a:fillRef>
+          <a:effectRef idx="0">
+            <a:schemeClr val="accent5"/>
+          </a:effectRef>
+          <a:fontRef idx="minor">
+            <a:schemeClr val="lt1"/>
+          </a:fontRef>
+        </p:style>
+        <p:txBody>
+          <a:bodyPr rtlCol="0" anchor="ctr"/>
+          <a:lstStyle/>
+          <a:p>
+            <a:pPr algn="ctr"/>
+            <a:r>
+              <a:rPr lang="zh-CN" altLang="en-US" sz="1400">
+                <a:ln w="0"/>
+                <a:solidFill>
+                  <a:schemeClr val="tx1"/>
+                </a:solidFill>
+                <a:effectLst>
+                  <a:outerShdw blurRad="38100" dist="19050" dir="2700000" algn="tl" rotWithShape="0">
+                    <a:schemeClr val="dk1">
+                      <a:alpha val="40000"/>
+                    </a:schemeClr>
+                  </a:outerShdw>
+                </a:effectLst>
+              </a:rPr>
+              <a:t>其他栈桢信息</a:t>
+            </a:r>
+          </a:p>
+        </p:txBody>
+      </p:sp>
+      <p:sp>
+        <p:nvSpPr>
+          <p:cNvPr id="8" name="矩形 7">
+            <a:extLst>
+              <a:ext uri="{FF2B5EF4-FFF2-40B4-BE49-F238E27FC236}">
+                <a16:creationId xmlns:a16="http://schemas.microsoft.com/office/drawing/2014/main" id="{BAF9D377-78E4-4988-BC70-F6BD11CEB401}"/>
+              </a:ext>
+            </a:extLst>
+          </p:cNvPr>
+          <p:cNvSpPr/>
+          <p:nvPr/>
+        </p:nvSpPr>
+        <p:spPr>
+          <a:xfrm>
+            <a:off x="3686173" y="5181600"/>
+            <a:ext cx="1457325" cy="685800"/>
+          </a:xfrm>
+          <a:prstGeom prst="rect">
+            <a:avLst/>
+          </a:prstGeom>
+        </p:spPr>
+        <p:style>
+          <a:lnRef idx="2">
+            <a:schemeClr val="accent5">
+              <a:shade val="50000"/>
+            </a:schemeClr>
+          </a:lnRef>
+          <a:fillRef idx="1">
+            <a:schemeClr val="accent5"/>
+          </a:fillRef>
+          <a:effectRef idx="0">
+            <a:schemeClr val="accent5"/>
+          </a:effectRef>
+          <a:fontRef idx="minor">
+            <a:schemeClr val="lt1"/>
+          </a:fontRef>
+        </p:style>
+        <p:txBody>
+          <a:bodyPr rtlCol="0" anchor="ctr"/>
+          <a:lstStyle/>
+          <a:p>
+            <a:pPr algn="ctr"/>
+            <a:r>
+              <a:rPr lang="zh-CN" altLang="en-US" sz="1400">
+                <a:ln w="0"/>
+                <a:solidFill>
+                  <a:schemeClr val="tx1"/>
+                </a:solidFill>
+                <a:effectLst>
+                  <a:outerShdw blurRad="38100" dist="19050" dir="2700000" algn="tl" rotWithShape="0">
+                    <a:schemeClr val="dk1">
+                      <a:alpha val="40000"/>
+                    </a:schemeClr>
+                  </a:outerShdw>
+                </a:effectLst>
+              </a:rPr>
+              <a:t>局部变量表</a:t>
+            </a:r>
+          </a:p>
+        </p:txBody>
+      </p:sp>
+      <p:sp>
+        <p:nvSpPr>
+          <p:cNvPr id="13" name="矩形 12">
+            <a:extLst>
+              <a:ext uri="{FF2B5EF4-FFF2-40B4-BE49-F238E27FC236}">
+                <a16:creationId xmlns:a16="http://schemas.microsoft.com/office/drawing/2014/main" id="{CE1D4634-E00F-4E6D-97F1-786CD157E225}"/>
+              </a:ext>
+            </a:extLst>
+          </p:cNvPr>
+          <p:cNvSpPr/>
+          <p:nvPr/>
+        </p:nvSpPr>
+        <p:spPr>
+          <a:xfrm>
+            <a:off x="6210300" y="1009650"/>
+            <a:ext cx="1457325" cy="685800"/>
+          </a:xfrm>
+          <a:prstGeom prst="rect">
+            <a:avLst/>
+          </a:prstGeom>
+        </p:spPr>
+        <p:style>
+          <a:lnRef idx="2">
+            <a:schemeClr val="accent5">
+              <a:shade val="50000"/>
+            </a:schemeClr>
+          </a:lnRef>
+          <a:fillRef idx="1">
+            <a:schemeClr val="accent5"/>
+          </a:fillRef>
+          <a:effectRef idx="0">
+            <a:schemeClr val="accent5"/>
+          </a:effectRef>
+          <a:fontRef idx="minor">
+            <a:schemeClr val="lt1"/>
+          </a:fontRef>
+        </p:style>
+        <p:txBody>
+          <a:bodyPr rtlCol="0" anchor="ctr"/>
+          <a:lstStyle/>
+          <a:p>
+            <a:pPr algn="ctr"/>
+            <a:r>
+              <a:rPr lang="zh-CN" altLang="en-US" sz="1400">
+                <a:ln w="0"/>
+                <a:solidFill>
+                  <a:schemeClr val="tx1"/>
+                </a:solidFill>
+                <a:effectLst>
+                  <a:outerShdw blurRad="38100" dist="19050" dir="2700000" algn="tl" rotWithShape="0">
+                    <a:schemeClr val="dk1">
+                      <a:alpha val="40000"/>
+                    </a:schemeClr>
+                  </a:outerShdw>
+                </a:effectLst>
+              </a:rPr>
+              <a:t>操作栈共享区域</a:t>
+            </a:r>
+          </a:p>
+        </p:txBody>
+      </p:sp>
+      <p:sp>
+        <p:nvSpPr>
+          <p:cNvPr id="14" name="矩形 13">
+            <a:extLst>
+              <a:ext uri="{FF2B5EF4-FFF2-40B4-BE49-F238E27FC236}">
+                <a16:creationId xmlns:a16="http://schemas.microsoft.com/office/drawing/2014/main" id="{A15E8728-FC44-4F7D-A2DD-A3D732B2B4EC}"/>
+              </a:ext>
+            </a:extLst>
+          </p:cNvPr>
+          <p:cNvSpPr/>
+          <p:nvPr/>
+        </p:nvSpPr>
+        <p:spPr>
+          <a:xfrm>
+            <a:off x="6210299" y="1695450"/>
+            <a:ext cx="1457325" cy="685800"/>
+          </a:xfrm>
+          <a:prstGeom prst="rect">
+            <a:avLst/>
+          </a:prstGeom>
+        </p:spPr>
+        <p:style>
+          <a:lnRef idx="2">
+            <a:schemeClr val="accent5">
+              <a:shade val="50000"/>
+            </a:schemeClr>
+          </a:lnRef>
+          <a:fillRef idx="1">
+            <a:schemeClr val="accent5"/>
+          </a:fillRef>
+          <a:effectRef idx="0">
+            <a:schemeClr val="accent5"/>
+          </a:effectRef>
+          <a:fontRef idx="minor">
+            <a:schemeClr val="lt1"/>
+          </a:fontRef>
+        </p:style>
+        <p:txBody>
+          <a:bodyPr rtlCol="0" anchor="ctr"/>
+          <a:lstStyle/>
+          <a:p>
+            <a:pPr algn="ctr"/>
+            <a:r>
+              <a:rPr lang="zh-CN" altLang="en-US" sz="1400">
+                <a:ln w="0"/>
+                <a:solidFill>
+                  <a:schemeClr val="tx1"/>
+                </a:solidFill>
+                <a:effectLst>
+                  <a:outerShdw blurRad="38100" dist="19050" dir="2700000" algn="tl" rotWithShape="0">
+                    <a:schemeClr val="dk1">
+                      <a:alpha val="40000"/>
+                    </a:schemeClr>
+                  </a:outerShdw>
+                </a:effectLst>
+              </a:rPr>
+              <a:t>操作栈</a:t>
+            </a:r>
+          </a:p>
+        </p:txBody>
+      </p:sp>
+      <p:sp>
+        <p:nvSpPr>
+          <p:cNvPr id="15" name="矩形 14">
+            <a:extLst>
+              <a:ext uri="{FF2B5EF4-FFF2-40B4-BE49-F238E27FC236}">
+                <a16:creationId xmlns:a16="http://schemas.microsoft.com/office/drawing/2014/main" id="{636C91D3-F61D-4C9D-844B-507035249D09}"/>
+              </a:ext>
+            </a:extLst>
+          </p:cNvPr>
+          <p:cNvSpPr/>
+          <p:nvPr/>
+        </p:nvSpPr>
+        <p:spPr>
+          <a:xfrm>
+            <a:off x="6210298" y="2381250"/>
+            <a:ext cx="1457325" cy="685800"/>
+          </a:xfrm>
+          <a:prstGeom prst="rect">
+            <a:avLst/>
+          </a:prstGeom>
+        </p:spPr>
+        <p:style>
+          <a:lnRef idx="2">
+            <a:schemeClr val="accent5">
+              <a:shade val="50000"/>
+            </a:schemeClr>
+          </a:lnRef>
+          <a:fillRef idx="1">
+            <a:schemeClr val="accent5"/>
+          </a:fillRef>
+          <a:effectRef idx="0">
+            <a:schemeClr val="accent5"/>
+          </a:effectRef>
+          <a:fontRef idx="minor">
+            <a:schemeClr val="lt1"/>
+          </a:fontRef>
+        </p:style>
+        <p:txBody>
+          <a:bodyPr rtlCol="0" anchor="ctr"/>
+          <a:lstStyle/>
+          <a:p>
+            <a:pPr algn="ctr"/>
+            <a:r>
+              <a:rPr lang="zh-CN" altLang="en-US" sz="1400">
+                <a:ln w="0"/>
+                <a:solidFill>
+                  <a:schemeClr val="tx1"/>
+                </a:solidFill>
+                <a:effectLst>
+                  <a:outerShdw blurRad="38100" dist="19050" dir="2700000" algn="tl" rotWithShape="0">
+                    <a:schemeClr val="dk1">
+                      <a:alpha val="40000"/>
+                    </a:schemeClr>
+                  </a:outerShdw>
+                </a:effectLst>
+              </a:rPr>
+              <a:t>其他栈桢信息</a:t>
+            </a:r>
+          </a:p>
+        </p:txBody>
+      </p:sp>
+      <p:sp>
+        <p:nvSpPr>
+          <p:cNvPr id="16" name="矩形 15">
+            <a:extLst>
+              <a:ext uri="{FF2B5EF4-FFF2-40B4-BE49-F238E27FC236}">
+                <a16:creationId xmlns:a16="http://schemas.microsoft.com/office/drawing/2014/main" id="{D66D26CB-C3BD-4F23-BD12-C2F46DF15843}"/>
+              </a:ext>
+            </a:extLst>
+          </p:cNvPr>
+          <p:cNvSpPr/>
+          <p:nvPr/>
+        </p:nvSpPr>
+        <p:spPr>
+          <a:xfrm>
+            <a:off x="6210298" y="3067050"/>
+            <a:ext cx="1457325" cy="685800"/>
+          </a:xfrm>
+          <a:prstGeom prst="rect">
+            <a:avLst/>
+          </a:prstGeom>
+        </p:spPr>
+        <p:style>
+          <a:lnRef idx="2">
+            <a:schemeClr val="accent5">
+              <a:shade val="50000"/>
+            </a:schemeClr>
+          </a:lnRef>
+          <a:fillRef idx="1">
+            <a:schemeClr val="accent5"/>
+          </a:fillRef>
+          <a:effectRef idx="0">
+            <a:schemeClr val="accent5"/>
+          </a:effectRef>
+          <a:fontRef idx="minor">
+            <a:schemeClr val="lt1"/>
+          </a:fontRef>
+        </p:style>
+        <p:txBody>
+          <a:bodyPr rtlCol="0" anchor="ctr"/>
+          <a:lstStyle/>
+          <a:p>
+            <a:pPr algn="ctr"/>
+            <a:r>
+              <a:rPr lang="zh-CN" altLang="en-US" sz="1400">
+                <a:ln w="0"/>
+                <a:solidFill>
+                  <a:schemeClr val="tx1"/>
+                </a:solidFill>
+                <a:effectLst>
+                  <a:outerShdw blurRad="38100" dist="19050" dir="2700000" algn="tl" rotWithShape="0">
+                    <a:schemeClr val="dk1">
+                      <a:alpha val="40000"/>
+                    </a:schemeClr>
+                  </a:outerShdw>
+                </a:effectLst>
+              </a:rPr>
+              <a:t>局部变量表共享区域</a:t>
+            </a:r>
+          </a:p>
+        </p:txBody>
+      </p:sp>
+      <p:cxnSp>
+        <p:nvCxnSpPr>
+          <p:cNvPr id="20" name="直接连接符 19">
+            <a:extLst>
+              <a:ext uri="{FF2B5EF4-FFF2-40B4-BE49-F238E27FC236}">
+                <a16:creationId xmlns:a16="http://schemas.microsoft.com/office/drawing/2014/main" id="{EF75894E-178F-43F8-893D-5CD9668F3D70}"/>
+              </a:ext>
+            </a:extLst>
+          </p:cNvPr>
+          <p:cNvCxnSpPr/>
+          <p:nvPr/>
+        </p:nvCxnSpPr>
+        <p:spPr>
+          <a:xfrm>
+            <a:off x="5257800" y="3124200"/>
+            <a:ext cx="838200" cy="0"/>
+          </a:xfrm>
+          <a:prstGeom prst="line">
+            <a:avLst/>
+          </a:prstGeom>
+          <a:ln>
+            <a:prstDash val="sysDash"/>
+          </a:ln>
+        </p:spPr>
+        <p:style>
+          <a:lnRef idx="1">
+            <a:schemeClr val="accent1"/>
+          </a:lnRef>
+          <a:fillRef idx="0">
+            <a:schemeClr val="accent1"/>
+          </a:fillRef>
+          <a:effectRef idx="0">
+            <a:schemeClr val="accent1"/>
+          </a:effectRef>
+          <a:fontRef idx="minor">
+            <a:schemeClr val="tx1"/>
+          </a:fontRef>
+        </p:style>
+      </p:cxnSp>
+      <p:cxnSp>
+        <p:nvCxnSpPr>
+          <p:cNvPr id="21" name="直接连接符 20">
+            <a:extLst>
+              <a:ext uri="{FF2B5EF4-FFF2-40B4-BE49-F238E27FC236}">
+                <a16:creationId xmlns:a16="http://schemas.microsoft.com/office/drawing/2014/main" id="{05AF8910-A5BB-4B72-A054-B35D2BCF9EA2}"/>
+              </a:ext>
+            </a:extLst>
+          </p:cNvPr>
+          <p:cNvCxnSpPr/>
+          <p:nvPr/>
+        </p:nvCxnSpPr>
+        <p:spPr>
+          <a:xfrm>
+            <a:off x="5257800" y="3752850"/>
+            <a:ext cx="838200" cy="0"/>
+          </a:xfrm>
+          <a:prstGeom prst="line">
+            <a:avLst/>
+          </a:prstGeom>
+          <a:ln>
+            <a:prstDash val="sysDash"/>
+          </a:ln>
+        </p:spPr>
+        <p:style>
+          <a:lnRef idx="1">
+            <a:schemeClr val="accent1"/>
+          </a:lnRef>
+          <a:fillRef idx="0">
+            <a:schemeClr val="accent1"/>
+          </a:fillRef>
+          <a:effectRef idx="0">
+            <a:schemeClr val="accent1"/>
+          </a:effectRef>
+          <a:fontRef idx="minor">
+            <a:schemeClr val="tx1"/>
+          </a:fontRef>
+        </p:style>
+      </p:cxnSp>
+      <p:sp>
+        <p:nvSpPr>
+          <p:cNvPr id="22" name="文本框 21">
+            <a:extLst>
+              <a:ext uri="{FF2B5EF4-FFF2-40B4-BE49-F238E27FC236}">
+                <a16:creationId xmlns:a16="http://schemas.microsoft.com/office/drawing/2014/main" id="{2DF5C293-8C69-4514-B8D5-2ADC09F4EC3B}"/>
+              </a:ext>
+            </a:extLst>
+          </p:cNvPr>
+          <p:cNvSpPr txBox="1"/>
+          <p:nvPr/>
+        </p:nvSpPr>
+        <p:spPr>
+          <a:xfrm>
+            <a:off x="5295781" y="3300026"/>
+            <a:ext cx="800219" cy="276999"/>
+          </a:xfrm>
+          <a:prstGeom prst="rect">
+            <a:avLst/>
+          </a:prstGeom>
+          <a:noFill/>
+        </p:spPr>
+        <p:txBody>
+          <a:bodyPr wrap="none" rtlCol="0">
+            <a:spAutoFit/>
+          </a:bodyPr>
+          <a:lstStyle/>
+          <a:p>
+            <a:r>
+              <a:rPr lang="zh-CN" altLang="en-US" sz="1200"/>
+              <a:t>重叠区域</a:t>
+            </a:r>
+          </a:p>
+        </p:txBody>
+      </p:sp>
+    </p:spTree>
+    <p:extLst>
+      <p:ext uri="{BB962C8B-B14F-4D97-AF65-F5344CB8AC3E}">
+        <p14:creationId xmlns:p14="http://schemas.microsoft.com/office/powerpoint/2010/main" val="2297443030"/>
       </p:ext>
     </p:extLst>
   </p:cSld>
@@ -7962,7 +8792,7 @@
                 <a:pPr algn="ctr"/>
                 <a:r>
                   <a:rPr lang="en-US" altLang="zh-CN" sz="1400"/>
-                  <a:t>length:29</a:t>
+                  <a:t>length:14</a:t>
                 </a:r>
                 <a:endParaRPr lang="zh-CN" altLang="en-US" sz="1400"/>
               </a:p>
@@ -10597,6 +11427,824 @@
     <p:extLst>
       <p:ext uri="{BB962C8B-B14F-4D97-AF65-F5344CB8AC3E}">
         <p14:creationId xmlns:p14="http://schemas.microsoft.com/office/powerpoint/2010/main" val="3159426070"/>
+      </p:ext>
+    </p:extLst>
+  </p:cSld>
+  <p:clrMapOvr>
+    <a:masterClrMapping/>
+  </p:clrMapOvr>
+</p:sld>
+</file>
+
+<file path=ppt/slides/slide9.xml><?xml version="1.0" encoding="utf-8"?>
+<p:sld xmlns:a="http://schemas.openxmlformats.org/drawingml/2006/main" xmlns:r="http://schemas.openxmlformats.org/officeDocument/2006/relationships" xmlns:p="http://schemas.openxmlformats.org/presentationml/2006/main">
+  <p:cSld>
+    <p:spTree>
+      <p:nvGrpSpPr>
+        <p:cNvPr id="1" name=""/>
+        <p:cNvGrpSpPr/>
+        <p:nvPr/>
+      </p:nvGrpSpPr>
+      <p:grpSpPr>
+        <a:xfrm>
+          <a:off x="0" y="0"/>
+          <a:ext cx="0" cy="0"/>
+          <a:chOff x="0" y="0"/>
+          <a:chExt cx="0" cy="0"/>
+        </a:xfrm>
+      </p:grpSpPr>
+      <p:sp>
+        <p:nvSpPr>
+          <p:cNvPr id="15" name="矩形 14">
+            <a:extLst>
+              <a:ext uri="{FF2B5EF4-FFF2-40B4-BE49-F238E27FC236}">
+                <a16:creationId xmlns:a16="http://schemas.microsoft.com/office/drawing/2014/main" id="{C2783529-EE70-4FB2-A98D-AC48C0250AFC}"/>
+              </a:ext>
+            </a:extLst>
+          </p:cNvPr>
+          <p:cNvSpPr/>
+          <p:nvPr/>
+        </p:nvSpPr>
+        <p:spPr>
+          <a:xfrm>
+            <a:off x="2695575" y="2533649"/>
+            <a:ext cx="6019801" cy="1606035"/>
+          </a:xfrm>
+          <a:prstGeom prst="rect">
+            <a:avLst/>
+          </a:prstGeom>
+          <a:noFill/>
+        </p:spPr>
+        <p:style>
+          <a:lnRef idx="2">
+            <a:schemeClr val="dk1"/>
+          </a:lnRef>
+          <a:fillRef idx="1">
+            <a:schemeClr val="lt1"/>
+          </a:fillRef>
+          <a:effectRef idx="0">
+            <a:schemeClr val="dk1"/>
+          </a:effectRef>
+          <a:fontRef idx="minor">
+            <a:schemeClr val="dk1"/>
+          </a:fontRef>
+        </p:style>
+        <p:txBody>
+          <a:bodyPr rtlCol="0" anchor="ctr"/>
+          <a:lstStyle/>
+          <a:p>
+            <a:pPr algn="ctr"/>
+            <a:r>
+              <a:rPr lang="zh-CN" altLang="en-US"/>
+              <a:t>是</a:t>
+            </a:r>
+          </a:p>
+        </p:txBody>
+      </p:sp>
+      <p:sp>
+        <p:nvSpPr>
+          <p:cNvPr id="5" name="矩形: 圆角 4">
+            <a:extLst>
+              <a:ext uri="{FF2B5EF4-FFF2-40B4-BE49-F238E27FC236}">
+                <a16:creationId xmlns:a16="http://schemas.microsoft.com/office/drawing/2014/main" id="{57F36F03-E95A-461F-B853-D3512F2C1793}"/>
+              </a:ext>
+            </a:extLst>
+          </p:cNvPr>
+          <p:cNvSpPr/>
+          <p:nvPr/>
+        </p:nvSpPr>
+        <p:spPr>
+          <a:xfrm>
+            <a:off x="990600" y="3000375"/>
+            <a:ext cx="1143000" cy="704850"/>
+          </a:xfrm>
+          <a:prstGeom prst="roundRect">
+            <a:avLst/>
+          </a:prstGeom>
+        </p:spPr>
+        <p:style>
+          <a:lnRef idx="1">
+            <a:schemeClr val="accent3"/>
+          </a:lnRef>
+          <a:fillRef idx="2">
+            <a:schemeClr val="accent3"/>
+          </a:fillRef>
+          <a:effectRef idx="1">
+            <a:schemeClr val="accent3"/>
+          </a:effectRef>
+          <a:fontRef idx="minor">
+            <a:schemeClr val="dk1"/>
+          </a:fontRef>
+        </p:style>
+        <p:txBody>
+          <a:bodyPr rtlCol="0" anchor="ctr"/>
+          <a:lstStyle/>
+          <a:p>
+            <a:pPr algn="ctr"/>
+            <a:r>
+              <a:rPr lang="zh-CN" altLang="en-US" sz="1400"/>
+              <a:t>加载</a:t>
+            </a:r>
+            <a:r>
+              <a:rPr lang="en-US" altLang="zh-CN"/>
+              <a:t>Loading</a:t>
+            </a:r>
+            <a:endParaRPr lang="zh-CN" altLang="en-US"/>
+          </a:p>
+        </p:txBody>
+      </p:sp>
+      <p:sp>
+        <p:nvSpPr>
+          <p:cNvPr id="8" name="矩形: 圆角 7">
+            <a:extLst>
+              <a:ext uri="{FF2B5EF4-FFF2-40B4-BE49-F238E27FC236}">
+                <a16:creationId xmlns:a16="http://schemas.microsoft.com/office/drawing/2014/main" id="{9DA21EF8-929F-49EC-B9D5-F209849E75EB}"/>
+              </a:ext>
+            </a:extLst>
+          </p:cNvPr>
+          <p:cNvSpPr/>
+          <p:nvPr/>
+        </p:nvSpPr>
+        <p:spPr>
+          <a:xfrm>
+            <a:off x="3013076" y="3000375"/>
+            <a:ext cx="1371600" cy="704850"/>
+          </a:xfrm>
+          <a:prstGeom prst="roundRect">
+            <a:avLst/>
+          </a:prstGeom>
+        </p:spPr>
+        <p:style>
+          <a:lnRef idx="1">
+            <a:schemeClr val="accent3"/>
+          </a:lnRef>
+          <a:fillRef idx="2">
+            <a:schemeClr val="accent3"/>
+          </a:fillRef>
+          <a:effectRef idx="1">
+            <a:schemeClr val="accent3"/>
+          </a:effectRef>
+          <a:fontRef idx="minor">
+            <a:schemeClr val="dk1"/>
+          </a:fontRef>
+        </p:style>
+        <p:txBody>
+          <a:bodyPr rtlCol="0" anchor="ctr"/>
+          <a:lstStyle/>
+          <a:p>
+            <a:pPr algn="ctr"/>
+            <a:r>
+              <a:rPr lang="zh-CN" altLang="en-US"/>
+              <a:t>验证</a:t>
+            </a:r>
+            <a:r>
+              <a:rPr lang="en-US" altLang="zh-CN"/>
+              <a:t>Verification</a:t>
+            </a:r>
+            <a:endParaRPr lang="zh-CN" altLang="en-US"/>
+          </a:p>
+        </p:txBody>
+      </p:sp>
+      <p:sp>
+        <p:nvSpPr>
+          <p:cNvPr id="9" name="矩形: 圆角 8">
+            <a:extLst>
+              <a:ext uri="{FF2B5EF4-FFF2-40B4-BE49-F238E27FC236}">
+                <a16:creationId xmlns:a16="http://schemas.microsoft.com/office/drawing/2014/main" id="{D2F37E78-1B10-4362-A46E-2907005027B2}"/>
+              </a:ext>
+            </a:extLst>
+          </p:cNvPr>
+          <p:cNvSpPr/>
+          <p:nvPr/>
+        </p:nvSpPr>
+        <p:spPr>
+          <a:xfrm>
+            <a:off x="5045077" y="3000375"/>
+            <a:ext cx="1457324" cy="704850"/>
+          </a:xfrm>
+          <a:prstGeom prst="roundRect">
+            <a:avLst/>
+          </a:prstGeom>
+        </p:spPr>
+        <p:style>
+          <a:lnRef idx="1">
+            <a:schemeClr val="accent3"/>
+          </a:lnRef>
+          <a:fillRef idx="2">
+            <a:schemeClr val="accent3"/>
+          </a:fillRef>
+          <a:effectRef idx="1">
+            <a:schemeClr val="accent3"/>
+          </a:effectRef>
+          <a:fontRef idx="minor">
+            <a:schemeClr val="dk1"/>
+          </a:fontRef>
+        </p:style>
+        <p:txBody>
+          <a:bodyPr rtlCol="0" anchor="ctr"/>
+          <a:lstStyle/>
+          <a:p>
+            <a:pPr algn="ctr"/>
+            <a:r>
+              <a:rPr lang="zh-CN" altLang="en-US"/>
+              <a:t>准备</a:t>
+            </a:r>
+            <a:r>
+              <a:rPr lang="en-US" altLang="zh-CN"/>
+              <a:t>Preparation</a:t>
+            </a:r>
+            <a:endParaRPr lang="zh-CN" altLang="en-US"/>
+          </a:p>
+        </p:txBody>
+      </p:sp>
+      <p:sp>
+        <p:nvSpPr>
+          <p:cNvPr id="11" name="矩形: 圆角 10">
+            <a:extLst>
+              <a:ext uri="{FF2B5EF4-FFF2-40B4-BE49-F238E27FC236}">
+                <a16:creationId xmlns:a16="http://schemas.microsoft.com/office/drawing/2014/main" id="{B313B7D6-B727-4818-B5B8-3B93478E8022}"/>
+              </a:ext>
+            </a:extLst>
+          </p:cNvPr>
+          <p:cNvSpPr/>
+          <p:nvPr/>
+        </p:nvSpPr>
+        <p:spPr>
+          <a:xfrm>
+            <a:off x="7162802" y="3000375"/>
+            <a:ext cx="1285873" cy="704850"/>
+          </a:xfrm>
+          <a:prstGeom prst="roundRect">
+            <a:avLst/>
+          </a:prstGeom>
+        </p:spPr>
+        <p:style>
+          <a:lnRef idx="1">
+            <a:schemeClr val="accent3"/>
+          </a:lnRef>
+          <a:fillRef idx="2">
+            <a:schemeClr val="accent3"/>
+          </a:fillRef>
+          <a:effectRef idx="1">
+            <a:schemeClr val="accent3"/>
+          </a:effectRef>
+          <a:fontRef idx="minor">
+            <a:schemeClr val="dk1"/>
+          </a:fontRef>
+        </p:style>
+        <p:txBody>
+          <a:bodyPr rtlCol="0" anchor="ctr"/>
+          <a:lstStyle/>
+          <a:p>
+            <a:pPr algn="ctr"/>
+            <a:r>
+              <a:rPr lang="zh-CN" altLang="en-US"/>
+              <a:t>解析</a:t>
+            </a:r>
+            <a:r>
+              <a:rPr lang="en-US" altLang="zh-CN"/>
+              <a:t>Resolution</a:t>
+            </a:r>
+            <a:endParaRPr lang="zh-CN" altLang="en-US"/>
+          </a:p>
+        </p:txBody>
+      </p:sp>
+      <p:sp>
+        <p:nvSpPr>
+          <p:cNvPr id="12" name="矩形: 圆角 11">
+            <a:extLst>
+              <a:ext uri="{FF2B5EF4-FFF2-40B4-BE49-F238E27FC236}">
+                <a16:creationId xmlns:a16="http://schemas.microsoft.com/office/drawing/2014/main" id="{1C43BA97-AF84-416E-831E-208389C8E238}"/>
+              </a:ext>
+            </a:extLst>
+          </p:cNvPr>
+          <p:cNvSpPr/>
+          <p:nvPr/>
+        </p:nvSpPr>
+        <p:spPr>
+          <a:xfrm>
+            <a:off x="7162802" y="4724400"/>
+            <a:ext cx="1447798" cy="704850"/>
+          </a:xfrm>
+          <a:prstGeom prst="roundRect">
+            <a:avLst/>
+          </a:prstGeom>
+        </p:spPr>
+        <p:style>
+          <a:lnRef idx="1">
+            <a:schemeClr val="accent3"/>
+          </a:lnRef>
+          <a:fillRef idx="2">
+            <a:schemeClr val="accent3"/>
+          </a:fillRef>
+          <a:effectRef idx="1">
+            <a:schemeClr val="accent3"/>
+          </a:effectRef>
+          <a:fontRef idx="minor">
+            <a:schemeClr val="dk1"/>
+          </a:fontRef>
+        </p:style>
+        <p:txBody>
+          <a:bodyPr rtlCol="0" anchor="ctr"/>
+          <a:lstStyle/>
+          <a:p>
+            <a:pPr algn="ctr"/>
+            <a:r>
+              <a:rPr lang="zh-CN" altLang="en-US"/>
+              <a:t>初始化</a:t>
+            </a:r>
+            <a:r>
+              <a:rPr lang="en-US" altLang="zh-CN"/>
+              <a:t>Initialization</a:t>
+            </a:r>
+            <a:endParaRPr lang="zh-CN" altLang="en-US"/>
+          </a:p>
+        </p:txBody>
+      </p:sp>
+      <p:sp>
+        <p:nvSpPr>
+          <p:cNvPr id="13" name="矩形: 圆角 12">
+            <a:extLst>
+              <a:ext uri="{FF2B5EF4-FFF2-40B4-BE49-F238E27FC236}">
+                <a16:creationId xmlns:a16="http://schemas.microsoft.com/office/drawing/2014/main" id="{4F0AA13E-D81F-4617-BB1A-38977738F078}"/>
+              </a:ext>
+            </a:extLst>
+          </p:cNvPr>
+          <p:cNvSpPr/>
+          <p:nvPr/>
+        </p:nvSpPr>
+        <p:spPr>
+          <a:xfrm>
+            <a:off x="5153027" y="4724400"/>
+            <a:ext cx="1209673" cy="704850"/>
+          </a:xfrm>
+          <a:prstGeom prst="roundRect">
+            <a:avLst/>
+          </a:prstGeom>
+        </p:spPr>
+        <p:style>
+          <a:lnRef idx="1">
+            <a:schemeClr val="accent3"/>
+          </a:lnRef>
+          <a:fillRef idx="2">
+            <a:schemeClr val="accent3"/>
+          </a:fillRef>
+          <a:effectRef idx="1">
+            <a:schemeClr val="accent3"/>
+          </a:effectRef>
+          <a:fontRef idx="minor">
+            <a:schemeClr val="dk1"/>
+          </a:fontRef>
+        </p:style>
+        <p:txBody>
+          <a:bodyPr rtlCol="0" anchor="ctr"/>
+          <a:lstStyle/>
+          <a:p>
+            <a:pPr algn="ctr"/>
+            <a:r>
+              <a:rPr lang="zh-CN" altLang="en-US"/>
+              <a:t>使用</a:t>
+            </a:r>
+            <a:endParaRPr lang="en-US" altLang="zh-CN"/>
+          </a:p>
+          <a:p>
+            <a:pPr algn="ctr"/>
+            <a:r>
+              <a:rPr lang="en-US" altLang="zh-CN"/>
+              <a:t>Using</a:t>
+            </a:r>
+            <a:endParaRPr lang="zh-CN" altLang="en-US"/>
+          </a:p>
+        </p:txBody>
+      </p:sp>
+      <p:sp>
+        <p:nvSpPr>
+          <p:cNvPr id="14" name="矩形: 圆角 13">
+            <a:extLst>
+              <a:ext uri="{FF2B5EF4-FFF2-40B4-BE49-F238E27FC236}">
+                <a16:creationId xmlns:a16="http://schemas.microsoft.com/office/drawing/2014/main" id="{AF4386C5-DAFE-46C0-8A67-0F190A9FE020}"/>
+              </a:ext>
+            </a:extLst>
+          </p:cNvPr>
+          <p:cNvSpPr/>
+          <p:nvPr/>
+        </p:nvSpPr>
+        <p:spPr>
+          <a:xfrm>
+            <a:off x="3057525" y="4724400"/>
+            <a:ext cx="1295400" cy="704850"/>
+          </a:xfrm>
+          <a:prstGeom prst="roundRect">
+            <a:avLst/>
+          </a:prstGeom>
+        </p:spPr>
+        <p:style>
+          <a:lnRef idx="1">
+            <a:schemeClr val="accent3"/>
+          </a:lnRef>
+          <a:fillRef idx="2">
+            <a:schemeClr val="accent3"/>
+          </a:fillRef>
+          <a:effectRef idx="1">
+            <a:schemeClr val="accent3"/>
+          </a:effectRef>
+          <a:fontRef idx="minor">
+            <a:schemeClr val="dk1"/>
+          </a:fontRef>
+        </p:style>
+        <p:txBody>
+          <a:bodyPr rtlCol="0" anchor="ctr"/>
+          <a:lstStyle/>
+          <a:p>
+            <a:pPr algn="ctr"/>
+            <a:r>
+              <a:rPr lang="zh-CN" altLang="en-US"/>
+              <a:t>卸载</a:t>
+            </a:r>
+            <a:r>
+              <a:rPr lang="en-US" altLang="zh-CN"/>
+              <a:t>Unloading</a:t>
+            </a:r>
+            <a:endParaRPr lang="zh-CN" altLang="en-US"/>
+          </a:p>
+        </p:txBody>
+      </p:sp>
+      <p:sp>
+        <p:nvSpPr>
+          <p:cNvPr id="17" name="矩形 16">
+            <a:extLst>
+              <a:ext uri="{FF2B5EF4-FFF2-40B4-BE49-F238E27FC236}">
+                <a16:creationId xmlns:a16="http://schemas.microsoft.com/office/drawing/2014/main" id="{B4535B2A-742D-4E16-91F6-1FE6E52DC9E9}"/>
+              </a:ext>
+            </a:extLst>
+          </p:cNvPr>
+          <p:cNvSpPr/>
+          <p:nvPr/>
+        </p:nvSpPr>
+        <p:spPr>
+          <a:xfrm>
+            <a:off x="5001420" y="2348984"/>
+            <a:ext cx="1500981" cy="369332"/>
+          </a:xfrm>
+          <a:prstGeom prst="rect">
+            <a:avLst/>
+          </a:prstGeom>
+          <a:solidFill>
+            <a:schemeClr val="bg1"/>
+          </a:solidFill>
+          <a:ln>
+            <a:noFill/>
+          </a:ln>
+        </p:spPr>
+        <p:style>
+          <a:lnRef idx="2">
+            <a:schemeClr val="accent1">
+              <a:shade val="50000"/>
+            </a:schemeClr>
+          </a:lnRef>
+          <a:fillRef idx="1">
+            <a:schemeClr val="accent1"/>
+          </a:fillRef>
+          <a:effectRef idx="0">
+            <a:schemeClr val="accent1"/>
+          </a:effectRef>
+          <a:fontRef idx="minor">
+            <a:schemeClr val="lt1"/>
+          </a:fontRef>
+        </p:style>
+        <p:txBody>
+          <a:bodyPr rtlCol="0" anchor="ctr"/>
+          <a:lstStyle/>
+          <a:p>
+            <a:pPr algn="ctr"/>
+            <a:r>
+              <a:rPr lang="zh-CN" altLang="en-US">
+                <a:ln w="0"/>
+                <a:solidFill>
+                  <a:schemeClr val="tx1"/>
+                </a:solidFill>
+                <a:effectLst>
+                  <a:outerShdw blurRad="38100" dist="19050" dir="2700000" algn="tl" rotWithShape="0">
+                    <a:schemeClr val="dk1">
+                      <a:alpha val="40000"/>
+                    </a:schemeClr>
+                  </a:outerShdw>
+                </a:effectLst>
+              </a:rPr>
+              <a:t>连接 </a:t>
+            </a:r>
+            <a:r>
+              <a:rPr lang="en-US" altLang="zh-CN">
+                <a:ln w="0"/>
+                <a:solidFill>
+                  <a:schemeClr val="tx1"/>
+                </a:solidFill>
+                <a:effectLst>
+                  <a:outerShdw blurRad="38100" dist="19050" dir="2700000" algn="tl" rotWithShape="0">
+                    <a:schemeClr val="dk1">
+                      <a:alpha val="40000"/>
+                    </a:schemeClr>
+                  </a:outerShdw>
+                </a:effectLst>
+              </a:rPr>
+              <a:t>Linking</a:t>
+            </a:r>
+            <a:endParaRPr lang="zh-CN" altLang="en-US">
+              <a:ln w="0"/>
+              <a:solidFill>
+                <a:schemeClr val="tx1"/>
+              </a:solidFill>
+              <a:effectLst>
+                <a:outerShdw blurRad="38100" dist="19050" dir="2700000" algn="tl" rotWithShape="0">
+                  <a:schemeClr val="dk1">
+                    <a:alpha val="40000"/>
+                  </a:schemeClr>
+                </a:outerShdw>
+              </a:effectLst>
+            </a:endParaRPr>
+          </a:p>
+        </p:txBody>
+      </p:sp>
+      <p:sp>
+        <p:nvSpPr>
+          <p:cNvPr id="18" name="箭头: 右 17">
+            <a:extLst>
+              <a:ext uri="{FF2B5EF4-FFF2-40B4-BE49-F238E27FC236}">
+                <a16:creationId xmlns:a16="http://schemas.microsoft.com/office/drawing/2014/main" id="{3623AE5D-241B-433C-9355-4CFEBDC5B987}"/>
+              </a:ext>
+            </a:extLst>
+          </p:cNvPr>
+          <p:cNvSpPr/>
+          <p:nvPr/>
+        </p:nvSpPr>
+        <p:spPr>
+          <a:xfrm>
+            <a:off x="2251075" y="3228975"/>
+            <a:ext cx="361950" cy="247650"/>
+          </a:xfrm>
+          <a:prstGeom prst="rightArrow">
+            <a:avLst/>
+          </a:prstGeom>
+        </p:spPr>
+        <p:style>
+          <a:lnRef idx="2">
+            <a:schemeClr val="accent1">
+              <a:shade val="50000"/>
+            </a:schemeClr>
+          </a:lnRef>
+          <a:fillRef idx="1">
+            <a:schemeClr val="accent1"/>
+          </a:fillRef>
+          <a:effectRef idx="0">
+            <a:schemeClr val="accent1"/>
+          </a:effectRef>
+          <a:fontRef idx="minor">
+            <a:schemeClr val="lt1"/>
+          </a:fontRef>
+        </p:style>
+        <p:txBody>
+          <a:bodyPr rtlCol="0" anchor="ctr"/>
+          <a:lstStyle/>
+          <a:p>
+            <a:pPr algn="ctr"/>
+            <a:endParaRPr lang="zh-CN" altLang="en-US"/>
+          </a:p>
+        </p:txBody>
+      </p:sp>
+      <p:sp>
+        <p:nvSpPr>
+          <p:cNvPr id="19" name="箭头: 右 18">
+            <a:extLst>
+              <a:ext uri="{FF2B5EF4-FFF2-40B4-BE49-F238E27FC236}">
+                <a16:creationId xmlns:a16="http://schemas.microsoft.com/office/drawing/2014/main" id="{66C1B6C8-8D40-4BA3-8E47-27932E23F995}"/>
+              </a:ext>
+            </a:extLst>
+          </p:cNvPr>
+          <p:cNvSpPr/>
+          <p:nvPr/>
+        </p:nvSpPr>
+        <p:spPr>
+          <a:xfrm>
+            <a:off x="4533901" y="3228975"/>
+            <a:ext cx="361950" cy="247650"/>
+          </a:xfrm>
+          <a:prstGeom prst="rightArrow">
+            <a:avLst/>
+          </a:prstGeom>
+        </p:spPr>
+        <p:style>
+          <a:lnRef idx="2">
+            <a:schemeClr val="accent1">
+              <a:shade val="50000"/>
+            </a:schemeClr>
+          </a:lnRef>
+          <a:fillRef idx="1">
+            <a:schemeClr val="accent1"/>
+          </a:fillRef>
+          <a:effectRef idx="0">
+            <a:schemeClr val="accent1"/>
+          </a:effectRef>
+          <a:fontRef idx="minor">
+            <a:schemeClr val="lt1"/>
+          </a:fontRef>
+        </p:style>
+        <p:txBody>
+          <a:bodyPr rtlCol="0" anchor="ctr"/>
+          <a:lstStyle/>
+          <a:p>
+            <a:pPr algn="ctr"/>
+            <a:endParaRPr lang="zh-CN" altLang="en-US"/>
+          </a:p>
+        </p:txBody>
+      </p:sp>
+      <p:sp>
+        <p:nvSpPr>
+          <p:cNvPr id="20" name="箭头: 右 19">
+            <a:extLst>
+              <a:ext uri="{FF2B5EF4-FFF2-40B4-BE49-F238E27FC236}">
+                <a16:creationId xmlns:a16="http://schemas.microsoft.com/office/drawing/2014/main" id="{9410A21A-6A43-4578-9880-C72D1EA0EF74}"/>
+              </a:ext>
+            </a:extLst>
+          </p:cNvPr>
+          <p:cNvSpPr/>
+          <p:nvPr/>
+        </p:nvSpPr>
+        <p:spPr>
+          <a:xfrm>
+            <a:off x="6651626" y="3228975"/>
+            <a:ext cx="361950" cy="247650"/>
+          </a:xfrm>
+          <a:prstGeom prst="rightArrow">
+            <a:avLst/>
+          </a:prstGeom>
+        </p:spPr>
+        <p:style>
+          <a:lnRef idx="2">
+            <a:schemeClr val="accent1">
+              <a:shade val="50000"/>
+            </a:schemeClr>
+          </a:lnRef>
+          <a:fillRef idx="1">
+            <a:schemeClr val="accent1"/>
+          </a:fillRef>
+          <a:effectRef idx="0">
+            <a:schemeClr val="accent1"/>
+          </a:effectRef>
+          <a:fontRef idx="minor">
+            <a:schemeClr val="lt1"/>
+          </a:fontRef>
+        </p:style>
+        <p:txBody>
+          <a:bodyPr rtlCol="0" anchor="ctr"/>
+          <a:lstStyle/>
+          <a:p>
+            <a:pPr algn="ctr"/>
+            <a:endParaRPr lang="zh-CN" altLang="en-US"/>
+          </a:p>
+        </p:txBody>
+      </p:sp>
+      <p:sp>
+        <p:nvSpPr>
+          <p:cNvPr id="21" name="箭头: 下 20">
+            <a:extLst>
+              <a:ext uri="{FF2B5EF4-FFF2-40B4-BE49-F238E27FC236}">
+                <a16:creationId xmlns:a16="http://schemas.microsoft.com/office/drawing/2014/main" id="{B559AEBC-6478-4682-95CD-33813830B34B}"/>
+              </a:ext>
+            </a:extLst>
+          </p:cNvPr>
+          <p:cNvSpPr/>
+          <p:nvPr/>
+        </p:nvSpPr>
+        <p:spPr>
+          <a:xfrm>
+            <a:off x="7770814" y="4237851"/>
+            <a:ext cx="231774" cy="369331"/>
+          </a:xfrm>
+          <a:prstGeom prst="downArrow">
+            <a:avLst/>
+          </a:prstGeom>
+        </p:spPr>
+        <p:style>
+          <a:lnRef idx="2">
+            <a:schemeClr val="accent1">
+              <a:shade val="50000"/>
+            </a:schemeClr>
+          </a:lnRef>
+          <a:fillRef idx="1">
+            <a:schemeClr val="accent1"/>
+          </a:fillRef>
+          <a:effectRef idx="0">
+            <a:schemeClr val="accent1"/>
+          </a:effectRef>
+          <a:fontRef idx="minor">
+            <a:schemeClr val="lt1"/>
+          </a:fontRef>
+        </p:style>
+        <p:txBody>
+          <a:bodyPr rtlCol="0" anchor="ctr"/>
+          <a:lstStyle/>
+          <a:p>
+            <a:pPr algn="ctr"/>
+            <a:endParaRPr lang="zh-CN" altLang="en-US"/>
+          </a:p>
+        </p:txBody>
+      </p:sp>
+      <p:sp>
+        <p:nvSpPr>
+          <p:cNvPr id="22" name="箭头: 右 21">
+            <a:extLst>
+              <a:ext uri="{FF2B5EF4-FFF2-40B4-BE49-F238E27FC236}">
+                <a16:creationId xmlns:a16="http://schemas.microsoft.com/office/drawing/2014/main" id="{43D10092-E8B7-423F-91AF-5FC8B6E5E378}"/>
+              </a:ext>
+            </a:extLst>
+          </p:cNvPr>
+          <p:cNvSpPr/>
+          <p:nvPr/>
+        </p:nvSpPr>
+        <p:spPr>
+          <a:xfrm rot="10800000">
+            <a:off x="6581776" y="4953000"/>
+            <a:ext cx="361950" cy="247650"/>
+          </a:xfrm>
+          <a:prstGeom prst="rightArrow">
+            <a:avLst/>
+          </a:prstGeom>
+        </p:spPr>
+        <p:style>
+          <a:lnRef idx="2">
+            <a:schemeClr val="accent1">
+              <a:shade val="50000"/>
+            </a:schemeClr>
+          </a:lnRef>
+          <a:fillRef idx="1">
+            <a:schemeClr val="accent1"/>
+          </a:fillRef>
+          <a:effectRef idx="0">
+            <a:schemeClr val="accent1"/>
+          </a:effectRef>
+          <a:fontRef idx="minor">
+            <a:schemeClr val="lt1"/>
+          </a:fontRef>
+        </p:style>
+        <p:txBody>
+          <a:bodyPr rtlCol="0" anchor="ctr"/>
+          <a:lstStyle/>
+          <a:p>
+            <a:pPr algn="ctr"/>
+            <a:endParaRPr lang="zh-CN" altLang="en-US"/>
+          </a:p>
+        </p:txBody>
+      </p:sp>
+      <p:sp>
+        <p:nvSpPr>
+          <p:cNvPr id="23" name="箭头: 右 22">
+            <a:extLst>
+              <a:ext uri="{FF2B5EF4-FFF2-40B4-BE49-F238E27FC236}">
+                <a16:creationId xmlns:a16="http://schemas.microsoft.com/office/drawing/2014/main" id="{B1E1D789-8ABF-4406-8D89-5A18B4132402}"/>
+              </a:ext>
+            </a:extLst>
+          </p:cNvPr>
+          <p:cNvSpPr/>
+          <p:nvPr/>
+        </p:nvSpPr>
+        <p:spPr>
+          <a:xfrm rot="10800000">
+            <a:off x="4572001" y="4953000"/>
+            <a:ext cx="361950" cy="247650"/>
+          </a:xfrm>
+          <a:prstGeom prst="rightArrow">
+            <a:avLst/>
+          </a:prstGeom>
+        </p:spPr>
+        <p:style>
+          <a:lnRef idx="2">
+            <a:schemeClr val="accent1">
+              <a:shade val="50000"/>
+            </a:schemeClr>
+          </a:lnRef>
+          <a:fillRef idx="1">
+            <a:schemeClr val="accent1"/>
+          </a:fillRef>
+          <a:effectRef idx="0">
+            <a:schemeClr val="accent1"/>
+          </a:effectRef>
+          <a:fontRef idx="minor">
+            <a:schemeClr val="lt1"/>
+          </a:fontRef>
+        </p:style>
+        <p:txBody>
+          <a:bodyPr rtlCol="0" anchor="ctr"/>
+          <a:lstStyle/>
+          <a:p>
+            <a:pPr algn="ctr"/>
+            <a:endParaRPr lang="zh-CN" altLang="en-US"/>
+          </a:p>
+        </p:txBody>
+      </p:sp>
+    </p:spTree>
+    <p:extLst>
+      <p:ext uri="{BB962C8B-B14F-4D97-AF65-F5344CB8AC3E}">
+        <p14:creationId xmlns:p14="http://schemas.microsoft.com/office/powerpoint/2010/main" val="1161589361"/>
       </p:ext>
     </p:extLst>
   </p:cSld>
